--- a/Français/2.Preparing data/7.Invoke function.pptx
+++ b/Français/2.Preparing data/7.Invoke function.pptx
@@ -5,15 +5,16 @@
     <p:sldMasterId id="2147483648" r:id="rId1"/>
   </p:sldMasterIdLst>
   <p:notesMasterIdLst>
-    <p:notesMasterId r:id="rId8"/>
+    <p:notesMasterId r:id="rId9"/>
   </p:notesMasterIdLst>
   <p:sldIdLst>
     <p:sldId id="256" r:id="rId2"/>
     <p:sldId id="257" r:id="rId3"/>
-    <p:sldId id="267" r:id="rId4"/>
-    <p:sldId id="268" r:id="rId5"/>
-    <p:sldId id="269" r:id="rId6"/>
-    <p:sldId id="258" r:id="rId7"/>
+    <p:sldId id="269" r:id="rId4"/>
+    <p:sldId id="270" r:id="rId5"/>
+    <p:sldId id="271" r:id="rId6"/>
+    <p:sldId id="272" r:id="rId7"/>
+    <p:sldId id="258" r:id="rId8"/>
   </p:sldIdLst>
   <p:sldSz cx="12192000" cy="6858000"/>
   <p:notesSz cx="6858000" cy="9144000"/>
@@ -202,7 +203,7 @@
           <a:p>
             <a:fld id="{056BA3B8-9F76-4D81-B71D-76CB85363062}" type="datetimeFigureOut">
               <a:rPr lang="en-US" smtClean="0"/>
-              <a:t>2/25/2025</a:t>
+              <a:t>3/4/2025</a:t>
             </a:fld>
             <a:endParaRPr lang="en-US"/>
           </a:p>
@@ -601,7 +602,7 @@
           <a:p>
             <a:fld id="{6F01DA4D-20EA-48D2-973C-0311EC3005D6}" type="datetimeFigureOut">
               <a:rPr lang="en-US" smtClean="0"/>
-              <a:t>2/25/2025</a:t>
+              <a:t>3/4/2025</a:t>
             </a:fld>
             <a:endParaRPr lang="en-US"/>
           </a:p>
@@ -771,7 +772,7 @@
           <a:p>
             <a:fld id="{6F01DA4D-20EA-48D2-973C-0311EC3005D6}" type="datetimeFigureOut">
               <a:rPr lang="en-US" smtClean="0"/>
-              <a:t>2/25/2025</a:t>
+              <a:t>3/4/2025</a:t>
             </a:fld>
             <a:endParaRPr lang="en-US"/>
           </a:p>
@@ -951,7 +952,7 @@
           <a:p>
             <a:fld id="{6F01DA4D-20EA-48D2-973C-0311EC3005D6}" type="datetimeFigureOut">
               <a:rPr lang="en-US" smtClean="0"/>
-              <a:t>2/25/2025</a:t>
+              <a:t>3/4/2025</a:t>
             </a:fld>
             <a:endParaRPr lang="en-US"/>
           </a:p>
@@ -1121,7 +1122,7 @@
           <a:p>
             <a:fld id="{6F01DA4D-20EA-48D2-973C-0311EC3005D6}" type="datetimeFigureOut">
               <a:rPr lang="en-US" smtClean="0"/>
-              <a:t>2/25/2025</a:t>
+              <a:t>3/4/2025</a:t>
             </a:fld>
             <a:endParaRPr lang="en-US"/>
           </a:p>
@@ -1367,7 +1368,7 @@
           <a:p>
             <a:fld id="{6F01DA4D-20EA-48D2-973C-0311EC3005D6}" type="datetimeFigureOut">
               <a:rPr lang="en-US" smtClean="0"/>
-              <a:t>2/25/2025</a:t>
+              <a:t>3/4/2025</a:t>
             </a:fld>
             <a:endParaRPr lang="en-US"/>
           </a:p>
@@ -1599,7 +1600,7 @@
           <a:p>
             <a:fld id="{6F01DA4D-20EA-48D2-973C-0311EC3005D6}" type="datetimeFigureOut">
               <a:rPr lang="en-US" smtClean="0"/>
-              <a:t>2/25/2025</a:t>
+              <a:t>3/4/2025</a:t>
             </a:fld>
             <a:endParaRPr lang="en-US"/>
           </a:p>
@@ -1966,7 +1967,7 @@
           <a:p>
             <a:fld id="{6F01DA4D-20EA-48D2-973C-0311EC3005D6}" type="datetimeFigureOut">
               <a:rPr lang="en-US" smtClean="0"/>
-              <a:t>2/25/2025</a:t>
+              <a:t>3/4/2025</a:t>
             </a:fld>
             <a:endParaRPr lang="en-US"/>
           </a:p>
@@ -2084,7 +2085,7 @@
           <a:p>
             <a:fld id="{6F01DA4D-20EA-48D2-973C-0311EC3005D6}" type="datetimeFigureOut">
               <a:rPr lang="en-US" smtClean="0"/>
-              <a:t>2/25/2025</a:t>
+              <a:t>3/4/2025</a:t>
             </a:fld>
             <a:endParaRPr lang="en-US"/>
           </a:p>
@@ -2179,7 +2180,7 @@
           <a:p>
             <a:fld id="{6F01DA4D-20EA-48D2-973C-0311EC3005D6}" type="datetimeFigureOut">
               <a:rPr lang="en-US" smtClean="0"/>
-              <a:t>2/25/2025</a:t>
+              <a:t>3/4/2025</a:t>
             </a:fld>
             <a:endParaRPr lang="en-US"/>
           </a:p>
@@ -2456,7 +2457,7 @@
           <a:p>
             <a:fld id="{6F01DA4D-20EA-48D2-973C-0311EC3005D6}" type="datetimeFigureOut">
               <a:rPr lang="en-US" smtClean="0"/>
-              <a:t>2/25/2025</a:t>
+              <a:t>3/4/2025</a:t>
             </a:fld>
             <a:endParaRPr lang="en-US"/>
           </a:p>
@@ -2709,7 +2710,7 @@
           <a:p>
             <a:fld id="{6F01DA4D-20EA-48D2-973C-0311EC3005D6}" type="datetimeFigureOut">
               <a:rPr lang="en-US" smtClean="0"/>
-              <a:t>2/25/2025</a:t>
+              <a:t>3/4/2025</a:t>
             </a:fld>
             <a:endParaRPr lang="en-US"/>
           </a:p>
@@ -2922,7 +2923,7 @@
           <a:p>
             <a:fld id="{6F01DA4D-20EA-48D2-973C-0311EC3005D6}" type="datetimeFigureOut">
               <a:rPr lang="en-US" smtClean="0"/>
-              <a:t>2/25/2025</a:t>
+              <a:t>3/4/2025</a:t>
             </a:fld>
             <a:endParaRPr lang="en-US"/>
           </a:p>
@@ -3367,18 +3368,7 @@
                 <a:ea typeface="Verdana" panose="020B0604030504040204" pitchFamily="34" charset="0"/>
                 <a:cs typeface="Segoe UI" panose="020B0502040204020203" pitchFamily="34" charset="0"/>
               </a:rPr>
-              <a:t>Invoker les </a:t>
-            </a:r>
-            <a:r>
-              <a:rPr lang="en-US" sz="8000" b="1" dirty="0" smtClean="0">
-                <a:solidFill>
-                  <a:srgbClr val="7030A0"/>
-                </a:solidFill>
-                <a:latin typeface="Segoe UI" panose="020B0502040204020203" pitchFamily="34" charset="0"/>
-                <a:ea typeface="Verdana" panose="020B0604030504040204" pitchFamily="34" charset="0"/>
-                <a:cs typeface="Segoe UI" panose="020B0502040204020203" pitchFamily="34" charset="0"/>
-              </a:rPr>
-              <a:t>functions</a:t>
+              <a:t>Invoker les functions</a:t>
             </a:r>
             <a:endParaRPr lang="en-US" sz="8000" b="1" dirty="0">
               <a:solidFill>
@@ -3423,18 +3413,7 @@
                 <a:ea typeface="Verdana" panose="020B0604030504040204" pitchFamily="34" charset="0"/>
                 <a:cs typeface="Segoe UI" panose="020B0502040204020203" pitchFamily="34" charset="0"/>
               </a:rPr>
-              <a:t>Invoker les </a:t>
-            </a:r>
-            <a:r>
-              <a:rPr lang="en-US" sz="8000" b="1" dirty="0" smtClean="0">
-                <a:solidFill>
-                  <a:schemeClr val="bg1"/>
-                </a:solidFill>
-                <a:latin typeface="Segoe UI" panose="020B0502040204020203" pitchFamily="34" charset="0"/>
-                <a:ea typeface="Verdana" panose="020B0604030504040204" pitchFamily="34" charset="0"/>
-                <a:cs typeface="Segoe UI" panose="020B0502040204020203" pitchFamily="34" charset="0"/>
-              </a:rPr>
-              <a:t>functions</a:t>
+              <a:t>Invoker les functions</a:t>
             </a:r>
             <a:endParaRPr lang="en-US" sz="8000" b="1" dirty="0">
               <a:solidFill>
@@ -3520,30 +3499,6 @@
           </a:p>
         </p:txBody>
       </p:sp>
-      <p:pic>
-        <p:nvPicPr>
-          <p:cNvPr id="11" name="Picture 10"/>
-          <p:cNvPicPr>
-            <a:picLocks noChangeAspect="1"/>
-          </p:cNvPicPr>
-          <p:nvPr/>
-        </p:nvPicPr>
-        <p:blipFill>
-          <a:blip r:embed="rId2"/>
-          <a:stretch>
-            <a:fillRect/>
-          </a:stretch>
-        </p:blipFill>
-        <p:spPr>
-          <a:xfrm>
-            <a:off x="475866" y="1551318"/>
-            <a:ext cx="10126488" cy="2105319"/>
-          </a:xfrm>
-          <a:prstGeom prst="rect">
-            <a:avLst/>
-          </a:prstGeom>
-        </p:spPr>
-      </p:pic>
       <p:sp>
         <p:nvSpPr>
           <p:cNvPr id="3" name="Rectangle 1"/>
@@ -3635,6 +3590,367 @@
           </a:p>
         </p:txBody>
       </p:sp>
+      <p:graphicFrame>
+        <p:nvGraphicFramePr>
+          <p:cNvPr id="4" name="Table 3"/>
+          <p:cNvGraphicFramePr>
+            <a:graphicFrameLocks noGrp="1"/>
+          </p:cNvGraphicFramePr>
+          <p:nvPr>
+            <p:extLst>
+              <p:ext uri="{D42A27DB-BD31-4B8C-83A1-F6EECF244321}">
+                <p14:modId xmlns:p14="http://schemas.microsoft.com/office/powerpoint/2010/main" val="541256918"/>
+              </p:ext>
+            </p:extLst>
+          </p:nvPr>
+        </p:nvGraphicFramePr>
+        <p:xfrm>
+          <a:off x="629745" y="1643328"/>
+          <a:ext cx="6592321" cy="1732280"/>
+        </p:xfrm>
+        <a:graphic>
+          <a:graphicData uri="http://schemas.openxmlformats.org/drawingml/2006/table">
+            <a:tbl>
+              <a:tblPr>
+                <a:tableStyleId>{5C22544A-7EE6-4342-B048-85BDC9FD1C3A}</a:tableStyleId>
+              </a:tblPr>
+              <a:tblGrid>
+                <a:gridCol w="1714003">
+                  <a:extLst>
+                    <a:ext uri="{9D8B030D-6E8A-4147-A177-3AD203B41FA5}">
+                      <a16:colId xmlns:a16="http://schemas.microsoft.com/office/drawing/2014/main" val="370682353"/>
+                    </a:ext>
+                  </a:extLst>
+                </a:gridCol>
+                <a:gridCol w="2926991">
+                  <a:extLst>
+                    <a:ext uri="{9D8B030D-6E8A-4147-A177-3AD203B41FA5}">
+                      <a16:colId xmlns:a16="http://schemas.microsoft.com/office/drawing/2014/main" val="3539795942"/>
+                    </a:ext>
+                  </a:extLst>
+                </a:gridCol>
+                <a:gridCol w="1951327">
+                  <a:extLst>
+                    <a:ext uri="{9D8B030D-6E8A-4147-A177-3AD203B41FA5}">
+                      <a16:colId xmlns:a16="http://schemas.microsoft.com/office/drawing/2014/main" val="2007014310"/>
+                    </a:ext>
+                  </a:extLst>
+                </a:gridCol>
+              </a:tblGrid>
+              <a:tr h="184150">
+                <a:tc>
+                  <a:txBody>
+                    <a:bodyPr/>
+                    <a:lstStyle/>
+                    <a:p>
+                      <a:pPr algn="l" fontAlgn="b"/>
+                      <a:r>
+                        <a:rPr lang="en-US" sz="2800" u="none" strike="noStrike" dirty="0" err="1">
+                          <a:effectLst/>
+                        </a:rPr>
+                        <a:t>SalesID</a:t>
+                      </a:r>
+                      <a:endParaRPr lang="en-US" sz="2800" b="0" i="0" u="none" strike="noStrike" dirty="0">
+                        <a:solidFill>
+                          <a:srgbClr val="000000"/>
+                        </a:solidFill>
+                        <a:effectLst/>
+                        <a:latin typeface="Calibri" panose="020F0502020204030204" pitchFamily="34" charset="0"/>
+                      </a:endParaRPr>
+                    </a:p>
+                  </a:txBody>
+                  <a:tcPr marL="6350" marR="6350" marT="6350" marB="0" anchor="b"/>
+                </a:tc>
+                <a:tc>
+                  <a:txBody>
+                    <a:bodyPr/>
+                    <a:lstStyle/>
+                    <a:p>
+                      <a:pPr algn="l" fontAlgn="b"/>
+                      <a:r>
+                        <a:rPr lang="en-US" sz="2800" u="none" strike="noStrike">
+                          <a:effectLst/>
+                        </a:rPr>
+                        <a:t>Customer Name</a:t>
+                      </a:r>
+                      <a:endParaRPr lang="en-US" sz="2800" b="0" i="0" u="none" strike="noStrike">
+                        <a:solidFill>
+                          <a:srgbClr val="000000"/>
+                        </a:solidFill>
+                        <a:effectLst/>
+                        <a:latin typeface="Calibri" panose="020F0502020204030204" pitchFamily="34" charset="0"/>
+                      </a:endParaRPr>
+                    </a:p>
+                  </a:txBody>
+                  <a:tcPr marL="6350" marR="6350" marT="6350" marB="0" anchor="b"/>
+                </a:tc>
+                <a:tc>
+                  <a:txBody>
+                    <a:bodyPr/>
+                    <a:lstStyle/>
+                    <a:p>
+                      <a:pPr algn="l" fontAlgn="b"/>
+                      <a:r>
+                        <a:rPr lang="en-US" sz="2800" u="none" strike="noStrike">
+                          <a:effectLst/>
+                        </a:rPr>
+                        <a:t>Total Sales</a:t>
+                      </a:r>
+                      <a:endParaRPr lang="en-US" sz="2800" b="0" i="0" u="none" strike="noStrike">
+                        <a:solidFill>
+                          <a:srgbClr val="000000"/>
+                        </a:solidFill>
+                        <a:effectLst/>
+                        <a:latin typeface="Calibri" panose="020F0502020204030204" pitchFamily="34" charset="0"/>
+                      </a:endParaRPr>
+                    </a:p>
+                  </a:txBody>
+                  <a:tcPr marL="6350" marR="6350" marT="6350" marB="0" anchor="b"/>
+                </a:tc>
+                <a:extLst>
+                  <a:ext uri="{0D108BD9-81ED-4DB2-BD59-A6C34878D82A}">
+                    <a16:rowId xmlns:a16="http://schemas.microsoft.com/office/drawing/2014/main" val="3520973096"/>
+                  </a:ext>
+                </a:extLst>
+              </a:tr>
+              <a:tr h="184150">
+                <a:tc>
+                  <a:txBody>
+                    <a:bodyPr/>
+                    <a:lstStyle/>
+                    <a:p>
+                      <a:pPr algn="r" fontAlgn="b"/>
+                      <a:r>
+                        <a:rPr lang="en-US" sz="2800" u="none" strike="noStrike" dirty="0">
+                          <a:effectLst/>
+                        </a:rPr>
+                        <a:t>1</a:t>
+                      </a:r>
+                      <a:endParaRPr lang="en-US" sz="2800" b="0" i="0" u="none" strike="noStrike" dirty="0">
+                        <a:solidFill>
+                          <a:srgbClr val="000000"/>
+                        </a:solidFill>
+                        <a:effectLst/>
+                        <a:latin typeface="Calibri" panose="020F0502020204030204" pitchFamily="34" charset="0"/>
+                      </a:endParaRPr>
+                    </a:p>
+                  </a:txBody>
+                  <a:tcPr marL="6350" marR="6350" marT="6350" marB="0" anchor="b"/>
+                </a:tc>
+                <a:tc>
+                  <a:txBody>
+                    <a:bodyPr/>
+                    <a:lstStyle/>
+                    <a:p>
+                      <a:pPr algn="l" fontAlgn="b"/>
+                      <a:r>
+                        <a:rPr lang="en-US" sz="2800" u="none" strike="noStrike" dirty="0" err="1">
+                          <a:effectLst/>
+                        </a:rPr>
+                        <a:t>Jhon</a:t>
+                      </a:r>
+                      <a:r>
+                        <a:rPr lang="en-US" sz="2800" u="none" strike="noStrike" dirty="0">
+                          <a:effectLst/>
+                        </a:rPr>
+                        <a:t> Doe</a:t>
+                      </a:r>
+                      <a:endParaRPr lang="en-US" sz="2800" b="0" i="0" u="none" strike="noStrike" dirty="0">
+                        <a:solidFill>
+                          <a:srgbClr val="000000"/>
+                        </a:solidFill>
+                        <a:effectLst/>
+                        <a:latin typeface="Calibri" panose="020F0502020204030204" pitchFamily="34" charset="0"/>
+                      </a:endParaRPr>
+                    </a:p>
+                  </a:txBody>
+                  <a:tcPr marL="6350" marR="6350" marT="6350" marB="0" anchor="b"/>
+                </a:tc>
+                <a:tc>
+                  <a:txBody>
+                    <a:bodyPr/>
+                    <a:lstStyle/>
+                    <a:p>
+                      <a:pPr algn="r" fontAlgn="b"/>
+                      <a:r>
+                        <a:rPr lang="en-US" sz="2800" u="none" strike="noStrike">
+                          <a:effectLst/>
+                        </a:rPr>
+                        <a:t>1000</a:t>
+                      </a:r>
+                      <a:endParaRPr lang="en-US" sz="2800" b="0" i="0" u="none" strike="noStrike">
+                        <a:solidFill>
+                          <a:srgbClr val="000000"/>
+                        </a:solidFill>
+                        <a:effectLst/>
+                        <a:latin typeface="Calibri" panose="020F0502020204030204" pitchFamily="34" charset="0"/>
+                      </a:endParaRPr>
+                    </a:p>
+                  </a:txBody>
+                  <a:tcPr marL="6350" marR="6350" marT="6350" marB="0" anchor="b"/>
+                </a:tc>
+                <a:extLst>
+                  <a:ext uri="{0D108BD9-81ED-4DB2-BD59-A6C34878D82A}">
+                    <a16:rowId xmlns:a16="http://schemas.microsoft.com/office/drawing/2014/main" val="501732208"/>
+                  </a:ext>
+                </a:extLst>
+              </a:tr>
+              <a:tr h="184150">
+                <a:tc>
+                  <a:txBody>
+                    <a:bodyPr/>
+                    <a:lstStyle/>
+                    <a:p>
+                      <a:pPr algn="r" fontAlgn="b"/>
+                      <a:r>
+                        <a:rPr lang="en-US" sz="2800" u="none" strike="noStrike">
+                          <a:effectLst/>
+                        </a:rPr>
+                        <a:t>2</a:t>
+                      </a:r>
+                      <a:endParaRPr lang="en-US" sz="2800" b="0" i="0" u="none" strike="noStrike">
+                        <a:solidFill>
+                          <a:srgbClr val="000000"/>
+                        </a:solidFill>
+                        <a:effectLst/>
+                        <a:latin typeface="Calibri" panose="020F0502020204030204" pitchFamily="34" charset="0"/>
+                      </a:endParaRPr>
+                    </a:p>
+                  </a:txBody>
+                  <a:tcPr marL="6350" marR="6350" marT="6350" marB="0" anchor="b"/>
+                </a:tc>
+                <a:tc>
+                  <a:txBody>
+                    <a:bodyPr/>
+                    <a:lstStyle/>
+                    <a:p>
+                      <a:pPr algn="l" fontAlgn="b"/>
+                      <a:r>
+                        <a:rPr lang="en-US" sz="2800" u="none" strike="noStrike" dirty="0">
+                          <a:effectLst/>
+                        </a:rPr>
+                        <a:t>Jane Smith</a:t>
+                      </a:r>
+                      <a:endParaRPr lang="en-US" sz="2800" b="0" i="0" u="none" strike="noStrike" dirty="0">
+                        <a:solidFill>
+                          <a:srgbClr val="000000"/>
+                        </a:solidFill>
+                        <a:effectLst/>
+                        <a:latin typeface="Calibri" panose="020F0502020204030204" pitchFamily="34" charset="0"/>
+                      </a:endParaRPr>
+                    </a:p>
+                  </a:txBody>
+                  <a:tcPr marL="6350" marR="6350" marT="6350" marB="0" anchor="b"/>
+                </a:tc>
+                <a:tc>
+                  <a:txBody>
+                    <a:bodyPr/>
+                    <a:lstStyle/>
+                    <a:p>
+                      <a:pPr algn="r" fontAlgn="b"/>
+                      <a:r>
+                        <a:rPr lang="en-US" sz="2800" u="none" strike="noStrike" dirty="0">
+                          <a:effectLst/>
+                        </a:rPr>
+                        <a:t>2000</a:t>
+                      </a:r>
+                      <a:endParaRPr lang="en-US" sz="2800" b="0" i="0" u="none" strike="noStrike" dirty="0">
+                        <a:solidFill>
+                          <a:srgbClr val="000000"/>
+                        </a:solidFill>
+                        <a:effectLst/>
+                        <a:latin typeface="Calibri" panose="020F0502020204030204" pitchFamily="34" charset="0"/>
+                      </a:endParaRPr>
+                    </a:p>
+                  </a:txBody>
+                  <a:tcPr marL="6350" marR="6350" marT="6350" marB="0" anchor="b"/>
+                </a:tc>
+                <a:extLst>
+                  <a:ext uri="{0D108BD9-81ED-4DB2-BD59-A6C34878D82A}">
+                    <a16:rowId xmlns:a16="http://schemas.microsoft.com/office/drawing/2014/main" val="3161103107"/>
+                  </a:ext>
+                </a:extLst>
+              </a:tr>
+              <a:tr h="184150">
+                <a:tc>
+                  <a:txBody>
+                    <a:bodyPr/>
+                    <a:lstStyle/>
+                    <a:p>
+                      <a:pPr algn="r" fontAlgn="b"/>
+                      <a:r>
+                        <a:rPr lang="en-US" sz="2800" u="none" strike="noStrike">
+                          <a:effectLst/>
+                        </a:rPr>
+                        <a:t>3</a:t>
+                      </a:r>
+                      <a:endParaRPr lang="en-US" sz="2800" b="0" i="0" u="none" strike="noStrike">
+                        <a:solidFill>
+                          <a:srgbClr val="000000"/>
+                        </a:solidFill>
+                        <a:effectLst/>
+                        <a:latin typeface="Calibri" panose="020F0502020204030204" pitchFamily="34" charset="0"/>
+                      </a:endParaRPr>
+                    </a:p>
+                  </a:txBody>
+                  <a:tcPr marL="6350" marR="6350" marT="6350" marB="0" anchor="b"/>
+                </a:tc>
+                <a:tc>
+                  <a:txBody>
+                    <a:bodyPr/>
+                    <a:lstStyle/>
+                    <a:p>
+                      <a:pPr algn="l" fontAlgn="b"/>
+                      <a:r>
+                        <a:rPr lang="en-US" sz="2800" u="none" strike="noStrike" dirty="0">
+                          <a:effectLst/>
+                        </a:rPr>
+                        <a:t>Bob Johnson</a:t>
+                      </a:r>
+                      <a:endParaRPr lang="en-US" sz="2800" b="0" i="0" u="none" strike="noStrike" dirty="0">
+                        <a:solidFill>
+                          <a:srgbClr val="000000"/>
+                        </a:solidFill>
+                        <a:effectLst/>
+                        <a:latin typeface="Calibri" panose="020F0502020204030204" pitchFamily="34" charset="0"/>
+                      </a:endParaRPr>
+                    </a:p>
+                  </a:txBody>
+                  <a:tcPr marL="6350" marR="6350" marT="6350" marB="0" anchor="b"/>
+                </a:tc>
+                <a:tc>
+                  <a:txBody>
+                    <a:bodyPr/>
+                    <a:lstStyle/>
+                    <a:p>
+                      <a:pPr algn="r" fontAlgn="b"/>
+                      <a:r>
+                        <a:rPr lang="en-US" sz="2800" u="none" strike="noStrike" dirty="0">
+                          <a:effectLst/>
+                        </a:rPr>
+                        <a:t>1500</a:t>
+                      </a:r>
+                      <a:endParaRPr lang="en-US" sz="2800" b="0" i="0" u="none" strike="noStrike" dirty="0">
+                        <a:solidFill>
+                          <a:srgbClr val="000000"/>
+                        </a:solidFill>
+                        <a:effectLst/>
+                        <a:latin typeface="Calibri" panose="020F0502020204030204" pitchFamily="34" charset="0"/>
+                      </a:endParaRPr>
+                    </a:p>
+                  </a:txBody>
+                  <a:tcPr marL="6350" marR="6350" marT="6350" marB="0" anchor="b"/>
+                </a:tc>
+                <a:extLst>
+                  <a:ext uri="{0D108BD9-81ED-4DB2-BD59-A6C34878D82A}">
+                    <a16:rowId xmlns:a16="http://schemas.microsoft.com/office/drawing/2014/main" val="30103634"/>
+                  </a:ext>
+                </a:extLst>
+              </a:tr>
+            </a:tbl>
+          </a:graphicData>
+        </a:graphic>
+      </p:graphicFrame>
     </p:spTree>
     <p:extLst>
       <p:ext uri="{BB962C8B-B14F-4D97-AF65-F5344CB8AC3E}">
@@ -3695,13 +4011,13 @@
               <a:t>Invoker les </a:t>
             </a:r>
             <a:r>
-              <a:rPr lang="en-US" sz="2800" dirty="0" err="1" smtClean="0">
+              <a:rPr lang="fr-FR" sz="2800" dirty="0" smtClean="0">
                 <a:latin typeface="Segoe UI" panose="020B0502040204020203" pitchFamily="34" charset="0"/>
                 <a:cs typeface="Segoe UI" panose="020B0502040204020203" pitchFamily="34" charset="0"/>
               </a:rPr>
               <a:t>fonctions</a:t>
             </a:r>
-            <a:endParaRPr lang="en-US" sz="2800" dirty="0">
+            <a:endParaRPr lang="fr-FR" sz="2800" dirty="0">
               <a:latin typeface="Segoe UI" panose="020B0502040204020203" pitchFamily="34" charset="0"/>
               <a:cs typeface="Segoe UI" panose="020B0502040204020203" pitchFamily="34" charset="0"/>
             </a:endParaRPr>
@@ -3710,91 +4026,7 @@
       </p:sp>
       <p:sp>
         <p:nvSpPr>
-          <p:cNvPr id="4" name="Rectangle 3"/>
-          <p:cNvSpPr/>
-          <p:nvPr/>
-        </p:nvSpPr>
-        <p:spPr>
-          <a:xfrm>
-            <a:off x="336884" y="3204980"/>
-            <a:ext cx="6096000" cy="1754326"/>
-          </a:xfrm>
-          <a:prstGeom prst="rect">
-            <a:avLst/>
-          </a:prstGeom>
-        </p:spPr>
-        <p:txBody>
-          <a:bodyPr>
-            <a:spAutoFit/>
-          </a:bodyPr>
-          <a:lstStyle/>
-          <a:p>
-            <a:r>
-              <a:rPr lang="en-US" dirty="0"/>
-              <a:t>(Total as number) as number =&gt;</a:t>
-            </a:r>
-          </a:p>
-          <a:p>
-            <a:r>
-              <a:rPr lang="en-US" dirty="0"/>
-              <a:t>let</a:t>
-            </a:r>
-          </a:p>
-          <a:p>
-            <a:r>
-              <a:rPr lang="en-US" dirty="0"/>
-              <a:t>    </a:t>
-            </a:r>
-            <a:r>
-              <a:rPr lang="en-US" dirty="0" err="1"/>
-              <a:t>TaxRate</a:t>
-            </a:r>
-            <a:r>
-              <a:rPr lang="en-US" dirty="0"/>
-              <a:t> = 0.15,</a:t>
-            </a:r>
-          </a:p>
-          <a:p>
-            <a:r>
-              <a:rPr lang="en-US" dirty="0"/>
-              <a:t>    </a:t>
-            </a:r>
-            <a:r>
-              <a:rPr lang="en-US" dirty="0" err="1"/>
-              <a:t>TaxAmount</a:t>
-            </a:r>
-            <a:r>
-              <a:rPr lang="en-US" dirty="0"/>
-              <a:t> = Total * </a:t>
-            </a:r>
-            <a:r>
-              <a:rPr lang="en-US" dirty="0" err="1"/>
-              <a:t>TaxRate</a:t>
-            </a:r>
-            <a:endParaRPr lang="en-US" dirty="0"/>
-          </a:p>
-          <a:p>
-            <a:r>
-              <a:rPr lang="en-US" dirty="0"/>
-              <a:t>in</a:t>
-            </a:r>
-          </a:p>
-          <a:p>
-            <a:r>
-              <a:rPr lang="en-US" dirty="0"/>
-              <a:t>    </a:t>
-            </a:r>
-            <a:r>
-              <a:rPr lang="en-US" dirty="0" err="1"/>
-              <a:t>TaxAmount</a:t>
-            </a:r>
-            <a:endParaRPr lang="en-US" dirty="0"/>
-          </a:p>
-        </p:txBody>
-      </p:sp>
-      <p:sp>
-        <p:nvSpPr>
-          <p:cNvPr id="5" name="Rectangle 2"/>
+          <p:cNvPr id="6" name="Rectangle 1"/>
           <p:cNvSpPr>
             <a:spLocks noChangeArrowheads="1"/>
           </p:cNvSpPr>
@@ -3802,8 +4034,8 @@
         </p:nvSpPr>
         <p:spPr bwMode="auto">
           <a:xfrm>
-            <a:off x="336884" y="5411737"/>
-            <a:ext cx="7011278" cy="369332"/>
+            <a:off x="770466" y="903869"/>
+            <a:ext cx="8285153" cy="1477328"/>
           </a:xfrm>
           <a:prstGeom prst="rect">
             <a:avLst/>
@@ -3851,101 +4083,7 @@
           </a:bodyPr>
           <a:lstStyle/>
           <a:p>
-            <a:pPr eaLnBrk="0" fontAlgn="base" hangingPunct="0">
-              <a:spcBef>
-                <a:spcPct val="0"/>
-              </a:spcBef>
-              <a:spcAft>
-                <a:spcPct val="0"/>
-              </a:spcAft>
-            </a:pPr>
-            <a:r>
-              <a:rPr lang="fr-FR" altLang="en-US" b="1" dirty="0">
-                <a:latin typeface="Arial" panose="020B0604020202020204" pitchFamily="34" charset="0"/>
-              </a:rPr>
-              <a:t>Cliquez sur "Terminé"</a:t>
-            </a:r>
-            <a:r>
-              <a:rPr lang="fr-FR" altLang="en-US" dirty="0">
-                <a:latin typeface="Arial" panose="020B0604020202020204" pitchFamily="34" charset="0"/>
-              </a:rPr>
-              <a:t> et renommez la requête en </a:t>
-            </a:r>
-            <a:r>
-              <a:rPr lang="fr-FR" altLang="en-US" b="1" dirty="0" err="1">
-                <a:latin typeface="Arial" panose="020B0604020202020204" pitchFamily="34" charset="0"/>
-              </a:rPr>
-              <a:t>CalculateTax</a:t>
-            </a:r>
-            <a:r>
-              <a:rPr lang="fr-FR" altLang="en-US" dirty="0">
-                <a:latin typeface="Arial" panose="020B0604020202020204" pitchFamily="34" charset="0"/>
-              </a:rPr>
-              <a:t>. </a:t>
-            </a:r>
-          </a:p>
-        </p:txBody>
-      </p:sp>
-      <p:sp>
-        <p:nvSpPr>
-          <p:cNvPr id="6" name="Rectangle 1"/>
-          <p:cNvSpPr>
-            <a:spLocks noChangeArrowheads="1"/>
-          </p:cNvSpPr>
-          <p:nvPr/>
-        </p:nvSpPr>
-        <p:spPr bwMode="auto">
-          <a:xfrm>
-            <a:off x="336884" y="1076113"/>
-            <a:ext cx="11129970" cy="2031325"/>
-          </a:xfrm>
-          <a:prstGeom prst="rect">
-            <a:avLst/>
-          </a:prstGeom>
-          <a:noFill/>
-          <a:ln>
-            <a:noFill/>
-          </a:ln>
-          <a:effectLst/>
-          <a:extLst>
-            <a:ext uri="{909E8E84-426E-40DD-AFC4-6F175D3DCCD1}">
-              <a14:hiddenFill xmlns:a14="http://schemas.microsoft.com/office/drawing/2010/main">
-                <a:solidFill>
-                  <a:schemeClr val="accent1"/>
-                </a:solidFill>
-              </a14:hiddenFill>
-            </a:ext>
-            <a:ext uri="{91240B29-F687-4F45-9708-019B960494DF}">
-              <a14:hiddenLine xmlns:a14="http://schemas.microsoft.com/office/drawing/2010/main" w="9525">
-                <a:solidFill>
-                  <a:schemeClr val="tx1"/>
-                </a:solidFill>
-                <a:miter lim="800000"/>
-                <a:headEnd/>
-                <a:tailEnd/>
-              </a14:hiddenLine>
-            </a:ext>
-            <a:ext uri="{AF507438-7753-43E0-B8FC-AC1667EBCBE1}">
-              <a14:hiddenEffects xmlns:a14="http://schemas.microsoft.com/office/drawing/2010/main">
-                <a:effectLst>
-                  <a:outerShdw dist="35921" dir="2700000" algn="ctr" rotWithShape="0">
-                    <a:schemeClr val="bg2"/>
-                  </a:outerShdw>
-                </a:effectLst>
-              </a14:hiddenEffects>
-            </a:ext>
-          </a:extLst>
-        </p:spPr>
-        <p:txBody>
-          <a:bodyPr vert="horz" wrap="none" lIns="91440" tIns="45720" rIns="91440" bIns="45720" numCol="1" anchor="ctr" anchorCtr="0" compatLnSpc="1">
-            <a:prstTxWarp prst="textNoShape">
-              <a:avLst/>
-            </a:prstTxWarp>
-            <a:spAutoFit/>
-          </a:bodyPr>
-          <a:lstStyle/>
-          <a:p>
-            <a:pPr marR="0" lvl="0" algn="l" defTabSz="914400" rtl="0" eaLnBrk="0" fontAlgn="base" latinLnBrk="0" hangingPunct="0">
+            <a:pPr marL="342900" marR="0" lvl="0" indent="-342900" algn="l" defTabSz="914400" rtl="0" eaLnBrk="0" fontAlgn="base" latinLnBrk="0" hangingPunct="0">
               <a:lnSpc>
                 <a:spcPct val="100000"/>
               </a:lnSpc>
@@ -3957,331 +4095,24 @@
               </a:spcAft>
               <a:buClrTx/>
               <a:buSzTx/>
+              <a:buFont typeface="+mj-lt"/>
+              <a:buAutoNum type="arabicPeriod"/>
               <a:tabLst/>
             </a:pPr>
-            <a:r>
-              <a:rPr kumimoji="0" lang="fr-FR" altLang="en-US" sz="1800" b="0" i="0" u="none" strike="noStrike" cap="none" normalizeH="0" baseline="0" dirty="0" smtClean="0">
-                <a:ln>
-                  <a:noFill/>
-                </a:ln>
-                <a:solidFill>
-                  <a:schemeClr val="tx1"/>
-                </a:solidFill>
-                <a:effectLst/>
-                <a:latin typeface="Arial" panose="020B0604020202020204" pitchFamily="34" charset="0"/>
-              </a:rPr>
-              <a:t>Nous allons créer une fonction pour calculer une taxe de 15 % sur </a:t>
-            </a:r>
-            <a:r>
-              <a:rPr kumimoji="0" lang="fr-FR" altLang="en-US" sz="1800" b="1" i="0" u="none" strike="noStrike" cap="none" normalizeH="0" baseline="0" dirty="0" err="1" smtClean="0">
-                <a:ln>
-                  <a:noFill/>
-                </a:ln>
-                <a:solidFill>
-                  <a:schemeClr val="tx1"/>
-                </a:solidFill>
-                <a:effectLst/>
-                <a:latin typeface="Arial" panose="020B0604020202020204" pitchFamily="34" charset="0"/>
-              </a:rPr>
-              <a:t>TotalSales</a:t>
-            </a:r>
-            <a:r>
-              <a:rPr kumimoji="0" lang="fr-FR" altLang="en-US" sz="1800" b="0" i="0" u="none" strike="noStrike" cap="none" normalizeH="0" baseline="0" dirty="0" smtClean="0">
-                <a:ln>
-                  <a:noFill/>
-                </a:ln>
-                <a:solidFill>
-                  <a:schemeClr val="tx1"/>
-                </a:solidFill>
-                <a:effectLst/>
-                <a:latin typeface="Arial" panose="020B0604020202020204" pitchFamily="34" charset="0"/>
-              </a:rPr>
-              <a:t>.</a:t>
-            </a:r>
-          </a:p>
-          <a:p>
-            <a:pPr marL="742950" lvl="1" indent="-285750" eaLnBrk="0" fontAlgn="base" hangingPunct="0">
-              <a:spcBef>
-                <a:spcPct val="0"/>
-              </a:spcBef>
-              <a:spcAft>
-                <a:spcPct val="0"/>
-              </a:spcAft>
-              <a:buFont typeface="Arial" panose="020B0604020202020204" pitchFamily="34" charset="0"/>
-              <a:buChar char="•"/>
-            </a:pPr>
-            <a:r>
-              <a:rPr kumimoji="0" lang="fr-FR" altLang="en-US" i="0" u="none" strike="noStrike" cap="none" normalizeH="0" baseline="0" dirty="0" smtClean="0">
-                <a:ln>
-                  <a:noFill/>
-                </a:ln>
-                <a:solidFill>
-                  <a:schemeClr val="tx1"/>
-                </a:solidFill>
-                <a:effectLst/>
-                <a:latin typeface="Arial" panose="020B0604020202020204" pitchFamily="34" charset="0"/>
-              </a:rPr>
-              <a:t>Ouvrez </a:t>
-            </a:r>
-            <a:r>
-              <a:rPr kumimoji="0" lang="fr-FR" altLang="en-US" b="1" i="0" u="none" strike="noStrike" cap="none" normalizeH="0" baseline="0" dirty="0" smtClean="0">
-                <a:ln>
-                  <a:noFill/>
-                </a:ln>
-                <a:solidFill>
-                  <a:schemeClr val="tx1"/>
-                </a:solidFill>
-                <a:effectLst/>
-                <a:latin typeface="Arial" panose="020B0604020202020204" pitchFamily="34" charset="0"/>
-              </a:rPr>
-              <a:t>Power BI Desktop.</a:t>
-            </a:r>
-            <a:r>
-              <a:rPr kumimoji="0" lang="fr-FR" altLang="en-US" b="0" i="0" u="none" strike="noStrike" cap="none" normalizeH="0" baseline="0" dirty="0" smtClean="0">
-                <a:ln>
-                  <a:noFill/>
-                </a:ln>
-                <a:solidFill>
-                  <a:schemeClr val="tx1"/>
-                </a:solidFill>
-                <a:effectLst/>
-                <a:latin typeface="Arial" panose="020B0604020202020204" pitchFamily="34" charset="0"/>
-              </a:rPr>
-              <a:t> </a:t>
-            </a:r>
-          </a:p>
-          <a:p>
-            <a:pPr marL="742950" lvl="1" indent="-285750" eaLnBrk="0" fontAlgn="base" hangingPunct="0">
-              <a:spcBef>
-                <a:spcPct val="0"/>
-              </a:spcBef>
-              <a:spcAft>
-                <a:spcPct val="0"/>
-              </a:spcAft>
-              <a:buFont typeface="Arial" panose="020B0604020202020204" pitchFamily="34" charset="0"/>
-              <a:buChar char="•"/>
-            </a:pPr>
-            <a:r>
-              <a:rPr kumimoji="0" lang="fr-FR" altLang="en-US" b="1" i="0" u="none" strike="noStrike" cap="none" normalizeH="0" baseline="0" dirty="0" smtClean="0">
-                <a:ln>
-                  <a:noFill/>
-                </a:ln>
-                <a:solidFill>
-                  <a:schemeClr val="tx1"/>
-                </a:solidFill>
-                <a:effectLst/>
-                <a:latin typeface="Arial" panose="020B0604020202020204" pitchFamily="34" charset="0"/>
-              </a:rPr>
-              <a:t>Allez dans "Transformer les données"</a:t>
-            </a:r>
-            <a:r>
-              <a:rPr kumimoji="0" lang="fr-FR" altLang="en-US" b="0" i="0" u="none" strike="noStrike" cap="none" normalizeH="0" baseline="0" dirty="0" smtClean="0">
-                <a:ln>
-                  <a:noFill/>
-                </a:ln>
-                <a:solidFill>
-                  <a:schemeClr val="tx1"/>
-                </a:solidFill>
-                <a:effectLst/>
-                <a:latin typeface="Arial" panose="020B0604020202020204" pitchFamily="34" charset="0"/>
-              </a:rPr>
-              <a:t> pour ouvrir l'éditeur </a:t>
-            </a:r>
-            <a:r>
-              <a:rPr kumimoji="0" lang="fr-FR" altLang="en-US" b="1" i="0" u="none" strike="noStrike" cap="none" normalizeH="0" baseline="0" dirty="0" smtClean="0">
-                <a:ln>
-                  <a:noFill/>
-                </a:ln>
-                <a:solidFill>
-                  <a:schemeClr val="tx1"/>
-                </a:solidFill>
-                <a:effectLst/>
-                <a:latin typeface="Arial" panose="020B0604020202020204" pitchFamily="34" charset="0"/>
-              </a:rPr>
-              <a:t>Power </a:t>
-            </a:r>
-            <a:r>
-              <a:rPr kumimoji="0" lang="fr-FR" altLang="en-US" b="1" i="0" u="none" strike="noStrike" cap="none" normalizeH="0" baseline="0" dirty="0" err="1" smtClean="0">
-                <a:ln>
-                  <a:noFill/>
-                </a:ln>
-                <a:solidFill>
-                  <a:schemeClr val="tx1"/>
-                </a:solidFill>
-                <a:effectLst/>
-                <a:latin typeface="Arial" panose="020B0604020202020204" pitchFamily="34" charset="0"/>
-              </a:rPr>
-              <a:t>Query</a:t>
-            </a:r>
-            <a:r>
-              <a:rPr kumimoji="0" lang="fr-FR" altLang="en-US" b="0" i="0" u="none" strike="noStrike" cap="none" normalizeH="0" baseline="0" dirty="0" smtClean="0">
-                <a:ln>
-                  <a:noFill/>
-                </a:ln>
-                <a:solidFill>
-                  <a:schemeClr val="tx1"/>
-                </a:solidFill>
-                <a:effectLst/>
-                <a:latin typeface="Arial" panose="020B0604020202020204" pitchFamily="34" charset="0"/>
-              </a:rPr>
-              <a:t>. </a:t>
-            </a:r>
-          </a:p>
-          <a:p>
-            <a:pPr marL="742950" lvl="1" indent="-285750" eaLnBrk="0" fontAlgn="base" hangingPunct="0">
-              <a:spcBef>
-                <a:spcPct val="0"/>
-              </a:spcBef>
-              <a:spcAft>
-                <a:spcPct val="0"/>
-              </a:spcAft>
-              <a:buFont typeface="Arial" panose="020B0604020202020204" pitchFamily="34" charset="0"/>
-              <a:buChar char="•"/>
-            </a:pPr>
-            <a:r>
-              <a:rPr kumimoji="0" lang="fr-FR" altLang="en-US" i="0" u="none" strike="noStrike" cap="none" normalizeH="0" baseline="0" dirty="0" smtClean="0">
-                <a:ln>
-                  <a:noFill/>
-                </a:ln>
-                <a:solidFill>
-                  <a:schemeClr val="tx1"/>
-                </a:solidFill>
-                <a:effectLst/>
-                <a:latin typeface="Arial" panose="020B0604020202020204" pitchFamily="34" charset="0"/>
-              </a:rPr>
-              <a:t>Cliquez sur</a:t>
-            </a:r>
-            <a:r>
-              <a:rPr kumimoji="0" lang="fr-FR" altLang="en-US" b="1" i="0" u="none" strike="noStrike" cap="none" normalizeH="0" baseline="0" dirty="0" smtClean="0">
-                <a:ln>
-                  <a:noFill/>
-                </a:ln>
-                <a:solidFill>
-                  <a:schemeClr val="tx1"/>
-                </a:solidFill>
-                <a:effectLst/>
-                <a:latin typeface="Arial" panose="020B0604020202020204" pitchFamily="34" charset="0"/>
-              </a:rPr>
-              <a:t> "Nouvelle source" &gt; "Requête vide".</a:t>
-            </a:r>
-            <a:r>
-              <a:rPr kumimoji="0" lang="fr-FR" altLang="en-US" b="0" i="0" u="none" strike="noStrike" cap="none" normalizeH="0" baseline="0" dirty="0" smtClean="0">
-                <a:ln>
-                  <a:noFill/>
-                </a:ln>
-                <a:solidFill>
-                  <a:schemeClr val="tx1"/>
-                </a:solidFill>
-                <a:effectLst/>
-                <a:latin typeface="Arial" panose="020B0604020202020204" pitchFamily="34" charset="0"/>
-              </a:rPr>
-              <a:t> </a:t>
-            </a:r>
-          </a:p>
-          <a:p>
-            <a:pPr marL="742950" lvl="1" indent="-285750" eaLnBrk="0" fontAlgn="base" hangingPunct="0">
-              <a:spcBef>
-                <a:spcPct val="0"/>
-              </a:spcBef>
-              <a:spcAft>
-                <a:spcPct val="0"/>
-              </a:spcAft>
-              <a:buFont typeface="Arial" panose="020B0604020202020204" pitchFamily="34" charset="0"/>
-              <a:buChar char="•"/>
-            </a:pPr>
-            <a:r>
-              <a:rPr kumimoji="0" lang="fr-FR" altLang="en-US" i="0" u="none" strike="noStrike" cap="none" normalizeH="0" baseline="0" dirty="0" smtClean="0">
-                <a:ln>
-                  <a:noFill/>
-                </a:ln>
-                <a:solidFill>
-                  <a:schemeClr val="tx1"/>
-                </a:solidFill>
-                <a:effectLst/>
-                <a:latin typeface="Arial" panose="020B0604020202020204" pitchFamily="34" charset="0"/>
-              </a:rPr>
-              <a:t>Faites un clic droit sur la nouvelle requête </a:t>
-            </a:r>
-            <a:r>
-              <a:rPr kumimoji="0" lang="fr-FR" altLang="en-US" b="0" i="0" u="none" strike="noStrike" cap="none" normalizeH="0" baseline="0" dirty="0" smtClean="0">
-                <a:ln>
-                  <a:noFill/>
-                </a:ln>
-                <a:solidFill>
-                  <a:schemeClr val="tx1"/>
-                </a:solidFill>
-                <a:effectLst/>
-                <a:latin typeface="Arial" panose="020B0604020202020204" pitchFamily="34" charset="0"/>
-              </a:rPr>
-              <a:t>dans le volet de gauche et sélectionnez </a:t>
-            </a:r>
-            <a:r>
-              <a:rPr kumimoji="0" lang="fr-FR" altLang="en-US" b="1" i="0" u="none" strike="noStrike" cap="none" normalizeH="0" baseline="0" dirty="0" smtClean="0">
-                <a:ln>
-                  <a:noFill/>
-                </a:ln>
-                <a:solidFill>
-                  <a:schemeClr val="tx1"/>
-                </a:solidFill>
-                <a:effectLst/>
-                <a:latin typeface="Arial" panose="020B0604020202020204" pitchFamily="34" charset="0"/>
-              </a:rPr>
-              <a:t>Éditeur avancé</a:t>
-            </a:r>
-            <a:r>
-              <a:rPr kumimoji="0" lang="fr-FR" altLang="en-US" b="0" i="0" u="none" strike="noStrike" cap="none" normalizeH="0" baseline="0" dirty="0" smtClean="0">
-                <a:ln>
-                  <a:noFill/>
-                </a:ln>
-                <a:solidFill>
-                  <a:schemeClr val="tx1"/>
-                </a:solidFill>
-                <a:effectLst/>
-                <a:latin typeface="Arial" panose="020B0604020202020204" pitchFamily="34" charset="0"/>
-              </a:rPr>
-              <a:t>. </a:t>
-            </a:r>
-          </a:p>
-          <a:p>
-            <a:pPr marL="742950" lvl="1" indent="-285750" eaLnBrk="0" fontAlgn="base" hangingPunct="0">
-              <a:spcBef>
-                <a:spcPct val="0"/>
-              </a:spcBef>
-              <a:spcAft>
-                <a:spcPct val="0"/>
-              </a:spcAft>
-              <a:buFont typeface="Arial" panose="020B0604020202020204" pitchFamily="34" charset="0"/>
-              <a:buChar char="•"/>
-            </a:pPr>
-            <a:r>
-              <a:rPr kumimoji="0" lang="fr-FR" altLang="en-US" b="1" i="0" u="none" strike="noStrike" cap="none" normalizeH="0" baseline="0" dirty="0" smtClean="0">
-                <a:ln>
-                  <a:noFill/>
-                </a:ln>
-                <a:solidFill>
-                  <a:schemeClr val="tx1"/>
-                </a:solidFill>
-                <a:effectLst/>
-                <a:latin typeface="Arial" panose="020B0604020202020204" pitchFamily="34" charset="0"/>
-              </a:rPr>
-              <a:t>Remplacez le contenu</a:t>
-            </a:r>
-            <a:r>
-              <a:rPr kumimoji="0" lang="fr-FR" altLang="en-US" b="0" i="0" u="none" strike="noStrike" cap="none" normalizeH="0" baseline="0" dirty="0" smtClean="0">
-                <a:ln>
-                  <a:noFill/>
-                </a:ln>
-                <a:solidFill>
-                  <a:schemeClr val="tx1"/>
-                </a:solidFill>
-                <a:effectLst/>
-                <a:latin typeface="Arial" panose="020B0604020202020204" pitchFamily="34" charset="0"/>
-              </a:rPr>
-              <a:t> par le code approprié. </a:t>
-            </a:r>
-          </a:p>
-          <a:p>
-            <a:pPr marR="0" lvl="0" algn="l" defTabSz="914400" rtl="0" eaLnBrk="0" fontAlgn="base" latinLnBrk="0" hangingPunct="0">
+            <a:endParaRPr kumimoji="0" lang="en-US" altLang="en-US" b="0" i="0" u="none" strike="noStrike" cap="none" normalizeH="0" baseline="0" dirty="0" smtClean="0">
+              <a:ln>
+                <a:noFill/>
+              </a:ln>
+              <a:solidFill>
+                <a:schemeClr val="tx1"/>
+              </a:solidFill>
+              <a:effectLst/>
+              <a:latin typeface="Segoe UI" panose="020B0502040204020203" pitchFamily="34" charset="0"/>
+              <a:cs typeface="Segoe UI" panose="020B0502040204020203" pitchFamily="34" charset="0"/>
+            </a:endParaRPr>
+          </a:p>
+          <a:p>
+            <a:pPr marL="342900" marR="0" lvl="0" indent="-342900" algn="l" defTabSz="914400" rtl="0" eaLnBrk="0" fontAlgn="base" latinLnBrk="0" hangingPunct="0">
               <a:lnSpc>
                 <a:spcPct val="100000"/>
               </a:lnSpc>
@@ -4293,17 +4124,763 @@
               </a:spcAft>
               <a:buClrTx/>
               <a:buSzTx/>
+              <a:buFont typeface="+mj-lt"/>
+              <a:buAutoNum type="arabicPeriod"/>
               <a:tabLst/>
             </a:pPr>
-            <a:endParaRPr kumimoji="0" lang="en-US" altLang="en-US" sz="1800" b="0" i="0" u="none" strike="noStrike" cap="none" normalizeH="0" baseline="0" dirty="0" smtClean="0">
-              <a:ln>
-                <a:noFill/>
-              </a:ln>
-              <a:solidFill>
-                <a:schemeClr val="tx1"/>
-              </a:solidFill>
-              <a:effectLst/>
-              <a:latin typeface="Arial" panose="020B0604020202020204" pitchFamily="34" charset="0"/>
+            <a:r>
+              <a:rPr kumimoji="0" lang="en-US" altLang="en-US" b="0" i="0" u="none" strike="noStrike" cap="none" normalizeH="0" baseline="0" dirty="0" err="1" smtClean="0">
+                <a:ln>
+                  <a:noFill/>
+                </a:ln>
+                <a:solidFill>
+                  <a:schemeClr val="tx1"/>
+                </a:solidFill>
+                <a:effectLst/>
+                <a:latin typeface="Segoe UI" panose="020B0502040204020203" pitchFamily="34" charset="0"/>
+                <a:cs typeface="Segoe UI" panose="020B0502040204020203" pitchFamily="34" charset="0"/>
+              </a:rPr>
+              <a:t>Dans</a:t>
+            </a:r>
+            <a:r>
+              <a:rPr kumimoji="0" lang="en-US" altLang="en-US" b="0" i="0" u="none" strike="noStrike" cap="none" normalizeH="0" baseline="0" dirty="0" smtClean="0">
+                <a:ln>
+                  <a:noFill/>
+                </a:ln>
+                <a:solidFill>
+                  <a:schemeClr val="tx1"/>
+                </a:solidFill>
+                <a:effectLst/>
+                <a:latin typeface="Segoe UI" panose="020B0502040204020203" pitchFamily="34" charset="0"/>
+                <a:cs typeface="Segoe UI" panose="020B0502040204020203" pitchFamily="34" charset="0"/>
+              </a:rPr>
+              <a:t> Power Query, </a:t>
+            </a:r>
+            <a:r>
+              <a:rPr kumimoji="0" lang="en-US" altLang="en-US" b="0" i="0" u="none" strike="noStrike" cap="none" normalizeH="0" baseline="0" dirty="0" err="1" smtClean="0">
+                <a:ln>
+                  <a:noFill/>
+                </a:ln>
+                <a:solidFill>
+                  <a:schemeClr val="tx1"/>
+                </a:solidFill>
+                <a:effectLst/>
+                <a:latin typeface="Segoe UI" panose="020B0502040204020203" pitchFamily="34" charset="0"/>
+                <a:cs typeface="Segoe UI" panose="020B0502040204020203" pitchFamily="34" charset="0"/>
+              </a:rPr>
+              <a:t>va</a:t>
+            </a:r>
+            <a:r>
+              <a:rPr kumimoji="0" lang="en-US" altLang="en-US" b="0" i="0" u="none" strike="noStrike" cap="none" normalizeH="0" baseline="0" dirty="0" smtClean="0">
+                <a:ln>
+                  <a:noFill/>
+                </a:ln>
+                <a:solidFill>
+                  <a:schemeClr val="tx1"/>
+                </a:solidFill>
+                <a:effectLst/>
+                <a:latin typeface="Segoe UI" panose="020B0502040204020203" pitchFamily="34" charset="0"/>
+                <a:cs typeface="Segoe UI" panose="020B0502040204020203" pitchFamily="34" charset="0"/>
+              </a:rPr>
+              <a:t> </a:t>
+            </a:r>
+            <a:r>
+              <a:rPr kumimoji="0" lang="en-US" altLang="en-US" b="0" i="0" u="none" strike="noStrike" cap="none" normalizeH="0" baseline="0" dirty="0" err="1" smtClean="0">
+                <a:ln>
+                  <a:noFill/>
+                </a:ln>
+                <a:solidFill>
+                  <a:schemeClr val="tx1"/>
+                </a:solidFill>
+                <a:effectLst/>
+                <a:latin typeface="Segoe UI" panose="020B0502040204020203" pitchFamily="34" charset="0"/>
+                <a:cs typeface="Segoe UI" panose="020B0502040204020203" pitchFamily="34" charset="0"/>
+              </a:rPr>
+              <a:t>dans</a:t>
+            </a:r>
+            <a:r>
+              <a:rPr kumimoji="0" lang="en-US" altLang="en-US" b="0" i="0" u="none" strike="noStrike" cap="none" normalizeH="0" baseline="0" dirty="0" smtClean="0">
+                <a:ln>
+                  <a:noFill/>
+                </a:ln>
+                <a:solidFill>
+                  <a:schemeClr val="tx1"/>
+                </a:solidFill>
+                <a:effectLst/>
+                <a:latin typeface="Segoe UI" panose="020B0502040204020203" pitchFamily="34" charset="0"/>
+                <a:cs typeface="Segoe UI" panose="020B0502040204020203" pitchFamily="34" charset="0"/>
+              </a:rPr>
+              <a:t> </a:t>
+            </a:r>
+            <a:r>
+              <a:rPr kumimoji="0" lang="en-US" altLang="en-US" b="1" i="0" u="none" strike="noStrike" cap="none" normalizeH="0" baseline="0" dirty="0" err="1" smtClean="0">
+                <a:ln>
+                  <a:noFill/>
+                </a:ln>
+                <a:solidFill>
+                  <a:schemeClr val="tx1"/>
+                </a:solidFill>
+                <a:effectLst/>
+                <a:latin typeface="Segoe UI" panose="020B0502040204020203" pitchFamily="34" charset="0"/>
+                <a:cs typeface="Segoe UI" panose="020B0502040204020203" pitchFamily="34" charset="0"/>
+              </a:rPr>
+              <a:t>Accueil</a:t>
+            </a:r>
+            <a:r>
+              <a:rPr kumimoji="0" lang="en-US" altLang="en-US" b="0" i="0" u="none" strike="noStrike" cap="none" normalizeH="0" baseline="0" dirty="0" smtClean="0">
+                <a:ln>
+                  <a:noFill/>
+                </a:ln>
+                <a:solidFill>
+                  <a:schemeClr val="tx1"/>
+                </a:solidFill>
+                <a:effectLst/>
+                <a:latin typeface="Segoe UI" panose="020B0502040204020203" pitchFamily="34" charset="0"/>
+                <a:cs typeface="Segoe UI" panose="020B0502040204020203" pitchFamily="34" charset="0"/>
+              </a:rPr>
+              <a:t> → </a:t>
+            </a:r>
+            <a:r>
+              <a:rPr kumimoji="0" lang="en-US" altLang="en-US" b="1" i="0" u="none" strike="noStrike" cap="none" normalizeH="0" baseline="0" dirty="0" smtClean="0">
+                <a:ln>
+                  <a:noFill/>
+                </a:ln>
+                <a:solidFill>
+                  <a:schemeClr val="tx1"/>
+                </a:solidFill>
+                <a:effectLst/>
+                <a:latin typeface="Segoe UI" panose="020B0502040204020203" pitchFamily="34" charset="0"/>
+                <a:cs typeface="Segoe UI" panose="020B0502040204020203" pitchFamily="34" charset="0"/>
+              </a:rPr>
+              <a:t>Nouvelle source</a:t>
+            </a:r>
+            <a:r>
+              <a:rPr kumimoji="0" lang="en-US" altLang="en-US" b="0" i="0" u="none" strike="noStrike" cap="none" normalizeH="0" baseline="0" dirty="0" smtClean="0">
+                <a:ln>
+                  <a:noFill/>
+                </a:ln>
+                <a:solidFill>
+                  <a:schemeClr val="tx1"/>
+                </a:solidFill>
+                <a:effectLst/>
+                <a:latin typeface="Segoe UI" panose="020B0502040204020203" pitchFamily="34" charset="0"/>
+                <a:cs typeface="Segoe UI" panose="020B0502040204020203" pitchFamily="34" charset="0"/>
+              </a:rPr>
+              <a:t> → </a:t>
+            </a:r>
+            <a:r>
+              <a:rPr kumimoji="0" lang="en-US" altLang="en-US" b="1" i="0" u="none" strike="noStrike" cap="none" normalizeH="0" baseline="0" dirty="0" err="1" smtClean="0">
+                <a:ln>
+                  <a:noFill/>
+                </a:ln>
+                <a:solidFill>
+                  <a:schemeClr val="tx1"/>
+                </a:solidFill>
+                <a:effectLst/>
+                <a:latin typeface="Segoe UI" panose="020B0502040204020203" pitchFamily="34" charset="0"/>
+                <a:cs typeface="Segoe UI" panose="020B0502040204020203" pitchFamily="34" charset="0"/>
+              </a:rPr>
+              <a:t>Requête</a:t>
+            </a:r>
+            <a:r>
+              <a:rPr kumimoji="0" lang="en-US" altLang="en-US" b="1" i="0" u="none" strike="noStrike" cap="none" normalizeH="0" baseline="0" dirty="0" smtClean="0">
+                <a:ln>
+                  <a:noFill/>
+                </a:ln>
+                <a:solidFill>
+                  <a:schemeClr val="tx1"/>
+                </a:solidFill>
+                <a:effectLst/>
+                <a:latin typeface="Segoe UI" panose="020B0502040204020203" pitchFamily="34" charset="0"/>
+                <a:cs typeface="Segoe UI" panose="020B0502040204020203" pitchFamily="34" charset="0"/>
+              </a:rPr>
+              <a:t> vide</a:t>
+            </a:r>
+            <a:r>
+              <a:rPr kumimoji="0" lang="en-US" altLang="en-US" b="0" i="0" u="none" strike="noStrike" cap="none" normalizeH="0" baseline="0" dirty="0" smtClean="0">
+                <a:ln>
+                  <a:noFill/>
+                </a:ln>
+                <a:solidFill>
+                  <a:schemeClr val="tx1"/>
+                </a:solidFill>
+                <a:effectLst/>
+                <a:latin typeface="Segoe UI" panose="020B0502040204020203" pitchFamily="34" charset="0"/>
+                <a:cs typeface="Segoe UI" panose="020B0502040204020203" pitchFamily="34" charset="0"/>
+              </a:rPr>
+              <a:t>.</a:t>
+            </a:r>
+          </a:p>
+          <a:p>
+            <a:pPr marL="342900" marR="0" lvl="0" indent="-342900" algn="l" defTabSz="914400" rtl="0" eaLnBrk="0" fontAlgn="base" latinLnBrk="0" hangingPunct="0">
+              <a:lnSpc>
+                <a:spcPct val="100000"/>
+              </a:lnSpc>
+              <a:spcBef>
+                <a:spcPct val="0"/>
+              </a:spcBef>
+              <a:spcAft>
+                <a:spcPct val="0"/>
+              </a:spcAft>
+              <a:buClrTx/>
+              <a:buSzTx/>
+              <a:buFont typeface="+mj-lt"/>
+              <a:buAutoNum type="arabicPeriod"/>
+              <a:tabLst/>
+            </a:pPr>
+            <a:r>
+              <a:rPr kumimoji="0" lang="en-US" altLang="en-US" b="0" i="0" u="none" strike="noStrike" cap="none" normalizeH="0" baseline="0" dirty="0" err="1" smtClean="0">
+                <a:ln>
+                  <a:noFill/>
+                </a:ln>
+                <a:solidFill>
+                  <a:schemeClr val="tx1"/>
+                </a:solidFill>
+                <a:effectLst/>
+                <a:latin typeface="Segoe UI" panose="020B0502040204020203" pitchFamily="34" charset="0"/>
+                <a:cs typeface="Segoe UI" panose="020B0502040204020203" pitchFamily="34" charset="0"/>
+              </a:rPr>
+              <a:t>Renomme</a:t>
+            </a:r>
+            <a:r>
+              <a:rPr kumimoji="0" lang="en-US" altLang="en-US" b="0" i="0" u="none" strike="noStrike" cap="none" normalizeH="0" baseline="0" dirty="0" smtClean="0">
+                <a:ln>
+                  <a:noFill/>
+                </a:ln>
+                <a:solidFill>
+                  <a:schemeClr val="tx1"/>
+                </a:solidFill>
+                <a:effectLst/>
+                <a:latin typeface="Segoe UI" panose="020B0502040204020203" pitchFamily="34" charset="0"/>
+                <a:cs typeface="Segoe UI" panose="020B0502040204020203" pitchFamily="34" charset="0"/>
+              </a:rPr>
+              <a:t> la </a:t>
+            </a:r>
+            <a:r>
+              <a:rPr kumimoji="0" lang="en-US" altLang="en-US" b="0" i="0" u="none" strike="noStrike" cap="none" normalizeH="0" baseline="0" dirty="0" err="1" smtClean="0">
+                <a:ln>
+                  <a:noFill/>
+                </a:ln>
+                <a:solidFill>
+                  <a:schemeClr val="tx1"/>
+                </a:solidFill>
+                <a:effectLst/>
+                <a:latin typeface="Segoe UI" panose="020B0502040204020203" pitchFamily="34" charset="0"/>
+                <a:cs typeface="Segoe UI" panose="020B0502040204020203" pitchFamily="34" charset="0"/>
+              </a:rPr>
+              <a:t>requête</a:t>
+            </a:r>
+            <a:r>
+              <a:rPr kumimoji="0" lang="en-US" altLang="en-US" b="0" i="0" u="none" strike="noStrike" cap="none" normalizeH="0" baseline="0" dirty="0" smtClean="0">
+                <a:ln>
+                  <a:noFill/>
+                </a:ln>
+                <a:solidFill>
+                  <a:schemeClr val="tx1"/>
+                </a:solidFill>
+                <a:effectLst/>
+                <a:latin typeface="Segoe UI" panose="020B0502040204020203" pitchFamily="34" charset="0"/>
+                <a:cs typeface="Segoe UI" panose="020B0502040204020203" pitchFamily="34" charset="0"/>
+              </a:rPr>
+              <a:t> </a:t>
+            </a:r>
+            <a:r>
+              <a:rPr kumimoji="0" lang="en-US" altLang="en-US" b="0" i="0" u="none" strike="noStrike" cap="none" normalizeH="0" baseline="0" dirty="0" err="1" smtClean="0">
+                <a:ln>
+                  <a:noFill/>
+                </a:ln>
+                <a:solidFill>
+                  <a:schemeClr val="tx1"/>
+                </a:solidFill>
+                <a:effectLst/>
+                <a:latin typeface="Segoe UI" panose="020B0502040204020203" pitchFamily="34" charset="0"/>
+                <a:cs typeface="Segoe UI" panose="020B0502040204020203" pitchFamily="34" charset="0"/>
+              </a:rPr>
+              <a:t>en</a:t>
+            </a:r>
+            <a:r>
+              <a:rPr kumimoji="0" lang="en-US" altLang="en-US" b="0" i="0" u="none" strike="noStrike" cap="none" normalizeH="0" baseline="0" dirty="0" smtClean="0">
+                <a:ln>
+                  <a:noFill/>
+                </a:ln>
+                <a:solidFill>
+                  <a:schemeClr val="tx1"/>
+                </a:solidFill>
+                <a:effectLst/>
+                <a:latin typeface="Segoe UI" panose="020B0502040204020203" pitchFamily="34" charset="0"/>
+                <a:cs typeface="Segoe UI" panose="020B0502040204020203" pitchFamily="34" charset="0"/>
+              </a:rPr>
+              <a:t> </a:t>
+            </a:r>
+            <a:r>
+              <a:rPr kumimoji="0" lang="en-US" altLang="en-US" b="1" i="0" u="none" strike="noStrike" cap="none" normalizeH="0" baseline="0" dirty="0" err="1" smtClean="0">
+                <a:ln>
+                  <a:noFill/>
+                </a:ln>
+                <a:solidFill>
+                  <a:schemeClr val="tx1"/>
+                </a:solidFill>
+                <a:effectLst/>
+                <a:latin typeface="Segoe UI" panose="020B0502040204020203" pitchFamily="34" charset="0"/>
+                <a:cs typeface="Segoe UI" panose="020B0502040204020203" pitchFamily="34" charset="0"/>
+              </a:rPr>
+              <a:t>CalculateTax</a:t>
+            </a:r>
+            <a:r>
+              <a:rPr kumimoji="0" lang="en-US" altLang="en-US" b="0" i="0" u="none" strike="noStrike" cap="none" normalizeH="0" baseline="0" dirty="0" smtClean="0">
+                <a:ln>
+                  <a:noFill/>
+                </a:ln>
+                <a:solidFill>
+                  <a:schemeClr val="tx1"/>
+                </a:solidFill>
+                <a:effectLst/>
+                <a:latin typeface="Segoe UI" panose="020B0502040204020203" pitchFamily="34" charset="0"/>
+                <a:cs typeface="Segoe UI" panose="020B0502040204020203" pitchFamily="34" charset="0"/>
+              </a:rPr>
+              <a:t> (</a:t>
+            </a:r>
+            <a:r>
+              <a:rPr kumimoji="0" lang="en-US" altLang="en-US" b="0" i="0" u="none" strike="noStrike" cap="none" normalizeH="0" baseline="0" dirty="0" err="1" smtClean="0">
+                <a:ln>
+                  <a:noFill/>
+                </a:ln>
+                <a:solidFill>
+                  <a:schemeClr val="tx1"/>
+                </a:solidFill>
+                <a:effectLst/>
+                <a:latin typeface="Segoe UI" panose="020B0502040204020203" pitchFamily="34" charset="0"/>
+                <a:cs typeface="Segoe UI" panose="020B0502040204020203" pitchFamily="34" charset="0"/>
+              </a:rPr>
+              <a:t>dans</a:t>
+            </a:r>
+            <a:r>
+              <a:rPr kumimoji="0" lang="en-US" altLang="en-US" b="0" i="0" u="none" strike="noStrike" cap="none" normalizeH="0" baseline="0" dirty="0" smtClean="0">
+                <a:ln>
+                  <a:noFill/>
+                </a:ln>
+                <a:solidFill>
+                  <a:schemeClr val="tx1"/>
+                </a:solidFill>
+                <a:effectLst/>
+                <a:latin typeface="Segoe UI" panose="020B0502040204020203" pitchFamily="34" charset="0"/>
+                <a:cs typeface="Segoe UI" panose="020B0502040204020203" pitchFamily="34" charset="0"/>
+              </a:rPr>
+              <a:t> le </a:t>
+            </a:r>
+            <a:r>
+              <a:rPr kumimoji="0" lang="en-US" altLang="en-US" b="0" i="0" u="none" strike="noStrike" cap="none" normalizeH="0" baseline="0" dirty="0" err="1" smtClean="0">
+                <a:ln>
+                  <a:noFill/>
+                </a:ln>
+                <a:solidFill>
+                  <a:schemeClr val="tx1"/>
+                </a:solidFill>
+                <a:effectLst/>
+                <a:latin typeface="Segoe UI" panose="020B0502040204020203" pitchFamily="34" charset="0"/>
+                <a:cs typeface="Segoe UI" panose="020B0502040204020203" pitchFamily="34" charset="0"/>
+              </a:rPr>
+              <a:t>panneau</a:t>
+            </a:r>
+            <a:r>
+              <a:rPr kumimoji="0" lang="en-US" altLang="en-US" b="0" i="0" u="none" strike="noStrike" cap="none" normalizeH="0" baseline="0" dirty="0" smtClean="0">
+                <a:ln>
+                  <a:noFill/>
+                </a:ln>
+                <a:solidFill>
+                  <a:schemeClr val="tx1"/>
+                </a:solidFill>
+                <a:effectLst/>
+                <a:latin typeface="Segoe UI" panose="020B0502040204020203" pitchFamily="34" charset="0"/>
+                <a:cs typeface="Segoe UI" panose="020B0502040204020203" pitchFamily="34" charset="0"/>
+              </a:rPr>
+              <a:t> de </a:t>
+            </a:r>
+            <a:r>
+              <a:rPr kumimoji="0" lang="en-US" altLang="en-US" b="0" i="0" u="none" strike="noStrike" cap="none" normalizeH="0" baseline="0" dirty="0" err="1" smtClean="0">
+                <a:ln>
+                  <a:noFill/>
+                </a:ln>
+                <a:solidFill>
+                  <a:schemeClr val="tx1"/>
+                </a:solidFill>
+                <a:effectLst/>
+                <a:latin typeface="Segoe UI" panose="020B0502040204020203" pitchFamily="34" charset="0"/>
+                <a:cs typeface="Segoe UI" panose="020B0502040204020203" pitchFamily="34" charset="0"/>
+              </a:rPr>
+              <a:t>droite</a:t>
+            </a:r>
+            <a:r>
+              <a:rPr kumimoji="0" lang="en-US" altLang="en-US" b="0" i="0" u="none" strike="noStrike" cap="none" normalizeH="0" baseline="0" dirty="0" smtClean="0">
+                <a:ln>
+                  <a:noFill/>
+                </a:ln>
+                <a:solidFill>
+                  <a:schemeClr val="tx1"/>
+                </a:solidFill>
+                <a:effectLst/>
+                <a:latin typeface="Segoe UI" panose="020B0502040204020203" pitchFamily="34" charset="0"/>
+                <a:cs typeface="Segoe UI" panose="020B0502040204020203" pitchFamily="34" charset="0"/>
+              </a:rPr>
+              <a:t>).</a:t>
+            </a:r>
+          </a:p>
+          <a:p>
+            <a:pPr marL="342900" marR="0" lvl="0" indent="-342900" algn="l" defTabSz="914400" rtl="0" eaLnBrk="0" fontAlgn="base" latinLnBrk="0" hangingPunct="0">
+              <a:lnSpc>
+                <a:spcPct val="100000"/>
+              </a:lnSpc>
+              <a:spcBef>
+                <a:spcPct val="0"/>
+              </a:spcBef>
+              <a:spcAft>
+                <a:spcPct val="0"/>
+              </a:spcAft>
+              <a:buClrTx/>
+              <a:buSzTx/>
+              <a:buFont typeface="+mj-lt"/>
+              <a:buAutoNum type="arabicPeriod"/>
+              <a:tabLst/>
+            </a:pPr>
+            <a:r>
+              <a:rPr kumimoji="0" lang="en-US" altLang="en-US" b="0" i="0" u="none" strike="noStrike" cap="none" normalizeH="0" baseline="0" dirty="0" err="1" smtClean="0">
+                <a:ln>
+                  <a:noFill/>
+                </a:ln>
+                <a:solidFill>
+                  <a:schemeClr val="tx1"/>
+                </a:solidFill>
+                <a:effectLst/>
+                <a:latin typeface="Segoe UI" panose="020B0502040204020203" pitchFamily="34" charset="0"/>
+                <a:cs typeface="Segoe UI" panose="020B0502040204020203" pitchFamily="34" charset="0"/>
+              </a:rPr>
+              <a:t>Ouvre</a:t>
+            </a:r>
+            <a:r>
+              <a:rPr kumimoji="0" lang="en-US" altLang="en-US" b="0" i="0" u="none" strike="noStrike" cap="none" normalizeH="0" baseline="0" dirty="0" smtClean="0">
+                <a:ln>
+                  <a:noFill/>
+                </a:ln>
+                <a:solidFill>
+                  <a:schemeClr val="tx1"/>
+                </a:solidFill>
+                <a:effectLst/>
+                <a:latin typeface="Segoe UI" panose="020B0502040204020203" pitchFamily="34" charset="0"/>
+                <a:cs typeface="Segoe UI" panose="020B0502040204020203" pitchFamily="34" charset="0"/>
+              </a:rPr>
+              <a:t> </a:t>
+            </a:r>
+            <a:r>
+              <a:rPr kumimoji="0" lang="en-US" altLang="en-US" b="1" i="0" u="none" strike="noStrike" cap="none" normalizeH="0" baseline="0" dirty="0" err="1" smtClean="0">
+                <a:ln>
+                  <a:noFill/>
+                </a:ln>
+                <a:solidFill>
+                  <a:schemeClr val="tx1"/>
+                </a:solidFill>
+                <a:effectLst/>
+                <a:latin typeface="Segoe UI" panose="020B0502040204020203" pitchFamily="34" charset="0"/>
+                <a:cs typeface="Segoe UI" panose="020B0502040204020203" pitchFamily="34" charset="0"/>
+              </a:rPr>
+              <a:t>l’Éditeur</a:t>
+            </a:r>
+            <a:r>
+              <a:rPr kumimoji="0" lang="en-US" altLang="en-US" b="1" i="0" u="none" strike="noStrike" cap="none" normalizeH="0" baseline="0" dirty="0" smtClean="0">
+                <a:ln>
+                  <a:noFill/>
+                </a:ln>
+                <a:solidFill>
+                  <a:schemeClr val="tx1"/>
+                </a:solidFill>
+                <a:effectLst/>
+                <a:latin typeface="Segoe UI" panose="020B0502040204020203" pitchFamily="34" charset="0"/>
+                <a:cs typeface="Segoe UI" panose="020B0502040204020203" pitchFamily="34" charset="0"/>
+              </a:rPr>
+              <a:t> </a:t>
+            </a:r>
+            <a:r>
+              <a:rPr kumimoji="0" lang="en-US" altLang="en-US" b="1" i="0" u="none" strike="noStrike" cap="none" normalizeH="0" baseline="0" dirty="0" err="1" smtClean="0">
+                <a:ln>
+                  <a:noFill/>
+                </a:ln>
+                <a:solidFill>
+                  <a:schemeClr val="tx1"/>
+                </a:solidFill>
+                <a:effectLst/>
+                <a:latin typeface="Segoe UI" panose="020B0502040204020203" pitchFamily="34" charset="0"/>
+                <a:cs typeface="Segoe UI" panose="020B0502040204020203" pitchFamily="34" charset="0"/>
+              </a:rPr>
+              <a:t>avancé</a:t>
+            </a:r>
+            <a:r>
+              <a:rPr kumimoji="0" lang="en-US" altLang="en-US" b="0" i="0" u="none" strike="noStrike" cap="none" normalizeH="0" baseline="0" dirty="0" smtClean="0">
+                <a:ln>
+                  <a:noFill/>
+                </a:ln>
+                <a:solidFill>
+                  <a:schemeClr val="tx1"/>
+                </a:solidFill>
+                <a:effectLst/>
+                <a:latin typeface="Segoe UI" panose="020B0502040204020203" pitchFamily="34" charset="0"/>
+                <a:cs typeface="Segoe UI" panose="020B0502040204020203" pitchFamily="34" charset="0"/>
+              </a:rPr>
+              <a:t> (</a:t>
+            </a:r>
+            <a:r>
+              <a:rPr kumimoji="0" lang="en-US" altLang="en-US" b="1" i="0" u="none" strike="noStrike" cap="none" normalizeH="0" baseline="0" dirty="0" err="1" smtClean="0">
+                <a:ln>
+                  <a:noFill/>
+                </a:ln>
+                <a:solidFill>
+                  <a:schemeClr val="tx1"/>
+                </a:solidFill>
+                <a:effectLst/>
+                <a:latin typeface="Segoe UI" panose="020B0502040204020203" pitchFamily="34" charset="0"/>
+                <a:cs typeface="Segoe UI" panose="020B0502040204020203" pitchFamily="34" charset="0"/>
+              </a:rPr>
+              <a:t>Accueil</a:t>
+            </a:r>
+            <a:r>
+              <a:rPr kumimoji="0" lang="en-US" altLang="en-US" b="0" i="0" u="none" strike="noStrike" cap="none" normalizeH="0" baseline="0" dirty="0" smtClean="0">
+                <a:ln>
+                  <a:noFill/>
+                </a:ln>
+                <a:solidFill>
+                  <a:schemeClr val="tx1"/>
+                </a:solidFill>
+                <a:effectLst/>
+                <a:latin typeface="Segoe UI" panose="020B0502040204020203" pitchFamily="34" charset="0"/>
+                <a:cs typeface="Segoe UI" panose="020B0502040204020203" pitchFamily="34" charset="0"/>
+              </a:rPr>
+              <a:t> → </a:t>
+            </a:r>
+            <a:r>
+              <a:rPr kumimoji="0" lang="en-US" altLang="en-US" b="1" i="0" u="none" strike="noStrike" cap="none" normalizeH="0" baseline="0" dirty="0" err="1" smtClean="0">
+                <a:ln>
+                  <a:noFill/>
+                </a:ln>
+                <a:solidFill>
+                  <a:schemeClr val="tx1"/>
+                </a:solidFill>
+                <a:effectLst/>
+                <a:latin typeface="Segoe UI" panose="020B0502040204020203" pitchFamily="34" charset="0"/>
+                <a:cs typeface="Segoe UI" panose="020B0502040204020203" pitchFamily="34" charset="0"/>
+              </a:rPr>
+              <a:t>Éditeur</a:t>
+            </a:r>
+            <a:r>
+              <a:rPr kumimoji="0" lang="en-US" altLang="en-US" b="1" i="0" u="none" strike="noStrike" cap="none" normalizeH="0" baseline="0" dirty="0" smtClean="0">
+                <a:ln>
+                  <a:noFill/>
+                </a:ln>
+                <a:solidFill>
+                  <a:schemeClr val="tx1"/>
+                </a:solidFill>
+                <a:effectLst/>
+                <a:latin typeface="Segoe UI" panose="020B0502040204020203" pitchFamily="34" charset="0"/>
+                <a:cs typeface="Segoe UI" panose="020B0502040204020203" pitchFamily="34" charset="0"/>
+              </a:rPr>
+              <a:t> </a:t>
+            </a:r>
+            <a:r>
+              <a:rPr kumimoji="0" lang="en-US" altLang="en-US" b="1" i="0" u="none" strike="noStrike" cap="none" normalizeH="0" baseline="0" dirty="0" err="1" smtClean="0">
+                <a:ln>
+                  <a:noFill/>
+                </a:ln>
+                <a:solidFill>
+                  <a:schemeClr val="tx1"/>
+                </a:solidFill>
+                <a:effectLst/>
+                <a:latin typeface="Segoe UI" panose="020B0502040204020203" pitchFamily="34" charset="0"/>
+                <a:cs typeface="Segoe UI" panose="020B0502040204020203" pitchFamily="34" charset="0"/>
+              </a:rPr>
+              <a:t>avancé</a:t>
+            </a:r>
+            <a:r>
+              <a:rPr kumimoji="0" lang="en-US" altLang="en-US" b="0" i="0" u="none" strike="noStrike" cap="none" normalizeH="0" baseline="0" dirty="0" smtClean="0">
+                <a:ln>
+                  <a:noFill/>
+                </a:ln>
+                <a:solidFill>
+                  <a:schemeClr val="tx1"/>
+                </a:solidFill>
+                <a:effectLst/>
+                <a:latin typeface="Segoe UI" panose="020B0502040204020203" pitchFamily="34" charset="0"/>
+                <a:cs typeface="Segoe UI" panose="020B0502040204020203" pitchFamily="34" charset="0"/>
+              </a:rPr>
+              <a:t>).</a:t>
+            </a:r>
+          </a:p>
+          <a:p>
+            <a:pPr marL="342900" marR="0" lvl="0" indent="-342900" algn="l" defTabSz="914400" rtl="0" eaLnBrk="0" fontAlgn="base" latinLnBrk="0" hangingPunct="0">
+              <a:lnSpc>
+                <a:spcPct val="100000"/>
+              </a:lnSpc>
+              <a:spcBef>
+                <a:spcPct val="0"/>
+              </a:spcBef>
+              <a:spcAft>
+                <a:spcPct val="0"/>
+              </a:spcAft>
+              <a:buClrTx/>
+              <a:buSzTx/>
+              <a:buFont typeface="+mj-lt"/>
+              <a:buAutoNum type="arabicPeriod"/>
+              <a:tabLst/>
+            </a:pPr>
+            <a:r>
+              <a:rPr kumimoji="0" lang="en-US" altLang="en-US" b="0" i="0" u="none" strike="noStrike" cap="none" normalizeH="0" baseline="0" dirty="0" err="1" smtClean="0">
+                <a:ln>
+                  <a:noFill/>
+                </a:ln>
+                <a:solidFill>
+                  <a:schemeClr val="tx1"/>
+                </a:solidFill>
+                <a:effectLst/>
+                <a:latin typeface="Segoe UI" panose="020B0502040204020203" pitchFamily="34" charset="0"/>
+                <a:cs typeface="Segoe UI" panose="020B0502040204020203" pitchFamily="34" charset="0"/>
+              </a:rPr>
+              <a:t>Remplace</a:t>
+            </a:r>
+            <a:r>
+              <a:rPr kumimoji="0" lang="en-US" altLang="en-US" b="0" i="0" u="none" strike="noStrike" cap="none" normalizeH="0" baseline="0" dirty="0" smtClean="0">
+                <a:ln>
+                  <a:noFill/>
+                </a:ln>
+                <a:solidFill>
+                  <a:schemeClr val="tx1"/>
+                </a:solidFill>
+                <a:effectLst/>
+                <a:latin typeface="Segoe UI" panose="020B0502040204020203" pitchFamily="34" charset="0"/>
+                <a:cs typeface="Segoe UI" panose="020B0502040204020203" pitchFamily="34" charset="0"/>
+              </a:rPr>
+              <a:t> le code par : </a:t>
+            </a:r>
+          </a:p>
+        </p:txBody>
+      </p:sp>
+      <p:sp>
+        <p:nvSpPr>
+          <p:cNvPr id="7" name="Rectangle 6"/>
+          <p:cNvSpPr/>
+          <p:nvPr/>
+        </p:nvSpPr>
+        <p:spPr>
+          <a:xfrm>
+            <a:off x="770466" y="2577237"/>
+            <a:ext cx="3530601" cy="1754326"/>
+          </a:xfrm>
+          <a:prstGeom prst="rect">
+            <a:avLst/>
+          </a:prstGeom>
+        </p:spPr>
+        <p:txBody>
+          <a:bodyPr wrap="square">
+            <a:spAutoFit/>
+          </a:bodyPr>
+          <a:lstStyle/>
+          <a:p>
+            <a:r>
+              <a:rPr lang="en-US" dirty="0">
+                <a:latin typeface="Segoe UI" panose="020B0502040204020203" pitchFamily="34" charset="0"/>
+                <a:cs typeface="Segoe UI" panose="020B0502040204020203" pitchFamily="34" charset="0"/>
+              </a:rPr>
+              <a:t>Total as number) as number =&gt;</a:t>
+            </a:r>
+          </a:p>
+          <a:p>
+            <a:r>
+              <a:rPr lang="en-US" dirty="0">
+                <a:latin typeface="Segoe UI" panose="020B0502040204020203" pitchFamily="34" charset="0"/>
+                <a:cs typeface="Segoe UI" panose="020B0502040204020203" pitchFamily="34" charset="0"/>
+              </a:rPr>
+              <a:t>let</a:t>
+            </a:r>
+          </a:p>
+          <a:p>
+            <a:r>
+              <a:rPr lang="en-US" dirty="0">
+                <a:latin typeface="Segoe UI" panose="020B0502040204020203" pitchFamily="34" charset="0"/>
+                <a:cs typeface="Segoe UI" panose="020B0502040204020203" pitchFamily="34" charset="0"/>
+              </a:rPr>
+              <a:t>    </a:t>
+            </a:r>
+            <a:r>
+              <a:rPr lang="en-US" dirty="0" err="1">
+                <a:latin typeface="Segoe UI" panose="020B0502040204020203" pitchFamily="34" charset="0"/>
+                <a:cs typeface="Segoe UI" panose="020B0502040204020203" pitchFamily="34" charset="0"/>
+              </a:rPr>
+              <a:t>TaxRate</a:t>
+            </a:r>
+            <a:r>
+              <a:rPr lang="en-US" dirty="0">
+                <a:latin typeface="Segoe UI" panose="020B0502040204020203" pitchFamily="34" charset="0"/>
+                <a:cs typeface="Segoe UI" panose="020B0502040204020203" pitchFamily="34" charset="0"/>
+              </a:rPr>
+              <a:t> = 0.15,</a:t>
+            </a:r>
+          </a:p>
+          <a:p>
+            <a:r>
+              <a:rPr lang="en-US" dirty="0">
+                <a:latin typeface="Segoe UI" panose="020B0502040204020203" pitchFamily="34" charset="0"/>
+                <a:cs typeface="Segoe UI" panose="020B0502040204020203" pitchFamily="34" charset="0"/>
+              </a:rPr>
+              <a:t>    </a:t>
+            </a:r>
+            <a:r>
+              <a:rPr lang="en-US" dirty="0" err="1">
+                <a:latin typeface="Segoe UI" panose="020B0502040204020203" pitchFamily="34" charset="0"/>
+                <a:cs typeface="Segoe UI" panose="020B0502040204020203" pitchFamily="34" charset="0"/>
+              </a:rPr>
+              <a:t>TaxAmount</a:t>
+            </a:r>
+            <a:r>
+              <a:rPr lang="en-US" dirty="0">
+                <a:latin typeface="Segoe UI" panose="020B0502040204020203" pitchFamily="34" charset="0"/>
+                <a:cs typeface="Segoe UI" panose="020B0502040204020203" pitchFamily="34" charset="0"/>
+              </a:rPr>
+              <a:t> = Total * </a:t>
+            </a:r>
+            <a:r>
+              <a:rPr lang="en-US" dirty="0" err="1">
+                <a:latin typeface="Segoe UI" panose="020B0502040204020203" pitchFamily="34" charset="0"/>
+                <a:cs typeface="Segoe UI" panose="020B0502040204020203" pitchFamily="34" charset="0"/>
+              </a:rPr>
+              <a:t>TaxRate</a:t>
+            </a:r>
+            <a:endParaRPr lang="en-US" dirty="0">
+              <a:latin typeface="Segoe UI" panose="020B0502040204020203" pitchFamily="34" charset="0"/>
+              <a:cs typeface="Segoe UI" panose="020B0502040204020203" pitchFamily="34" charset="0"/>
+            </a:endParaRPr>
+          </a:p>
+          <a:p>
+            <a:r>
+              <a:rPr lang="en-US" dirty="0">
+                <a:latin typeface="Segoe UI" panose="020B0502040204020203" pitchFamily="34" charset="0"/>
+                <a:cs typeface="Segoe UI" panose="020B0502040204020203" pitchFamily="34" charset="0"/>
+              </a:rPr>
+              <a:t>in</a:t>
+            </a:r>
+          </a:p>
+          <a:p>
+            <a:r>
+              <a:rPr lang="en-US" dirty="0">
+                <a:latin typeface="Segoe UI" panose="020B0502040204020203" pitchFamily="34" charset="0"/>
+                <a:cs typeface="Segoe UI" panose="020B0502040204020203" pitchFamily="34" charset="0"/>
+              </a:rPr>
+              <a:t>    </a:t>
+            </a:r>
+            <a:r>
+              <a:rPr lang="en-US" dirty="0" err="1">
+                <a:latin typeface="Segoe UI" panose="020B0502040204020203" pitchFamily="34" charset="0"/>
+                <a:cs typeface="Segoe UI" panose="020B0502040204020203" pitchFamily="34" charset="0"/>
+              </a:rPr>
+              <a:t>TaxAmount</a:t>
+            </a:r>
+            <a:endParaRPr lang="en-US" dirty="0">
+              <a:latin typeface="Segoe UI" panose="020B0502040204020203" pitchFamily="34" charset="0"/>
+              <a:cs typeface="Segoe UI" panose="020B0502040204020203" pitchFamily="34" charset="0"/>
             </a:endParaRPr>
           </a:p>
         </p:txBody>
@@ -4311,7 +4888,7 @@
     </p:spTree>
     <p:extLst>
       <p:ext uri="{BB962C8B-B14F-4D97-AF65-F5344CB8AC3E}">
-        <p14:creationId xmlns:p14="http://schemas.microsoft.com/office/powerpoint/2010/main" val="4020657278"/>
+        <p14:creationId xmlns:p14="http://schemas.microsoft.com/office/powerpoint/2010/main" val="4274658502"/>
       </p:ext>
     </p:extLst>
   </p:cSld>
@@ -4368,1586 +4945,143 @@
               <a:t>Invoker les </a:t>
             </a:r>
             <a:r>
-              <a:rPr lang="en-US" sz="2800" dirty="0" err="1" smtClean="0">
+              <a:rPr lang="fr-FR" sz="2800" dirty="0" smtClean="0">
                 <a:latin typeface="Segoe UI" panose="020B0502040204020203" pitchFamily="34" charset="0"/>
                 <a:cs typeface="Segoe UI" panose="020B0502040204020203" pitchFamily="34" charset="0"/>
               </a:rPr>
               <a:t>fonctions</a:t>
             </a:r>
-            <a:endParaRPr lang="en-US" sz="2800" dirty="0">
+            <a:endParaRPr lang="fr-FR" sz="2800" dirty="0">
               <a:latin typeface="Segoe UI" panose="020B0502040204020203" pitchFamily="34" charset="0"/>
               <a:cs typeface="Segoe UI" panose="020B0502040204020203" pitchFamily="34" charset="0"/>
             </a:endParaRPr>
           </a:p>
         </p:txBody>
       </p:sp>
-      <p:sp>
-        <p:nvSpPr>
-          <p:cNvPr id="3" name="Rectangle 1"/>
-          <p:cNvSpPr>
-            <a:spLocks noChangeArrowheads="1"/>
-          </p:cNvSpPr>
+      <p:pic>
+        <p:nvPicPr>
+          <p:cNvPr id="3" name="Picture 2"/>
+          <p:cNvPicPr>
+            <a:picLocks noChangeAspect="1"/>
+          </p:cNvPicPr>
           <p:nvPr/>
-        </p:nvSpPr>
-        <p:spPr bwMode="auto">
+        </p:nvPicPr>
+        <p:blipFill>
+          <a:blip r:embed="rId2"/>
+          <a:stretch>
+            <a:fillRect/>
+          </a:stretch>
+        </p:blipFill>
+        <p:spPr>
           <a:xfrm>
-            <a:off x="495013" y="805102"/>
-            <a:ext cx="8783174" cy="5078313"/>
+            <a:off x="407303" y="967084"/>
+            <a:ext cx="9802593" cy="3315163"/>
           </a:xfrm>
           <a:prstGeom prst="rect">
             <a:avLst/>
           </a:prstGeom>
-          <a:noFill/>
           <a:ln>
             <a:noFill/>
           </a:ln>
-          <a:effectLst/>
-          <a:extLst>
-            <a:ext uri="{909E8E84-426E-40DD-AFC4-6F175D3DCCD1}">
-              <a14:hiddenFill xmlns:a14="http://schemas.microsoft.com/office/drawing/2010/main">
-                <a:solidFill>
-                  <a:schemeClr val="accent1"/>
-                </a:solidFill>
-              </a14:hiddenFill>
-            </a:ext>
-            <a:ext uri="{91240B29-F687-4F45-9708-019B960494DF}">
-              <a14:hiddenLine xmlns:a14="http://schemas.microsoft.com/office/drawing/2010/main" w="9525">
-                <a:solidFill>
-                  <a:schemeClr val="tx1"/>
-                </a:solidFill>
-                <a:miter lim="800000"/>
-                <a:headEnd/>
-                <a:tailEnd/>
-              </a14:hiddenLine>
-            </a:ext>
-            <a:ext uri="{AF507438-7753-43E0-B8FC-AC1667EBCBE1}">
-              <a14:hiddenEffects xmlns:a14="http://schemas.microsoft.com/office/drawing/2010/main">
-                <a:effectLst>
-                  <a:outerShdw dist="35921" dir="2700000" algn="ctr" rotWithShape="0">
-                    <a:schemeClr val="bg2"/>
-                  </a:outerShdw>
-                </a:effectLst>
-              </a14:hiddenEffects>
-            </a:ext>
-          </a:extLst>
+          <a:effectLst>
+            <a:outerShdw blurRad="292100" dist="139700" dir="2700000" algn="tl" rotWithShape="0">
+              <a:srgbClr val="333333">
+                <a:alpha val="65000"/>
+              </a:srgbClr>
+            </a:outerShdw>
+          </a:effectLst>
         </p:spPr>
-        <p:txBody>
-          <a:bodyPr vert="horz" wrap="none" lIns="91440" tIns="45720" rIns="91440" bIns="45720" numCol="1" anchor="ctr" anchorCtr="0" compatLnSpc="1">
-            <a:prstTxWarp prst="textNoShape">
-              <a:avLst/>
-            </a:prstTxWarp>
+      </p:pic>
+      <p:sp>
+        <p:nvSpPr>
+          <p:cNvPr id="4" name="Rectangle 3"/>
+          <p:cNvSpPr/>
+          <p:nvPr/>
+        </p:nvSpPr>
+        <p:spPr>
+          <a:xfrm>
+            <a:off x="537632" y="4804601"/>
+            <a:ext cx="9541934" cy="646331"/>
+          </a:xfrm>
+          <a:prstGeom prst="rect">
+            <a:avLst/>
+          </a:prstGeom>
+        </p:spPr>
+        <p:txBody>
+          <a:bodyPr wrap="square">
             <a:spAutoFit/>
           </a:bodyPr>
           <a:lstStyle/>
           <a:p>
-            <a:pPr marR="0" lvl="0" algn="l" defTabSz="914400" rtl="0" eaLnBrk="0" fontAlgn="base" latinLnBrk="0" hangingPunct="0">
-              <a:lnSpc>
-                <a:spcPct val="100000"/>
-              </a:lnSpc>
-              <a:spcBef>
-                <a:spcPct val="0"/>
-              </a:spcBef>
-              <a:spcAft>
-                <a:spcPct val="0"/>
-              </a:spcAft>
-              <a:buClrTx/>
-              <a:buSzTx/>
-              <a:tabLst/>
+            <a:pPr>
+              <a:buFont typeface="+mj-lt"/>
+              <a:buAutoNum type="arabicPeriod" startAt="5"/>
             </a:pPr>
-            <a:endParaRPr kumimoji="0" lang="en-US" altLang="en-US" b="0" i="0" u="none" strike="noStrike" cap="none" normalizeH="0" baseline="0" dirty="0" smtClean="0">
-              <a:ln>
-                <a:noFill/>
-              </a:ln>
-              <a:solidFill>
-                <a:schemeClr val="tx1"/>
-              </a:solidFill>
-              <a:effectLst/>
-              <a:latin typeface="Arial" panose="020B0604020202020204" pitchFamily="34" charset="0"/>
-            </a:endParaRPr>
-          </a:p>
-          <a:p>
-            <a:pPr marR="0" lvl="0" algn="l" defTabSz="914400" rtl="0" eaLnBrk="0" fontAlgn="base" latinLnBrk="0" hangingPunct="0">
-              <a:lnSpc>
-                <a:spcPct val="100000"/>
-              </a:lnSpc>
-              <a:spcBef>
-                <a:spcPct val="0"/>
-              </a:spcBef>
-              <a:spcAft>
-                <a:spcPct val="0"/>
-              </a:spcAft>
-              <a:buClrTx/>
-              <a:buSzTx/>
-              <a:tabLst/>
-            </a:pPr>
-            <a:r>
-              <a:rPr kumimoji="0" lang="en-US" altLang="en-US" i="0" u="none" strike="noStrike" cap="none" normalizeH="0" baseline="0" dirty="0" err="1" smtClean="0">
-                <a:ln>
-                  <a:noFill/>
-                </a:ln>
-                <a:solidFill>
-                  <a:schemeClr val="tx1"/>
-                </a:solidFill>
-                <a:effectLst/>
-                <a:latin typeface="Arial" panose="020B0604020202020204" pitchFamily="34" charset="0"/>
-              </a:rPr>
-              <a:t>Allez</a:t>
-            </a:r>
-            <a:r>
-              <a:rPr kumimoji="0" lang="en-US" altLang="en-US" i="0" u="none" strike="noStrike" cap="none" normalizeH="0" baseline="0" dirty="0" smtClean="0">
-                <a:ln>
-                  <a:noFill/>
-                </a:ln>
-                <a:solidFill>
-                  <a:schemeClr val="tx1"/>
-                </a:solidFill>
-                <a:effectLst/>
-                <a:latin typeface="Arial" panose="020B0604020202020204" pitchFamily="34" charset="0"/>
-              </a:rPr>
-              <a:t> </a:t>
-            </a:r>
-            <a:r>
-              <a:rPr kumimoji="0" lang="en-US" altLang="en-US" i="0" u="none" strike="noStrike" cap="none" normalizeH="0" baseline="0" dirty="0" err="1" smtClean="0">
-                <a:ln>
-                  <a:noFill/>
-                </a:ln>
-                <a:solidFill>
-                  <a:schemeClr val="tx1"/>
-                </a:solidFill>
-                <a:effectLst/>
-                <a:latin typeface="Arial" panose="020B0604020202020204" pitchFamily="34" charset="0"/>
-              </a:rPr>
-              <a:t>dans</a:t>
-            </a:r>
-            <a:r>
-              <a:rPr kumimoji="0" lang="en-US" altLang="en-US" i="0" u="none" strike="noStrike" cap="none" normalizeH="0" baseline="0" dirty="0" smtClean="0">
-                <a:ln>
-                  <a:noFill/>
-                </a:ln>
-                <a:solidFill>
-                  <a:schemeClr val="tx1"/>
-                </a:solidFill>
-                <a:effectLst/>
-                <a:latin typeface="Arial" panose="020B0604020202020204" pitchFamily="34" charset="0"/>
-              </a:rPr>
-              <a:t> </a:t>
-            </a:r>
-            <a:r>
-              <a:rPr kumimoji="0" lang="en-US" altLang="en-US" i="0" u="none" strike="noStrike" cap="none" normalizeH="0" baseline="0" dirty="0" err="1" smtClean="0">
-                <a:ln>
-                  <a:noFill/>
-                </a:ln>
-                <a:solidFill>
-                  <a:schemeClr val="tx1"/>
-                </a:solidFill>
-                <a:effectLst/>
-                <a:latin typeface="Arial" panose="020B0604020202020204" pitchFamily="34" charset="0"/>
-              </a:rPr>
-              <a:t>l</a:t>
-            </a:r>
-            <a:r>
-              <a:rPr kumimoji="0" lang="en-US" altLang="en-US" b="0" i="0" u="none" strike="noStrike" cap="none" normalizeH="0" baseline="0" dirty="0" err="1" smtClean="0">
-                <a:ln>
-                  <a:noFill/>
-                </a:ln>
-                <a:solidFill>
-                  <a:schemeClr val="tx1"/>
-                </a:solidFill>
-                <a:effectLst/>
-                <a:latin typeface="Arial" panose="020B0604020202020204" pitchFamily="34" charset="0"/>
-              </a:rPr>
-              <a:t>'onglet</a:t>
-            </a:r>
-            <a:r>
-              <a:rPr kumimoji="0" lang="en-US" altLang="en-US" b="0" i="0" u="none" strike="noStrike" cap="none" normalizeH="0" baseline="0" dirty="0" smtClean="0">
-                <a:ln>
-                  <a:noFill/>
-                </a:ln>
-                <a:solidFill>
-                  <a:schemeClr val="tx1"/>
-                </a:solidFill>
-                <a:effectLst/>
-                <a:latin typeface="Arial" panose="020B0604020202020204" pitchFamily="34" charset="0"/>
-              </a:rPr>
-              <a:t> </a:t>
-            </a:r>
-            <a:r>
-              <a:rPr kumimoji="0" lang="en-US" altLang="en-US" b="1" i="0" u="none" strike="noStrike" cap="none" normalizeH="0" baseline="0" dirty="0" err="1" smtClean="0">
-                <a:ln>
-                  <a:noFill/>
-                </a:ln>
-                <a:solidFill>
-                  <a:schemeClr val="tx1"/>
-                </a:solidFill>
-                <a:effectLst/>
-                <a:latin typeface="Arial" panose="020B0604020202020204" pitchFamily="34" charset="0"/>
-              </a:rPr>
-              <a:t>Accueil</a:t>
-            </a:r>
-            <a:r>
-              <a:rPr kumimoji="0" lang="en-US" altLang="en-US" b="1" i="0" u="none" strike="noStrike" cap="none" normalizeH="0" baseline="0" dirty="0" smtClean="0">
-                <a:ln>
-                  <a:noFill/>
-                </a:ln>
-                <a:solidFill>
-                  <a:schemeClr val="tx1"/>
-                </a:solidFill>
-                <a:effectLst/>
-                <a:latin typeface="Arial" panose="020B0604020202020204" pitchFamily="34" charset="0"/>
-              </a:rPr>
-              <a:t> &gt; </a:t>
-            </a:r>
-            <a:r>
-              <a:rPr kumimoji="0" lang="en-US" altLang="en-US" b="1" i="0" u="none" strike="noStrike" cap="none" normalizeH="0" baseline="0" dirty="0" err="1" smtClean="0">
-                <a:ln>
-                  <a:noFill/>
-                </a:ln>
-                <a:solidFill>
-                  <a:schemeClr val="tx1"/>
-                </a:solidFill>
-                <a:effectLst/>
-                <a:latin typeface="Arial" panose="020B0604020202020204" pitchFamily="34" charset="0"/>
-              </a:rPr>
-              <a:t>Entrer</a:t>
-            </a:r>
-            <a:r>
-              <a:rPr kumimoji="0" lang="en-US" altLang="en-US" b="1" i="0" u="none" strike="noStrike" cap="none" normalizeH="0" baseline="0" dirty="0" smtClean="0">
-                <a:ln>
-                  <a:noFill/>
-                </a:ln>
-                <a:solidFill>
-                  <a:schemeClr val="tx1"/>
-                </a:solidFill>
-                <a:effectLst/>
-                <a:latin typeface="Arial" panose="020B0604020202020204" pitchFamily="34" charset="0"/>
-              </a:rPr>
-              <a:t> des </a:t>
-            </a:r>
-            <a:r>
-              <a:rPr kumimoji="0" lang="en-US" altLang="en-US" b="1" i="0" u="none" strike="noStrike" cap="none" normalizeH="0" baseline="0" dirty="0" err="1" smtClean="0">
-                <a:ln>
-                  <a:noFill/>
-                </a:ln>
-                <a:solidFill>
-                  <a:schemeClr val="tx1"/>
-                </a:solidFill>
-                <a:effectLst/>
-                <a:latin typeface="Arial" panose="020B0604020202020204" pitchFamily="34" charset="0"/>
-              </a:rPr>
-              <a:t>données</a:t>
-            </a:r>
-            <a:r>
-              <a:rPr kumimoji="0" lang="en-US" altLang="en-US" b="0" i="0" u="none" strike="noStrike" cap="none" normalizeH="0" baseline="0" dirty="0" smtClean="0">
-                <a:ln>
-                  <a:noFill/>
-                </a:ln>
-                <a:solidFill>
-                  <a:schemeClr val="tx1"/>
-                </a:solidFill>
-                <a:effectLst/>
-                <a:latin typeface="Arial" panose="020B0604020202020204" pitchFamily="34" charset="0"/>
-              </a:rPr>
-              <a:t>. </a:t>
-            </a:r>
-          </a:p>
-          <a:p>
-            <a:pPr marR="0" lvl="0" algn="l" defTabSz="914400" rtl="0" eaLnBrk="0" fontAlgn="base" latinLnBrk="0" hangingPunct="0">
-              <a:lnSpc>
-                <a:spcPct val="100000"/>
-              </a:lnSpc>
-              <a:spcBef>
-                <a:spcPct val="0"/>
-              </a:spcBef>
-              <a:spcAft>
-                <a:spcPct val="0"/>
-              </a:spcAft>
-              <a:buClrTx/>
-              <a:buSzTx/>
-              <a:tabLst/>
-            </a:pPr>
-            <a:r>
-              <a:rPr kumimoji="0" lang="en-US" altLang="en-US" b="1" i="0" u="none" strike="noStrike" cap="none" normalizeH="0" baseline="0" dirty="0" err="1" smtClean="0">
-                <a:ln>
-                  <a:noFill/>
-                </a:ln>
-                <a:solidFill>
-                  <a:schemeClr val="tx1"/>
-                </a:solidFill>
-                <a:effectLst/>
-                <a:latin typeface="Arial" panose="020B0604020202020204" pitchFamily="34" charset="0"/>
-              </a:rPr>
-              <a:t>Saisissez</a:t>
-            </a:r>
-            <a:r>
-              <a:rPr kumimoji="0" lang="en-US" altLang="en-US" b="1" i="0" u="none" strike="noStrike" cap="none" normalizeH="0" baseline="0" dirty="0" smtClean="0">
-                <a:ln>
-                  <a:noFill/>
-                </a:ln>
-                <a:solidFill>
-                  <a:schemeClr val="tx1"/>
-                </a:solidFill>
-                <a:effectLst/>
-                <a:latin typeface="Arial" panose="020B0604020202020204" pitchFamily="34" charset="0"/>
-              </a:rPr>
-              <a:t> la table de test</a:t>
-            </a:r>
-            <a:r>
-              <a:rPr kumimoji="0" lang="en-US" altLang="en-US" b="0" i="0" u="none" strike="noStrike" cap="none" normalizeH="0" baseline="0" dirty="0" smtClean="0">
-                <a:ln>
-                  <a:noFill/>
-                </a:ln>
-                <a:solidFill>
-                  <a:schemeClr val="tx1"/>
-                </a:solidFill>
-                <a:effectLst/>
-                <a:latin typeface="Arial" panose="020B0604020202020204" pitchFamily="34" charset="0"/>
-              </a:rPr>
-              <a:t> </a:t>
-            </a:r>
-            <a:r>
-              <a:rPr kumimoji="0" lang="en-US" altLang="en-US" b="0" i="0" u="none" strike="noStrike" cap="none" normalizeH="0" baseline="0" dirty="0" err="1" smtClean="0">
-                <a:ln>
-                  <a:noFill/>
-                </a:ln>
-                <a:solidFill>
-                  <a:schemeClr val="tx1"/>
-                </a:solidFill>
-                <a:effectLst/>
-                <a:latin typeface="Arial" panose="020B0604020202020204" pitchFamily="34" charset="0"/>
-              </a:rPr>
-              <a:t>depuis</a:t>
-            </a:r>
-            <a:r>
-              <a:rPr kumimoji="0" lang="en-US" altLang="en-US" b="0" i="0" u="none" strike="noStrike" cap="none" normalizeH="0" baseline="0" dirty="0" smtClean="0">
-                <a:ln>
-                  <a:noFill/>
-                </a:ln>
-                <a:solidFill>
-                  <a:schemeClr val="tx1"/>
-                </a:solidFill>
-                <a:effectLst/>
-                <a:latin typeface="Arial" panose="020B0604020202020204" pitchFamily="34" charset="0"/>
-              </a:rPr>
-              <a:t> </a:t>
-            </a:r>
-            <a:r>
-              <a:rPr kumimoji="0" lang="en-US" altLang="en-US" b="0" i="0" u="none" strike="noStrike" cap="none" normalizeH="0" baseline="0" dirty="0" err="1" smtClean="0">
-                <a:ln>
-                  <a:noFill/>
-                </a:ln>
-                <a:solidFill>
-                  <a:schemeClr val="tx1"/>
-                </a:solidFill>
-                <a:effectLst/>
-                <a:latin typeface="Arial" panose="020B0604020202020204" pitchFamily="34" charset="0"/>
-              </a:rPr>
-              <a:t>l’étape</a:t>
-            </a:r>
-            <a:r>
-              <a:rPr kumimoji="0" lang="en-US" altLang="en-US" b="0" i="0" u="none" strike="noStrike" cap="none" normalizeH="0" baseline="0" dirty="0" smtClean="0">
-                <a:ln>
-                  <a:noFill/>
-                </a:ln>
-                <a:solidFill>
-                  <a:schemeClr val="tx1"/>
-                </a:solidFill>
-                <a:effectLst/>
-                <a:latin typeface="Arial" panose="020B0604020202020204" pitchFamily="34" charset="0"/>
-              </a:rPr>
-              <a:t> 1. </a:t>
-            </a:r>
-          </a:p>
-          <a:p>
-            <a:pPr marR="0" lvl="0" algn="l" defTabSz="914400" rtl="0" eaLnBrk="0" fontAlgn="base" latinLnBrk="0" hangingPunct="0">
-              <a:lnSpc>
-                <a:spcPct val="100000"/>
-              </a:lnSpc>
-              <a:spcBef>
-                <a:spcPct val="0"/>
-              </a:spcBef>
-              <a:spcAft>
-                <a:spcPct val="0"/>
-              </a:spcAft>
-              <a:buClrTx/>
-              <a:buSzTx/>
-              <a:tabLst/>
-            </a:pPr>
-            <a:r>
-              <a:rPr kumimoji="0" lang="en-US" altLang="en-US" b="1" i="0" u="none" strike="noStrike" cap="none" normalizeH="0" baseline="0" dirty="0" err="1" smtClean="0">
-                <a:ln>
-                  <a:noFill/>
-                </a:ln>
-                <a:solidFill>
-                  <a:schemeClr val="tx1"/>
-                </a:solidFill>
-                <a:effectLst/>
-                <a:latin typeface="Arial" panose="020B0604020202020204" pitchFamily="34" charset="0"/>
-              </a:rPr>
-              <a:t>Nommez</a:t>
-            </a:r>
-            <a:r>
-              <a:rPr kumimoji="0" lang="en-US" altLang="en-US" b="1" i="0" u="none" strike="noStrike" cap="none" normalizeH="0" baseline="0" dirty="0" smtClean="0">
-                <a:ln>
-                  <a:noFill/>
-                </a:ln>
-                <a:solidFill>
-                  <a:schemeClr val="tx1"/>
-                </a:solidFill>
-                <a:effectLst/>
-                <a:latin typeface="Arial" panose="020B0604020202020204" pitchFamily="34" charset="0"/>
-              </a:rPr>
-              <a:t> la table</a:t>
-            </a:r>
-            <a:r>
-              <a:rPr kumimoji="0" lang="en-US" altLang="en-US" b="0" i="0" u="none" strike="noStrike" cap="none" normalizeH="0" baseline="0" dirty="0" smtClean="0">
-                <a:ln>
-                  <a:noFill/>
-                </a:ln>
-                <a:solidFill>
-                  <a:schemeClr val="tx1"/>
-                </a:solidFill>
-                <a:effectLst/>
-                <a:latin typeface="Arial" panose="020B0604020202020204" pitchFamily="34" charset="0"/>
-              </a:rPr>
-              <a:t> </a:t>
-            </a:r>
-            <a:r>
-              <a:rPr kumimoji="0" lang="en-US" altLang="en-US" b="1" i="0" u="none" strike="noStrike" cap="none" normalizeH="0" baseline="0" dirty="0" err="1" smtClean="0">
-                <a:ln>
-                  <a:noFill/>
-                </a:ln>
-                <a:solidFill>
-                  <a:schemeClr val="tx1"/>
-                </a:solidFill>
-                <a:effectLst/>
-                <a:latin typeface="Arial" panose="020B0604020202020204" pitchFamily="34" charset="0"/>
-              </a:rPr>
-              <a:t>SalesData</a:t>
-            </a:r>
-            <a:r>
-              <a:rPr kumimoji="0" lang="en-US" altLang="en-US" b="0" i="0" u="none" strike="noStrike" cap="none" normalizeH="0" baseline="0" dirty="0" smtClean="0">
-                <a:ln>
-                  <a:noFill/>
-                </a:ln>
-                <a:solidFill>
-                  <a:schemeClr val="tx1"/>
-                </a:solidFill>
-                <a:effectLst/>
-                <a:latin typeface="Arial" panose="020B0604020202020204" pitchFamily="34" charset="0"/>
-              </a:rPr>
-              <a:t> et </a:t>
-            </a:r>
-            <a:r>
-              <a:rPr kumimoji="0" lang="en-US" altLang="en-US" b="0" i="0" u="none" strike="noStrike" cap="none" normalizeH="0" baseline="0" dirty="0" err="1" smtClean="0">
-                <a:ln>
-                  <a:noFill/>
-                </a:ln>
-                <a:solidFill>
-                  <a:schemeClr val="tx1"/>
-                </a:solidFill>
-                <a:effectLst/>
-                <a:latin typeface="Arial" panose="020B0604020202020204" pitchFamily="34" charset="0"/>
-              </a:rPr>
-              <a:t>cliquez</a:t>
-            </a:r>
-            <a:r>
-              <a:rPr kumimoji="0" lang="en-US" altLang="en-US" b="0" i="0" u="none" strike="noStrike" cap="none" normalizeH="0" baseline="0" dirty="0" smtClean="0">
-                <a:ln>
-                  <a:noFill/>
-                </a:ln>
-                <a:solidFill>
-                  <a:schemeClr val="tx1"/>
-                </a:solidFill>
-                <a:effectLst/>
-                <a:latin typeface="Arial" panose="020B0604020202020204" pitchFamily="34" charset="0"/>
-              </a:rPr>
-              <a:t> sur </a:t>
-            </a:r>
-            <a:r>
-              <a:rPr kumimoji="0" lang="en-US" altLang="en-US" b="1" i="0" u="none" strike="noStrike" cap="none" normalizeH="0" baseline="0" dirty="0" smtClean="0">
-                <a:ln>
-                  <a:noFill/>
-                </a:ln>
-                <a:solidFill>
-                  <a:schemeClr val="tx1"/>
-                </a:solidFill>
-                <a:effectLst/>
-                <a:latin typeface="Arial" panose="020B0604020202020204" pitchFamily="34" charset="0"/>
-              </a:rPr>
-              <a:t>Charger</a:t>
-            </a:r>
-            <a:r>
-              <a:rPr kumimoji="0" lang="en-US" altLang="en-US" b="0" i="0" u="none" strike="noStrike" cap="none" normalizeH="0" baseline="0" dirty="0" smtClean="0">
-                <a:ln>
-                  <a:noFill/>
-                </a:ln>
-                <a:solidFill>
-                  <a:schemeClr val="tx1"/>
-                </a:solidFill>
-                <a:effectLst/>
-                <a:latin typeface="Arial" panose="020B0604020202020204" pitchFamily="34" charset="0"/>
-              </a:rPr>
-              <a:t>. </a:t>
-            </a:r>
-          </a:p>
-          <a:p>
-            <a:pPr marR="0" lvl="0" algn="l" defTabSz="914400" rtl="0" eaLnBrk="0" fontAlgn="base" latinLnBrk="0" hangingPunct="0">
-              <a:lnSpc>
-                <a:spcPct val="100000"/>
-              </a:lnSpc>
-              <a:spcBef>
-                <a:spcPct val="0"/>
-              </a:spcBef>
-              <a:spcAft>
-                <a:spcPct val="0"/>
-              </a:spcAft>
-              <a:buClrTx/>
-              <a:buSzTx/>
-              <a:tabLst/>
-            </a:pPr>
-            <a:endParaRPr kumimoji="0" lang="en-US" altLang="en-US" b="0" i="0" u="none" strike="noStrike" cap="none" normalizeH="0" baseline="0" dirty="0" smtClean="0">
-              <a:ln>
-                <a:noFill/>
-              </a:ln>
-              <a:solidFill>
-                <a:schemeClr val="tx1"/>
-              </a:solidFill>
-              <a:effectLst/>
-              <a:latin typeface="Arial" panose="020B0604020202020204" pitchFamily="34" charset="0"/>
-            </a:endParaRPr>
-          </a:p>
-          <a:p>
-            <a:pPr marL="0" marR="0" lvl="0" indent="0" algn="l" defTabSz="914400" rtl="0" eaLnBrk="0" fontAlgn="base" latinLnBrk="0" hangingPunct="0">
-              <a:lnSpc>
-                <a:spcPct val="100000"/>
-              </a:lnSpc>
-              <a:spcBef>
-                <a:spcPct val="0"/>
-              </a:spcBef>
-              <a:spcAft>
-                <a:spcPct val="0"/>
-              </a:spcAft>
-              <a:buClrTx/>
-              <a:buSzTx/>
-              <a:buFontTx/>
-              <a:buNone/>
-              <a:tabLst/>
-            </a:pPr>
-            <a:r>
-              <a:rPr kumimoji="0" lang="en-US" altLang="en-US" b="0" i="0" u="none" strike="noStrike" cap="none" normalizeH="0" baseline="0" dirty="0" err="1" smtClean="0">
-                <a:ln>
-                  <a:noFill/>
-                </a:ln>
-                <a:solidFill>
-                  <a:schemeClr val="tx1"/>
-                </a:solidFill>
-                <a:effectLst/>
-                <a:latin typeface="Arial" panose="020B0604020202020204" pitchFamily="34" charset="0"/>
-              </a:rPr>
-              <a:t>Ensuite</a:t>
-            </a:r>
-            <a:r>
-              <a:rPr kumimoji="0" lang="en-US" altLang="en-US" b="0" i="0" u="none" strike="noStrike" cap="none" normalizeH="0" baseline="0" dirty="0" smtClean="0">
-                <a:ln>
-                  <a:noFill/>
-                </a:ln>
-                <a:solidFill>
-                  <a:schemeClr val="tx1"/>
-                </a:solidFill>
-                <a:effectLst/>
-                <a:latin typeface="Arial" panose="020B0604020202020204" pitchFamily="34" charset="0"/>
-              </a:rPr>
-              <a:t>, </a:t>
-            </a:r>
-            <a:r>
-              <a:rPr kumimoji="0" lang="en-US" altLang="en-US" b="0" i="0" u="none" strike="noStrike" cap="none" normalizeH="0" baseline="0" dirty="0" err="1" smtClean="0">
-                <a:ln>
-                  <a:noFill/>
-                </a:ln>
-                <a:solidFill>
-                  <a:schemeClr val="tx1"/>
-                </a:solidFill>
-                <a:effectLst/>
-                <a:latin typeface="Arial" panose="020B0604020202020204" pitchFamily="34" charset="0"/>
-              </a:rPr>
-              <a:t>dans</a:t>
-            </a:r>
-            <a:r>
-              <a:rPr kumimoji="0" lang="en-US" altLang="en-US" b="0" i="0" u="none" strike="noStrike" cap="none" normalizeH="0" baseline="0" dirty="0" smtClean="0">
-                <a:ln>
-                  <a:noFill/>
-                </a:ln>
-                <a:solidFill>
-                  <a:schemeClr val="tx1"/>
-                </a:solidFill>
-                <a:effectLst/>
-                <a:latin typeface="Arial" panose="020B0604020202020204" pitchFamily="34" charset="0"/>
-              </a:rPr>
-              <a:t> </a:t>
-            </a:r>
-            <a:r>
-              <a:rPr kumimoji="0" lang="en-US" altLang="en-US" b="1" i="0" u="none" strike="noStrike" cap="none" normalizeH="0" baseline="0" dirty="0" smtClean="0">
-                <a:ln>
-                  <a:noFill/>
-                </a:ln>
-                <a:solidFill>
-                  <a:schemeClr val="tx1"/>
-                </a:solidFill>
-                <a:effectLst/>
-                <a:latin typeface="Arial" panose="020B0604020202020204" pitchFamily="34" charset="0"/>
-              </a:rPr>
-              <a:t>Power Query</a:t>
-            </a:r>
-            <a:r>
-              <a:rPr kumimoji="0" lang="en-US" altLang="en-US" b="0" i="0" u="none" strike="noStrike" cap="none" normalizeH="0" baseline="0" dirty="0" smtClean="0">
-                <a:ln>
-                  <a:noFill/>
-                </a:ln>
-                <a:solidFill>
-                  <a:schemeClr val="tx1"/>
-                </a:solidFill>
-                <a:effectLst/>
-                <a:latin typeface="Arial" panose="020B0604020202020204" pitchFamily="34" charset="0"/>
-              </a:rPr>
-              <a:t> </a:t>
-            </a:r>
-          </a:p>
-          <a:p>
-            <a:pPr marR="0" lvl="0" algn="l" defTabSz="914400" rtl="0" eaLnBrk="0" fontAlgn="base" latinLnBrk="0" hangingPunct="0">
-              <a:lnSpc>
-                <a:spcPct val="100000"/>
-              </a:lnSpc>
-              <a:spcBef>
-                <a:spcPct val="0"/>
-              </a:spcBef>
-              <a:spcAft>
-                <a:spcPct val="0"/>
-              </a:spcAft>
-              <a:buClrTx/>
-              <a:buSzTx/>
-              <a:tabLst/>
-            </a:pPr>
-            <a:r>
-              <a:rPr kumimoji="0" lang="en-US" altLang="en-US" b="0" i="0" u="none" strike="noStrike" cap="none" normalizeH="0" baseline="0" dirty="0" smtClean="0">
-                <a:ln>
-                  <a:noFill/>
-                </a:ln>
-                <a:solidFill>
-                  <a:schemeClr val="tx1"/>
-                </a:solidFill>
-                <a:effectLst/>
-                <a:latin typeface="Arial" panose="020B0604020202020204" pitchFamily="34" charset="0"/>
-              </a:rPr>
-              <a:t/>
-            </a:r>
-            <a:br>
-              <a:rPr kumimoji="0" lang="en-US" altLang="en-US" b="0" i="0" u="none" strike="noStrike" cap="none" normalizeH="0" baseline="0" dirty="0" smtClean="0">
-                <a:ln>
-                  <a:noFill/>
-                </a:ln>
-                <a:solidFill>
-                  <a:schemeClr val="tx1"/>
-                </a:solidFill>
-                <a:effectLst/>
-                <a:latin typeface="Arial" panose="020B0604020202020204" pitchFamily="34" charset="0"/>
-              </a:rPr>
-            </a:br>
-            <a:r>
-              <a:rPr kumimoji="0" lang="en-US" altLang="en-US" i="0" u="none" strike="noStrike" cap="none" normalizeH="0" baseline="0" dirty="0" err="1" smtClean="0">
-                <a:ln>
-                  <a:noFill/>
-                </a:ln>
-                <a:solidFill>
-                  <a:schemeClr val="tx1"/>
-                </a:solidFill>
-                <a:effectLst/>
-                <a:latin typeface="Arial" panose="020B0604020202020204" pitchFamily="34" charset="0"/>
-              </a:rPr>
-              <a:t>Sélectionnez</a:t>
-            </a:r>
-            <a:r>
-              <a:rPr kumimoji="0" lang="en-US" altLang="en-US" i="0" u="none" strike="noStrike" cap="none" normalizeH="0" baseline="0" dirty="0" smtClean="0">
-                <a:ln>
-                  <a:noFill/>
-                </a:ln>
-                <a:solidFill>
-                  <a:schemeClr val="tx1"/>
-                </a:solidFill>
-                <a:effectLst/>
-                <a:latin typeface="Arial" panose="020B0604020202020204" pitchFamily="34" charset="0"/>
-              </a:rPr>
-              <a:t> la </a:t>
-            </a:r>
-            <a:r>
-              <a:rPr kumimoji="0" lang="en-US" altLang="en-US" i="0" u="none" strike="noStrike" cap="none" normalizeH="0" baseline="0" dirty="0" err="1" smtClean="0">
-                <a:ln>
-                  <a:noFill/>
-                </a:ln>
-                <a:solidFill>
-                  <a:schemeClr val="tx1"/>
-                </a:solidFill>
-                <a:effectLst/>
-                <a:latin typeface="Arial" panose="020B0604020202020204" pitchFamily="34" charset="0"/>
-              </a:rPr>
-              <a:t>requête</a:t>
-            </a:r>
-            <a:r>
-              <a:rPr kumimoji="0" lang="en-US" altLang="en-US" i="0" u="none" strike="noStrike" cap="none" normalizeH="0" baseline="0" dirty="0" smtClean="0">
-                <a:ln>
-                  <a:noFill/>
-                </a:ln>
-                <a:solidFill>
-                  <a:schemeClr val="tx1"/>
-                </a:solidFill>
-                <a:effectLst/>
-                <a:latin typeface="Arial" panose="020B0604020202020204" pitchFamily="34" charset="0"/>
-              </a:rPr>
-              <a:t> </a:t>
-            </a:r>
-            <a:r>
-              <a:rPr kumimoji="0" lang="en-US" altLang="en-US" b="1" i="0" u="none" strike="noStrike" cap="none" normalizeH="0" baseline="0" dirty="0" err="1" smtClean="0">
-                <a:ln>
-                  <a:noFill/>
-                </a:ln>
-                <a:solidFill>
-                  <a:schemeClr val="tx1"/>
-                </a:solidFill>
-                <a:effectLst/>
-                <a:latin typeface="Arial" panose="020B0604020202020204" pitchFamily="34" charset="0"/>
-              </a:rPr>
-              <a:t>SalesData</a:t>
-            </a:r>
-            <a:r>
-              <a:rPr kumimoji="0" lang="en-US" altLang="en-US" b="0" i="0" u="none" strike="noStrike" cap="none" normalizeH="0" baseline="0" dirty="0" smtClean="0">
-                <a:ln>
-                  <a:noFill/>
-                </a:ln>
-                <a:solidFill>
-                  <a:schemeClr val="tx1"/>
-                </a:solidFill>
-                <a:effectLst/>
-                <a:latin typeface="Arial" panose="020B0604020202020204" pitchFamily="34" charset="0"/>
+            <a:r>
+              <a:rPr lang="fr-FR" dirty="0">
+                <a:latin typeface="Segoe UI" panose="020B0502040204020203" pitchFamily="34" charset="0"/>
+                <a:cs typeface="Segoe UI" panose="020B0502040204020203" pitchFamily="34" charset="0"/>
+              </a:rPr>
+              <a:t>Clique sur </a:t>
+            </a:r>
+            <a:r>
+              <a:rPr lang="fr-FR" b="1" dirty="0">
+                <a:latin typeface="Segoe UI" panose="020B0502040204020203" pitchFamily="34" charset="0"/>
+                <a:cs typeface="Segoe UI" panose="020B0502040204020203" pitchFamily="34" charset="0"/>
+              </a:rPr>
+              <a:t>OK</a:t>
+            </a:r>
+            <a:r>
+              <a:rPr lang="fr-FR" dirty="0">
+                <a:latin typeface="Segoe UI" panose="020B0502040204020203" pitchFamily="34" charset="0"/>
+                <a:cs typeface="Segoe UI" panose="020B0502040204020203" pitchFamily="34" charset="0"/>
               </a:rPr>
               <a:t>.</a:t>
             </a:r>
-            <a:br>
-              <a:rPr kumimoji="0" lang="en-US" altLang="en-US" b="0" i="0" u="none" strike="noStrike" cap="none" normalizeH="0" baseline="0" dirty="0" smtClean="0">
-                <a:ln>
-                  <a:noFill/>
-                </a:ln>
-                <a:solidFill>
-                  <a:schemeClr val="tx1"/>
-                </a:solidFill>
-                <a:effectLst/>
-                <a:latin typeface="Arial" panose="020B0604020202020204" pitchFamily="34" charset="0"/>
-              </a:rPr>
-            </a:br>
-            <a:r>
-              <a:rPr kumimoji="0" lang="en-US" altLang="en-US" i="0" u="none" strike="noStrike" cap="none" normalizeH="0" baseline="0" dirty="0" err="1" smtClean="0">
-                <a:ln>
-                  <a:noFill/>
-                </a:ln>
-                <a:solidFill>
-                  <a:schemeClr val="tx1"/>
-                </a:solidFill>
-                <a:effectLst/>
-                <a:latin typeface="Arial" panose="020B0604020202020204" pitchFamily="34" charset="0"/>
-              </a:rPr>
-              <a:t>Allez</a:t>
-            </a:r>
-            <a:r>
-              <a:rPr kumimoji="0" lang="en-US" altLang="en-US" i="0" u="none" strike="noStrike" cap="none" normalizeH="0" baseline="0" dirty="0" smtClean="0">
-                <a:ln>
-                  <a:noFill/>
-                </a:ln>
-                <a:solidFill>
-                  <a:schemeClr val="tx1"/>
-                </a:solidFill>
-                <a:effectLst/>
-                <a:latin typeface="Arial" panose="020B0604020202020204" pitchFamily="34" charset="0"/>
-              </a:rPr>
-              <a:t> </a:t>
-            </a:r>
-            <a:r>
-              <a:rPr kumimoji="0" lang="en-US" altLang="en-US" i="0" u="none" strike="noStrike" cap="none" normalizeH="0" baseline="0" dirty="0" err="1" smtClean="0">
-                <a:ln>
-                  <a:noFill/>
-                </a:ln>
-                <a:solidFill>
-                  <a:schemeClr val="tx1"/>
-                </a:solidFill>
-                <a:effectLst/>
-                <a:latin typeface="Arial" panose="020B0604020202020204" pitchFamily="34" charset="0"/>
-              </a:rPr>
-              <a:t>dans</a:t>
-            </a:r>
-            <a:r>
-              <a:rPr kumimoji="0" lang="en-US" altLang="en-US" i="0" u="none" strike="noStrike" cap="none" normalizeH="0" baseline="0" dirty="0" smtClean="0">
-                <a:ln>
-                  <a:noFill/>
-                </a:ln>
-                <a:solidFill>
-                  <a:schemeClr val="tx1"/>
-                </a:solidFill>
-                <a:effectLst/>
-                <a:latin typeface="Arial" panose="020B0604020202020204" pitchFamily="34" charset="0"/>
-              </a:rPr>
-              <a:t> </a:t>
-            </a:r>
-            <a:r>
-              <a:rPr kumimoji="0" lang="en-US" altLang="en-US" b="0" i="0" u="none" strike="noStrike" cap="none" normalizeH="0" baseline="0" dirty="0" err="1" smtClean="0">
-                <a:ln>
-                  <a:noFill/>
-                </a:ln>
-                <a:solidFill>
-                  <a:schemeClr val="tx1"/>
-                </a:solidFill>
-                <a:effectLst/>
-                <a:latin typeface="Arial" panose="020B0604020202020204" pitchFamily="34" charset="0"/>
-              </a:rPr>
-              <a:t>l’onglet</a:t>
-            </a:r>
-            <a:r>
-              <a:rPr kumimoji="0" lang="en-US" altLang="en-US" b="0" i="0" u="none" strike="noStrike" cap="none" normalizeH="0" baseline="0" dirty="0" smtClean="0">
-                <a:ln>
-                  <a:noFill/>
-                </a:ln>
-                <a:solidFill>
-                  <a:schemeClr val="tx1"/>
-                </a:solidFill>
-                <a:effectLst/>
-                <a:latin typeface="Arial" panose="020B0604020202020204" pitchFamily="34" charset="0"/>
-              </a:rPr>
-              <a:t> </a:t>
-            </a:r>
-            <a:r>
-              <a:rPr kumimoji="0" lang="en-US" altLang="en-US" b="1" i="0" u="none" strike="noStrike" cap="none" normalizeH="0" baseline="0" dirty="0" err="1" smtClean="0">
-                <a:ln>
-                  <a:noFill/>
-                </a:ln>
-                <a:solidFill>
-                  <a:schemeClr val="tx1"/>
-                </a:solidFill>
-                <a:effectLst/>
-                <a:latin typeface="Arial" panose="020B0604020202020204" pitchFamily="34" charset="0"/>
-              </a:rPr>
-              <a:t>Ajouter</a:t>
-            </a:r>
-            <a:r>
-              <a:rPr kumimoji="0" lang="en-US" altLang="en-US" b="1" i="0" u="none" strike="noStrike" cap="none" normalizeH="0" baseline="0" dirty="0" smtClean="0">
-                <a:ln>
-                  <a:noFill/>
-                </a:ln>
-                <a:solidFill>
-                  <a:schemeClr val="tx1"/>
-                </a:solidFill>
-                <a:effectLst/>
-                <a:latin typeface="Arial" panose="020B0604020202020204" pitchFamily="34" charset="0"/>
-              </a:rPr>
-              <a:t> </a:t>
-            </a:r>
-            <a:r>
-              <a:rPr kumimoji="0" lang="en-US" altLang="en-US" b="1" i="0" u="none" strike="noStrike" cap="none" normalizeH="0" baseline="0" dirty="0" err="1" smtClean="0">
-                <a:ln>
-                  <a:noFill/>
-                </a:ln>
-                <a:solidFill>
-                  <a:schemeClr val="tx1"/>
-                </a:solidFill>
-                <a:effectLst/>
-                <a:latin typeface="Arial" panose="020B0604020202020204" pitchFamily="34" charset="0"/>
-              </a:rPr>
-              <a:t>une</a:t>
-            </a:r>
-            <a:r>
-              <a:rPr kumimoji="0" lang="en-US" altLang="en-US" b="1" i="0" u="none" strike="noStrike" cap="none" normalizeH="0" baseline="0" dirty="0" smtClean="0">
-                <a:ln>
-                  <a:noFill/>
-                </a:ln>
-                <a:solidFill>
-                  <a:schemeClr val="tx1"/>
-                </a:solidFill>
-                <a:effectLst/>
-                <a:latin typeface="Arial" panose="020B0604020202020204" pitchFamily="34" charset="0"/>
-              </a:rPr>
-              <a:t> </a:t>
-            </a:r>
-            <a:r>
-              <a:rPr kumimoji="0" lang="en-US" altLang="en-US" b="1" i="0" u="none" strike="noStrike" cap="none" normalizeH="0" baseline="0" dirty="0" err="1" smtClean="0">
-                <a:ln>
-                  <a:noFill/>
-                </a:ln>
-                <a:solidFill>
-                  <a:schemeClr val="tx1"/>
-                </a:solidFill>
-                <a:effectLst/>
-                <a:latin typeface="Arial" panose="020B0604020202020204" pitchFamily="34" charset="0"/>
-              </a:rPr>
-              <a:t>colonne</a:t>
-            </a:r>
-            <a:r>
-              <a:rPr kumimoji="0" lang="en-US" altLang="en-US" b="1" i="0" u="none" strike="noStrike" cap="none" normalizeH="0" baseline="0" dirty="0" smtClean="0">
-                <a:ln>
-                  <a:noFill/>
-                </a:ln>
-                <a:solidFill>
-                  <a:schemeClr val="tx1"/>
-                </a:solidFill>
-                <a:effectLst/>
-                <a:latin typeface="Arial" panose="020B0604020202020204" pitchFamily="34" charset="0"/>
-              </a:rPr>
-              <a:t> &gt; </a:t>
-            </a:r>
-            <a:r>
-              <a:rPr kumimoji="0" lang="en-US" altLang="en-US" b="1" i="0" u="none" strike="noStrike" cap="none" normalizeH="0" baseline="0" dirty="0" err="1" smtClean="0">
-                <a:ln>
-                  <a:noFill/>
-                </a:ln>
-                <a:solidFill>
-                  <a:schemeClr val="tx1"/>
-                </a:solidFill>
-                <a:effectLst/>
-                <a:latin typeface="Arial" panose="020B0604020202020204" pitchFamily="34" charset="0"/>
-              </a:rPr>
-              <a:t>Invoquer</a:t>
-            </a:r>
-            <a:r>
-              <a:rPr kumimoji="0" lang="en-US" altLang="en-US" b="1" i="0" u="none" strike="noStrike" cap="none" normalizeH="0" baseline="0" dirty="0" smtClean="0">
-                <a:ln>
-                  <a:noFill/>
-                </a:ln>
-                <a:solidFill>
-                  <a:schemeClr val="tx1"/>
-                </a:solidFill>
-                <a:effectLst/>
-                <a:latin typeface="Arial" panose="020B0604020202020204" pitchFamily="34" charset="0"/>
-              </a:rPr>
-              <a:t> </a:t>
-            </a:r>
-            <a:r>
-              <a:rPr kumimoji="0" lang="en-US" altLang="en-US" b="1" i="0" u="none" strike="noStrike" cap="none" normalizeH="0" baseline="0" dirty="0" err="1" smtClean="0">
-                <a:ln>
-                  <a:noFill/>
-                </a:ln>
-                <a:solidFill>
-                  <a:schemeClr val="tx1"/>
-                </a:solidFill>
-                <a:effectLst/>
-                <a:latin typeface="Arial" panose="020B0604020202020204" pitchFamily="34" charset="0"/>
-              </a:rPr>
-              <a:t>une</a:t>
-            </a:r>
-            <a:r>
-              <a:rPr kumimoji="0" lang="en-US" altLang="en-US" b="1" i="0" u="none" strike="noStrike" cap="none" normalizeH="0" baseline="0" dirty="0" smtClean="0">
-                <a:ln>
-                  <a:noFill/>
-                </a:ln>
-                <a:solidFill>
-                  <a:schemeClr val="tx1"/>
-                </a:solidFill>
-                <a:effectLst/>
-                <a:latin typeface="Arial" panose="020B0604020202020204" pitchFamily="34" charset="0"/>
-              </a:rPr>
-              <a:t> </a:t>
-            </a:r>
-            <a:r>
-              <a:rPr kumimoji="0" lang="en-US" altLang="en-US" b="1" i="0" u="none" strike="noStrike" cap="none" normalizeH="0" baseline="0" dirty="0" err="1" smtClean="0">
-                <a:ln>
-                  <a:noFill/>
-                </a:ln>
-                <a:solidFill>
-                  <a:schemeClr val="tx1"/>
-                </a:solidFill>
-                <a:effectLst/>
-                <a:latin typeface="Arial" panose="020B0604020202020204" pitchFamily="34" charset="0"/>
-              </a:rPr>
-              <a:t>fonction</a:t>
-            </a:r>
-            <a:r>
-              <a:rPr kumimoji="0" lang="en-US" altLang="en-US" b="1" i="0" u="none" strike="noStrike" cap="none" normalizeH="0" baseline="0" dirty="0" smtClean="0">
-                <a:ln>
-                  <a:noFill/>
-                </a:ln>
-                <a:solidFill>
-                  <a:schemeClr val="tx1"/>
-                </a:solidFill>
-                <a:effectLst/>
-                <a:latin typeface="Arial" panose="020B0604020202020204" pitchFamily="34" charset="0"/>
-              </a:rPr>
-              <a:t> </a:t>
-            </a:r>
-            <a:r>
-              <a:rPr kumimoji="0" lang="en-US" altLang="en-US" b="1" i="0" u="none" strike="noStrike" cap="none" normalizeH="0" baseline="0" dirty="0" err="1" smtClean="0">
-                <a:ln>
-                  <a:noFill/>
-                </a:ln>
-                <a:solidFill>
-                  <a:schemeClr val="tx1"/>
-                </a:solidFill>
-                <a:effectLst/>
-                <a:latin typeface="Arial" panose="020B0604020202020204" pitchFamily="34" charset="0"/>
-              </a:rPr>
-              <a:t>personnalisée</a:t>
-            </a:r>
-            <a:r>
-              <a:rPr kumimoji="0" lang="en-US" altLang="en-US" b="0" i="0" u="none" strike="noStrike" cap="none" normalizeH="0" baseline="0" dirty="0" smtClean="0">
-                <a:ln>
-                  <a:noFill/>
-                </a:ln>
-                <a:solidFill>
-                  <a:schemeClr val="tx1"/>
-                </a:solidFill>
-                <a:effectLst/>
-                <a:latin typeface="Arial" panose="020B0604020202020204" pitchFamily="34" charset="0"/>
+          </a:p>
+          <a:p>
+            <a:r>
+              <a:rPr lang="fr-FR" dirty="0">
+                <a:latin typeface="Segoe UI" panose="020B0502040204020203" pitchFamily="34" charset="0"/>
+                <a:cs typeface="Segoe UI" panose="020B0502040204020203" pitchFamily="34" charset="0"/>
+              </a:rPr>
+              <a:t>Cette fonction prend une valeur </a:t>
+            </a:r>
+            <a:r>
+              <a:rPr lang="fr-FR" b="1" dirty="0">
+                <a:latin typeface="Segoe UI" panose="020B0502040204020203" pitchFamily="34" charset="0"/>
+                <a:cs typeface="Segoe UI" panose="020B0502040204020203" pitchFamily="34" charset="0"/>
+              </a:rPr>
+              <a:t>Total Sales</a:t>
+            </a:r>
+            <a:r>
+              <a:rPr lang="fr-FR" dirty="0">
+                <a:latin typeface="Segoe UI" panose="020B0502040204020203" pitchFamily="34" charset="0"/>
+                <a:cs typeface="Segoe UI" panose="020B0502040204020203" pitchFamily="34" charset="0"/>
+              </a:rPr>
+              <a:t> et applique une taxe de </a:t>
+            </a:r>
+            <a:r>
+              <a:rPr lang="fr-FR" b="1" dirty="0">
+                <a:latin typeface="Segoe UI" panose="020B0502040204020203" pitchFamily="34" charset="0"/>
+                <a:cs typeface="Segoe UI" panose="020B0502040204020203" pitchFamily="34" charset="0"/>
+              </a:rPr>
+              <a:t>15%</a:t>
+            </a:r>
+            <a:r>
+              <a:rPr lang="fr-FR" dirty="0">
+                <a:latin typeface="Segoe UI" panose="020B0502040204020203" pitchFamily="34" charset="0"/>
+                <a:cs typeface="Segoe UI" panose="020B0502040204020203" pitchFamily="34" charset="0"/>
               </a:rPr>
               <a:t>.</a:t>
             </a:r>
-          </a:p>
-          <a:p>
-            <a:pPr marR="0" lvl="0" algn="l" defTabSz="914400" rtl="0" eaLnBrk="0" fontAlgn="base" latinLnBrk="0" hangingPunct="0">
-              <a:lnSpc>
-                <a:spcPct val="100000"/>
-              </a:lnSpc>
-              <a:spcBef>
-                <a:spcPct val="0"/>
-              </a:spcBef>
-              <a:spcAft>
-                <a:spcPct val="0"/>
-              </a:spcAft>
-              <a:buClrTx/>
-              <a:buSzTx/>
-              <a:tabLst/>
-            </a:pPr>
-            <a:endParaRPr lang="en-US" altLang="en-US" dirty="0">
-              <a:latin typeface="Arial" panose="020B0604020202020204" pitchFamily="34" charset="0"/>
-            </a:endParaRPr>
-          </a:p>
-          <a:p>
-            <a:pPr marL="0" marR="0" lvl="0" indent="0" algn="l" defTabSz="914400" rtl="0" eaLnBrk="0" fontAlgn="base" latinLnBrk="0" hangingPunct="0">
-              <a:lnSpc>
-                <a:spcPct val="100000"/>
-              </a:lnSpc>
-              <a:spcBef>
-                <a:spcPct val="0"/>
-              </a:spcBef>
-              <a:spcAft>
-                <a:spcPct val="0"/>
-              </a:spcAft>
-              <a:buClrTx/>
-              <a:buSzTx/>
-              <a:buFontTx/>
-              <a:buNone/>
-              <a:tabLst/>
-            </a:pPr>
-            <a:r>
-              <a:rPr kumimoji="0" lang="en-US" altLang="en-US" b="0" i="0" u="none" strike="noStrike" cap="none" normalizeH="0" baseline="0" dirty="0" smtClean="0">
-                <a:ln>
-                  <a:noFill/>
-                </a:ln>
-                <a:solidFill>
-                  <a:schemeClr val="tx1"/>
-                </a:solidFill>
-                <a:effectLst/>
-                <a:latin typeface="Arial" panose="020B0604020202020204" pitchFamily="34" charset="0"/>
-              </a:rPr>
-              <a:t/>
-            </a:r>
-            <a:br>
-              <a:rPr kumimoji="0" lang="en-US" altLang="en-US" b="0" i="0" u="none" strike="noStrike" cap="none" normalizeH="0" baseline="0" dirty="0" smtClean="0">
-                <a:ln>
-                  <a:noFill/>
-                </a:ln>
-                <a:solidFill>
-                  <a:schemeClr val="tx1"/>
-                </a:solidFill>
-                <a:effectLst/>
-                <a:latin typeface="Arial" panose="020B0604020202020204" pitchFamily="34" charset="0"/>
-              </a:rPr>
-            </a:br>
-            <a:r>
-              <a:rPr kumimoji="0" lang="en-US" altLang="en-US" b="1" i="0" u="none" strike="noStrike" cap="none" normalizeH="0" baseline="0" dirty="0" err="1" smtClean="0">
-                <a:ln>
-                  <a:noFill/>
-                </a:ln>
-                <a:solidFill>
-                  <a:schemeClr val="tx1"/>
-                </a:solidFill>
-                <a:effectLst/>
-                <a:latin typeface="Arial" panose="020B0604020202020204" pitchFamily="34" charset="0"/>
-              </a:rPr>
-              <a:t>Configurez</a:t>
-            </a:r>
-            <a:r>
-              <a:rPr kumimoji="0" lang="en-US" altLang="en-US" b="1" i="0" u="none" strike="noStrike" cap="none" normalizeH="0" baseline="0" dirty="0" smtClean="0">
-                <a:ln>
-                  <a:noFill/>
-                </a:ln>
-                <a:solidFill>
-                  <a:schemeClr val="tx1"/>
-                </a:solidFill>
-                <a:effectLst/>
-                <a:latin typeface="Arial" panose="020B0604020202020204" pitchFamily="34" charset="0"/>
-              </a:rPr>
-              <a:t> la </a:t>
-            </a:r>
-            <a:r>
-              <a:rPr kumimoji="0" lang="en-US" altLang="en-US" b="1" i="0" u="none" strike="noStrike" cap="none" normalizeH="0" baseline="0" dirty="0" err="1" smtClean="0">
-                <a:ln>
-                  <a:noFill/>
-                </a:ln>
-                <a:solidFill>
-                  <a:schemeClr val="tx1"/>
-                </a:solidFill>
-                <a:effectLst/>
-                <a:latin typeface="Arial" panose="020B0604020202020204" pitchFamily="34" charset="0"/>
-              </a:rPr>
-              <a:t>fonction</a:t>
-            </a:r>
-            <a:r>
-              <a:rPr kumimoji="0" lang="en-US" altLang="en-US" b="0" i="0" u="none" strike="noStrike" cap="none" normalizeH="0" baseline="0" dirty="0" smtClean="0">
-                <a:ln>
-                  <a:noFill/>
-                </a:ln>
-                <a:solidFill>
-                  <a:schemeClr val="tx1"/>
-                </a:solidFill>
-                <a:effectLst/>
-                <a:latin typeface="Arial" panose="020B0604020202020204" pitchFamily="34" charset="0"/>
-              </a:rPr>
-              <a:t> :</a:t>
-            </a:r>
-          </a:p>
-          <a:p>
-            <a:pPr lvl="1" eaLnBrk="0" fontAlgn="base" hangingPunct="0">
-              <a:spcBef>
-                <a:spcPct val="0"/>
-              </a:spcBef>
-              <a:spcAft>
-                <a:spcPct val="0"/>
-              </a:spcAft>
-            </a:pPr>
-            <a:r>
-              <a:rPr kumimoji="0" lang="en-US" altLang="en-US" b="1" i="0" u="none" strike="noStrike" cap="none" normalizeH="0" baseline="0" dirty="0" smtClean="0">
-                <a:ln>
-                  <a:noFill/>
-                </a:ln>
-                <a:solidFill>
-                  <a:schemeClr val="tx1"/>
-                </a:solidFill>
-                <a:effectLst/>
-                <a:latin typeface="Arial" panose="020B0604020202020204" pitchFamily="34" charset="0"/>
-              </a:rPr>
-              <a:t>Nom de la nouvelle </a:t>
-            </a:r>
-            <a:r>
-              <a:rPr kumimoji="0" lang="en-US" altLang="en-US" b="1" i="0" u="none" strike="noStrike" cap="none" normalizeH="0" baseline="0" dirty="0" err="1" smtClean="0">
-                <a:ln>
-                  <a:noFill/>
-                </a:ln>
-                <a:solidFill>
-                  <a:schemeClr val="tx1"/>
-                </a:solidFill>
-                <a:effectLst/>
-                <a:latin typeface="Arial" panose="020B0604020202020204" pitchFamily="34" charset="0"/>
-              </a:rPr>
-              <a:t>colonne</a:t>
-            </a:r>
-            <a:r>
-              <a:rPr kumimoji="0" lang="en-US" altLang="en-US" b="0" i="0" u="none" strike="noStrike" cap="none" normalizeH="0" baseline="0" dirty="0" smtClean="0">
-                <a:ln>
-                  <a:noFill/>
-                </a:ln>
-                <a:solidFill>
-                  <a:schemeClr val="tx1"/>
-                </a:solidFill>
-                <a:effectLst/>
-                <a:latin typeface="Arial" panose="020B0604020202020204" pitchFamily="34" charset="0"/>
-              </a:rPr>
-              <a:t> : </a:t>
-            </a:r>
-            <a:r>
-              <a:rPr kumimoji="0" lang="en-US" altLang="en-US" b="1" i="0" u="none" strike="noStrike" cap="none" normalizeH="0" baseline="0" dirty="0" err="1" smtClean="0">
-                <a:ln>
-                  <a:noFill/>
-                </a:ln>
-                <a:solidFill>
-                  <a:schemeClr val="tx1"/>
-                </a:solidFill>
-                <a:effectLst/>
-                <a:latin typeface="Arial" panose="020B0604020202020204" pitchFamily="34" charset="0"/>
-              </a:rPr>
-              <a:t>TaxAmount</a:t>
-            </a:r>
-            <a:r>
-              <a:rPr kumimoji="0" lang="en-US" altLang="en-US" b="0" i="0" u="none" strike="noStrike" cap="none" normalizeH="0" baseline="0" dirty="0" smtClean="0">
-                <a:ln>
-                  <a:noFill/>
-                </a:ln>
-                <a:solidFill>
-                  <a:schemeClr val="tx1"/>
-                </a:solidFill>
-                <a:effectLst/>
-                <a:latin typeface="Arial" panose="020B0604020202020204" pitchFamily="34" charset="0"/>
-              </a:rPr>
-              <a:t>. </a:t>
-            </a:r>
-          </a:p>
-          <a:p>
-            <a:pPr lvl="1" eaLnBrk="0" fontAlgn="base" hangingPunct="0">
-              <a:spcBef>
-                <a:spcPct val="0"/>
-              </a:spcBef>
-              <a:spcAft>
-                <a:spcPct val="0"/>
-              </a:spcAft>
-            </a:pPr>
-            <a:r>
-              <a:rPr kumimoji="0" lang="en-US" altLang="en-US" b="1" i="0" u="none" strike="noStrike" cap="none" normalizeH="0" baseline="0" dirty="0" err="1" smtClean="0">
-                <a:ln>
-                  <a:noFill/>
-                </a:ln>
-                <a:solidFill>
-                  <a:schemeClr val="tx1"/>
-                </a:solidFill>
-                <a:effectLst/>
-                <a:latin typeface="Arial" panose="020B0604020202020204" pitchFamily="34" charset="0"/>
-              </a:rPr>
-              <a:t>Requête</a:t>
-            </a:r>
-            <a:r>
-              <a:rPr kumimoji="0" lang="en-US" altLang="en-US" b="1" i="0" u="none" strike="noStrike" cap="none" normalizeH="0" baseline="0" dirty="0" smtClean="0">
-                <a:ln>
-                  <a:noFill/>
-                </a:ln>
-                <a:solidFill>
-                  <a:schemeClr val="tx1"/>
-                </a:solidFill>
-                <a:effectLst/>
-                <a:latin typeface="Arial" panose="020B0604020202020204" pitchFamily="34" charset="0"/>
-              </a:rPr>
-              <a:t> de </a:t>
-            </a:r>
-            <a:r>
-              <a:rPr kumimoji="0" lang="en-US" altLang="en-US" b="1" i="0" u="none" strike="noStrike" cap="none" normalizeH="0" baseline="0" dirty="0" err="1" smtClean="0">
-                <a:ln>
-                  <a:noFill/>
-                </a:ln>
-                <a:solidFill>
-                  <a:schemeClr val="tx1"/>
-                </a:solidFill>
-                <a:effectLst/>
-                <a:latin typeface="Arial" panose="020B0604020202020204" pitchFamily="34" charset="0"/>
-              </a:rPr>
-              <a:t>fonction</a:t>
-            </a:r>
-            <a:r>
-              <a:rPr kumimoji="0" lang="en-US" altLang="en-US" b="0" i="0" u="none" strike="noStrike" cap="none" normalizeH="0" baseline="0" dirty="0" smtClean="0">
-                <a:ln>
-                  <a:noFill/>
-                </a:ln>
-                <a:solidFill>
-                  <a:schemeClr val="tx1"/>
-                </a:solidFill>
-                <a:effectLst/>
-                <a:latin typeface="Arial" panose="020B0604020202020204" pitchFamily="34" charset="0"/>
-              </a:rPr>
-              <a:t> : </a:t>
-            </a:r>
-            <a:r>
-              <a:rPr kumimoji="0" lang="en-US" altLang="en-US" b="1" i="0" u="none" strike="noStrike" cap="none" normalizeH="0" baseline="0" dirty="0" err="1" smtClean="0">
-                <a:ln>
-                  <a:noFill/>
-                </a:ln>
-                <a:solidFill>
-                  <a:schemeClr val="tx1"/>
-                </a:solidFill>
-                <a:effectLst/>
-                <a:latin typeface="Arial" panose="020B0604020202020204" pitchFamily="34" charset="0"/>
-              </a:rPr>
-              <a:t>CalculateTax</a:t>
-            </a:r>
-            <a:r>
-              <a:rPr kumimoji="0" lang="en-US" altLang="en-US" b="0" i="0" u="none" strike="noStrike" cap="none" normalizeH="0" baseline="0" dirty="0" smtClean="0">
-                <a:ln>
-                  <a:noFill/>
-                </a:ln>
-                <a:solidFill>
-                  <a:schemeClr val="tx1"/>
-                </a:solidFill>
-                <a:effectLst/>
-                <a:latin typeface="Arial" panose="020B0604020202020204" pitchFamily="34" charset="0"/>
-              </a:rPr>
-              <a:t>. </a:t>
-            </a:r>
-          </a:p>
-          <a:p>
-            <a:pPr lvl="1" eaLnBrk="0" fontAlgn="base" hangingPunct="0">
-              <a:spcBef>
-                <a:spcPct val="0"/>
-              </a:spcBef>
-              <a:spcAft>
-                <a:spcPct val="0"/>
-              </a:spcAft>
-            </a:pPr>
-            <a:r>
-              <a:rPr kumimoji="0" lang="en-US" altLang="en-US" b="1" i="0" u="none" strike="noStrike" cap="none" normalizeH="0" baseline="0" dirty="0" smtClean="0">
-                <a:ln>
-                  <a:noFill/>
-                </a:ln>
-                <a:solidFill>
-                  <a:schemeClr val="tx1"/>
-                </a:solidFill>
-                <a:effectLst/>
-                <a:latin typeface="Arial" panose="020B0604020202020204" pitchFamily="34" charset="0"/>
-              </a:rPr>
-              <a:t>Entrée de </a:t>
-            </a:r>
-            <a:r>
-              <a:rPr kumimoji="0" lang="en-US" altLang="en-US" b="1" i="0" u="none" strike="noStrike" cap="none" normalizeH="0" baseline="0" dirty="0" err="1" smtClean="0">
-                <a:ln>
-                  <a:noFill/>
-                </a:ln>
-                <a:solidFill>
-                  <a:schemeClr val="tx1"/>
-                </a:solidFill>
-                <a:effectLst/>
-                <a:latin typeface="Arial" panose="020B0604020202020204" pitchFamily="34" charset="0"/>
-              </a:rPr>
-              <a:t>colonne</a:t>
-            </a:r>
-            <a:r>
-              <a:rPr kumimoji="0" lang="en-US" altLang="en-US" b="0" i="0" u="none" strike="noStrike" cap="none" normalizeH="0" baseline="0" dirty="0" smtClean="0">
-                <a:ln>
-                  <a:noFill/>
-                </a:ln>
-                <a:solidFill>
-                  <a:schemeClr val="tx1"/>
-                </a:solidFill>
-                <a:effectLst/>
-                <a:latin typeface="Arial" panose="020B0604020202020204" pitchFamily="34" charset="0"/>
-              </a:rPr>
-              <a:t> : </a:t>
-            </a:r>
-            <a:r>
-              <a:rPr kumimoji="0" lang="en-US" altLang="en-US" b="0" i="0" u="none" strike="noStrike" cap="none" normalizeH="0" baseline="0" dirty="0" err="1" smtClean="0">
-                <a:ln>
-                  <a:noFill/>
-                </a:ln>
-                <a:solidFill>
-                  <a:schemeClr val="tx1"/>
-                </a:solidFill>
-                <a:effectLst/>
-                <a:latin typeface="Arial" panose="020B0604020202020204" pitchFamily="34" charset="0"/>
-              </a:rPr>
-              <a:t>Associez</a:t>
-            </a:r>
-            <a:r>
-              <a:rPr kumimoji="0" lang="en-US" altLang="en-US" b="0" i="0" u="none" strike="noStrike" cap="none" normalizeH="0" baseline="0" dirty="0" smtClean="0">
-                <a:ln>
-                  <a:noFill/>
-                </a:ln>
-                <a:solidFill>
-                  <a:schemeClr val="tx1"/>
-                </a:solidFill>
-                <a:effectLst/>
-                <a:latin typeface="Arial" panose="020B0604020202020204" pitchFamily="34" charset="0"/>
-              </a:rPr>
-              <a:t> </a:t>
-            </a:r>
-            <a:r>
-              <a:rPr kumimoji="0" lang="en-US" altLang="en-US" b="1" i="0" u="none" strike="noStrike" cap="none" normalizeH="0" baseline="0" dirty="0" err="1" smtClean="0">
-                <a:ln>
-                  <a:noFill/>
-                </a:ln>
-                <a:solidFill>
-                  <a:schemeClr val="tx1"/>
-                </a:solidFill>
-                <a:effectLst/>
-                <a:latin typeface="Arial" panose="020B0604020202020204" pitchFamily="34" charset="0"/>
-              </a:rPr>
-              <a:t>TotalSales</a:t>
-            </a:r>
-            <a:r>
-              <a:rPr kumimoji="0" lang="en-US" altLang="en-US" b="0" i="0" u="none" strike="noStrike" cap="none" normalizeH="0" baseline="0" dirty="0" smtClean="0">
-                <a:ln>
-                  <a:noFill/>
-                </a:ln>
-                <a:solidFill>
-                  <a:schemeClr val="tx1"/>
-                </a:solidFill>
-                <a:effectLst/>
-                <a:latin typeface="Arial" panose="020B0604020202020204" pitchFamily="34" charset="0"/>
-              </a:rPr>
-              <a:t> au </a:t>
-            </a:r>
-            <a:r>
-              <a:rPr kumimoji="0" lang="en-US" altLang="en-US" b="0" i="0" u="none" strike="noStrike" cap="none" normalizeH="0" baseline="0" dirty="0" err="1" smtClean="0">
-                <a:ln>
-                  <a:noFill/>
-                </a:ln>
-                <a:solidFill>
-                  <a:schemeClr val="tx1"/>
-                </a:solidFill>
-                <a:effectLst/>
-                <a:latin typeface="Arial" panose="020B0604020202020204" pitchFamily="34" charset="0"/>
-              </a:rPr>
-              <a:t>paramètre</a:t>
-            </a:r>
-            <a:r>
-              <a:rPr kumimoji="0" lang="en-US" altLang="en-US" b="0" i="0" u="none" strike="noStrike" cap="none" normalizeH="0" baseline="0" dirty="0" smtClean="0">
-                <a:ln>
-                  <a:noFill/>
-                </a:ln>
-                <a:solidFill>
-                  <a:schemeClr val="tx1"/>
-                </a:solidFill>
-                <a:effectLst/>
-                <a:latin typeface="Arial" panose="020B0604020202020204" pitchFamily="34" charset="0"/>
-              </a:rPr>
-              <a:t> </a:t>
-            </a:r>
-            <a:r>
-              <a:rPr kumimoji="0" lang="en-US" altLang="en-US" b="1" i="0" u="none" strike="noStrike" cap="none" normalizeH="0" baseline="0" dirty="0" smtClean="0">
-                <a:ln>
-                  <a:noFill/>
-                </a:ln>
-                <a:solidFill>
-                  <a:schemeClr val="tx1"/>
-                </a:solidFill>
-                <a:effectLst/>
-                <a:latin typeface="Arial" panose="020B0604020202020204" pitchFamily="34" charset="0"/>
-              </a:rPr>
-              <a:t>Total</a:t>
-            </a:r>
-            <a:r>
-              <a:rPr kumimoji="0" lang="en-US" altLang="en-US" b="0" i="0" u="none" strike="noStrike" cap="none" normalizeH="0" baseline="0" dirty="0" smtClean="0">
-                <a:ln>
-                  <a:noFill/>
-                </a:ln>
-                <a:solidFill>
-                  <a:schemeClr val="tx1"/>
-                </a:solidFill>
-                <a:effectLst/>
-                <a:latin typeface="Arial" panose="020B0604020202020204" pitchFamily="34" charset="0"/>
-              </a:rPr>
-              <a:t>. </a:t>
-            </a:r>
-          </a:p>
-          <a:p>
-            <a:pPr marL="0" marR="0" lvl="0" indent="0" algn="l" defTabSz="914400" rtl="0" eaLnBrk="0" fontAlgn="base" latinLnBrk="0" hangingPunct="0">
-              <a:lnSpc>
-                <a:spcPct val="100000"/>
-              </a:lnSpc>
-              <a:spcBef>
-                <a:spcPct val="0"/>
-              </a:spcBef>
-              <a:spcAft>
-                <a:spcPct val="0"/>
-              </a:spcAft>
-              <a:buClrTx/>
-              <a:buSzTx/>
-              <a:tabLst/>
-            </a:pPr>
-            <a:endParaRPr kumimoji="0" lang="en-US" altLang="en-US" b="1" i="0" u="none" strike="noStrike" cap="none" normalizeH="0" baseline="0" dirty="0" smtClean="0">
-              <a:ln>
-                <a:noFill/>
-              </a:ln>
-              <a:solidFill>
-                <a:schemeClr val="tx1"/>
-              </a:solidFill>
-              <a:effectLst/>
-              <a:latin typeface="Arial" panose="020B0604020202020204" pitchFamily="34" charset="0"/>
-            </a:endParaRPr>
-          </a:p>
-          <a:p>
-            <a:pPr marL="0" marR="0" lvl="0" indent="0" algn="l" defTabSz="914400" rtl="0" eaLnBrk="0" fontAlgn="base" latinLnBrk="0" hangingPunct="0">
-              <a:lnSpc>
-                <a:spcPct val="100000"/>
-              </a:lnSpc>
-              <a:spcBef>
-                <a:spcPct val="0"/>
-              </a:spcBef>
-              <a:spcAft>
-                <a:spcPct val="0"/>
-              </a:spcAft>
-              <a:buClrTx/>
-              <a:buSzTx/>
-              <a:tabLst/>
-            </a:pPr>
-            <a:r>
-              <a:rPr kumimoji="0" lang="en-US" altLang="en-US" b="1" i="0" u="none" strike="noStrike" cap="none" normalizeH="0" baseline="0" dirty="0" err="1" smtClean="0">
-                <a:ln>
-                  <a:noFill/>
-                </a:ln>
-                <a:solidFill>
-                  <a:schemeClr val="tx1"/>
-                </a:solidFill>
-                <a:effectLst/>
-                <a:latin typeface="Arial" panose="020B0604020202020204" pitchFamily="34" charset="0"/>
-              </a:rPr>
-              <a:t>Cliquez</a:t>
-            </a:r>
-            <a:r>
-              <a:rPr kumimoji="0" lang="en-US" altLang="en-US" b="1" i="0" u="none" strike="noStrike" cap="none" normalizeH="0" baseline="0" dirty="0" smtClean="0">
-                <a:ln>
-                  <a:noFill/>
-                </a:ln>
-                <a:solidFill>
-                  <a:schemeClr val="tx1"/>
-                </a:solidFill>
-                <a:effectLst/>
-                <a:latin typeface="Arial" panose="020B0604020202020204" pitchFamily="34" charset="0"/>
-              </a:rPr>
-              <a:t> sur OK</a:t>
-            </a:r>
-            <a:r>
-              <a:rPr kumimoji="0" lang="en-US" altLang="en-US" b="0" i="0" u="none" strike="noStrike" cap="none" normalizeH="0" baseline="0" dirty="0" smtClean="0">
-                <a:ln>
-                  <a:noFill/>
-                </a:ln>
-                <a:solidFill>
-                  <a:schemeClr val="tx1"/>
-                </a:solidFill>
-                <a:effectLst/>
-                <a:latin typeface="Arial" panose="020B0604020202020204" pitchFamily="34" charset="0"/>
-              </a:rPr>
-              <a:t>. </a:t>
-            </a:r>
-          </a:p>
-          <a:p>
-            <a:pPr marL="0" marR="0" lvl="0" indent="0" algn="l" defTabSz="914400" rtl="0" eaLnBrk="0" fontAlgn="base" latinLnBrk="0" hangingPunct="0">
-              <a:lnSpc>
-                <a:spcPct val="100000"/>
-              </a:lnSpc>
-              <a:spcBef>
-                <a:spcPct val="0"/>
-              </a:spcBef>
-              <a:spcAft>
-                <a:spcPct val="0"/>
-              </a:spcAft>
-              <a:buClrTx/>
-              <a:buSzTx/>
-              <a:buFontTx/>
-              <a:buNone/>
-              <a:tabLst/>
-            </a:pPr>
-            <a:endParaRPr kumimoji="0" lang="en-US" altLang="en-US" b="0" i="0" u="none" strike="noStrike" cap="none" normalizeH="0" baseline="0" dirty="0" smtClean="0">
-              <a:ln>
-                <a:noFill/>
-              </a:ln>
-              <a:solidFill>
-                <a:schemeClr val="tx1"/>
-              </a:solidFill>
-              <a:effectLst/>
-              <a:latin typeface="Arial" panose="020B0604020202020204" pitchFamily="34" charset="0"/>
-            </a:endParaRPr>
           </a:p>
         </p:txBody>
       </p:sp>
     </p:spTree>
     <p:extLst>
       <p:ext uri="{BB962C8B-B14F-4D97-AF65-F5344CB8AC3E}">
-        <p14:creationId xmlns:p14="http://schemas.microsoft.com/office/powerpoint/2010/main" val="2791885743"/>
+        <p14:creationId xmlns:p14="http://schemas.microsoft.com/office/powerpoint/2010/main" val="382889805"/>
       </p:ext>
     </p:extLst>
   </p:cSld>
@@ -6004,13 +5138,13 @@
               <a:t>Invoker les </a:t>
             </a:r>
             <a:r>
-              <a:rPr lang="en-US" sz="2800" dirty="0" err="1" smtClean="0">
+              <a:rPr lang="fr-FR" sz="2800" dirty="0" smtClean="0">
                 <a:latin typeface="Segoe UI" panose="020B0502040204020203" pitchFamily="34" charset="0"/>
                 <a:cs typeface="Segoe UI" panose="020B0502040204020203" pitchFamily="34" charset="0"/>
               </a:rPr>
               <a:t>fonctions</a:t>
             </a:r>
-            <a:endParaRPr lang="en-US" sz="2800" dirty="0">
+            <a:endParaRPr lang="fr-FR" sz="2800" dirty="0">
               <a:latin typeface="Segoe UI" panose="020B0502040204020203" pitchFamily="34" charset="0"/>
               <a:cs typeface="Segoe UI" panose="020B0502040204020203" pitchFamily="34" charset="0"/>
             </a:endParaRPr>
@@ -6019,7 +5153,7 @@
       </p:sp>
       <p:sp>
         <p:nvSpPr>
-          <p:cNvPr id="3" name="Rectangle 1"/>
+          <p:cNvPr id="4" name="Rectangle 1"/>
           <p:cNvSpPr>
             <a:spLocks noChangeArrowheads="1"/>
           </p:cNvSpPr>
@@ -6027,8 +5161,8 @@
         </p:nvSpPr>
         <p:spPr bwMode="auto">
           <a:xfrm>
-            <a:off x="419384" y="901613"/>
-            <a:ext cx="8645252" cy="369332"/>
+            <a:off x="423332" y="872404"/>
+            <a:ext cx="8902630" cy="2031325"/>
           </a:xfrm>
           <a:prstGeom prst="rect">
             <a:avLst/>
@@ -6076,7 +5210,7 @@
           </a:bodyPr>
           <a:lstStyle/>
           <a:p>
-            <a:pPr marL="0" marR="0" lvl="0" indent="0" algn="l" defTabSz="914400" rtl="0" eaLnBrk="0" fontAlgn="base" latinLnBrk="0" hangingPunct="0">
+            <a:pPr marL="342900" marR="0" lvl="0" indent="-342900" algn="l" defTabSz="914400" rtl="0" eaLnBrk="0" fontAlgn="base" latinLnBrk="0" hangingPunct="0">
               <a:lnSpc>
                 <a:spcPct val="100000"/>
               </a:lnSpc>
@@ -6088,95 +5222,11 @@
               </a:spcAft>
               <a:buClrTx/>
               <a:buSzTx/>
-              <a:buFontTx/>
-              <a:buNone/>
+              <a:buFont typeface="+mj-lt"/>
+              <a:buAutoNum type="arabicPeriod"/>
               <a:tabLst/>
             </a:pPr>
-            <a:r>
-              <a:rPr kumimoji="0" lang="fr-FR" altLang="en-US" b="0" i="0" u="none" strike="noStrike" cap="none" normalizeH="0" baseline="0" dirty="0" smtClean="0">
-                <a:ln>
-                  <a:noFill/>
-                </a:ln>
-                <a:solidFill>
-                  <a:schemeClr val="tx1"/>
-                </a:solidFill>
-                <a:effectLst/>
-                <a:latin typeface="Segoe UI" panose="020B0502040204020203" pitchFamily="34" charset="0"/>
-                <a:cs typeface="Segoe UI" panose="020B0502040204020203" pitchFamily="34" charset="0"/>
-              </a:rPr>
-              <a:t>Un </a:t>
-            </a:r>
-            <a:r>
-              <a:rPr lang="fr-FR" altLang="en-US" dirty="0" smtClean="0">
-                <a:latin typeface="Segoe UI" panose="020B0502040204020203" pitchFamily="34" charset="0"/>
-                <a:cs typeface="Segoe UI" panose="020B0502040204020203" pitchFamily="34" charset="0"/>
-              </a:rPr>
-              <a:t>nouvelle colonne nommée </a:t>
-            </a:r>
-            <a:r>
-              <a:rPr kumimoji="0" lang="fr-FR" altLang="en-US" b="1" i="0" u="none" strike="noStrike" cap="none" normalizeH="0" baseline="0" dirty="0" err="1" smtClean="0">
-                <a:ln>
-                  <a:noFill/>
-                </a:ln>
-                <a:solidFill>
-                  <a:schemeClr val="tx1"/>
-                </a:solidFill>
-                <a:effectLst/>
-                <a:latin typeface="Segoe UI" panose="020B0502040204020203" pitchFamily="34" charset="0"/>
-                <a:cs typeface="Segoe UI" panose="020B0502040204020203" pitchFamily="34" charset="0"/>
-              </a:rPr>
-              <a:t>TaxAmount</a:t>
-            </a:r>
-            <a:r>
-              <a:rPr kumimoji="0" lang="fr-FR" altLang="en-US" b="0" i="0" u="none" strike="noStrike" cap="none" normalizeH="0" baseline="0" dirty="0" smtClean="0">
-                <a:ln>
-                  <a:noFill/>
-                </a:ln>
-                <a:solidFill>
-                  <a:schemeClr val="tx1"/>
-                </a:solidFill>
-                <a:effectLst/>
-                <a:latin typeface="Segoe UI" panose="020B0502040204020203" pitchFamily="34" charset="0"/>
-                <a:cs typeface="Segoe UI" panose="020B0502040204020203" pitchFamily="34" charset="0"/>
-              </a:rPr>
-              <a:t> est</a:t>
-            </a:r>
-            <a:r>
-              <a:rPr kumimoji="0" lang="fr-FR" altLang="en-US" b="0" i="0" u="none" strike="noStrike" cap="none" normalizeH="0" dirty="0" smtClean="0">
-                <a:ln>
-                  <a:noFill/>
-                </a:ln>
-                <a:solidFill>
-                  <a:schemeClr val="tx1"/>
-                </a:solidFill>
-                <a:effectLst/>
-                <a:latin typeface="Segoe UI" panose="020B0502040204020203" pitchFamily="34" charset="0"/>
-                <a:cs typeface="Segoe UI" panose="020B0502040204020203" pitchFamily="34" charset="0"/>
-              </a:rPr>
-              <a:t> ajouté</a:t>
-            </a:r>
-            <a:r>
-              <a:rPr lang="fr-FR" altLang="en-US" dirty="0" smtClean="0">
-                <a:latin typeface="Segoe UI" panose="020B0502040204020203" pitchFamily="34" charset="0"/>
-                <a:cs typeface="Segoe UI" panose="020B0502040204020203" pitchFamily="34" charset="0"/>
-              </a:rPr>
-              <a:t>e, montrant le nouveau calcul</a:t>
-            </a:r>
-            <a:r>
-              <a:rPr kumimoji="0" lang="fr-FR" altLang="en-US" b="0" i="0" u="none" strike="noStrike" cap="none" normalizeH="0" baseline="0" dirty="0" smtClean="0">
-                <a:ln>
-                  <a:noFill/>
-                </a:ln>
-                <a:solidFill>
-                  <a:schemeClr val="tx1"/>
-                </a:solidFill>
-                <a:effectLst/>
-                <a:latin typeface="Segoe UI" panose="020B0502040204020203" pitchFamily="34" charset="0"/>
-                <a:cs typeface="Segoe UI" panose="020B0502040204020203" pitchFamily="34" charset="0"/>
-              </a:rPr>
-              <a:t>: </a:t>
-            </a:r>
-            <a:endParaRPr kumimoji="0" lang="fr-FR" altLang="en-US" b="0" i="0" u="none" strike="noStrike" cap="none" normalizeH="0" baseline="0" dirty="0" smtClean="0">
+            <a:endParaRPr kumimoji="0" lang="en-US" altLang="en-US" b="0" i="0" u="none" strike="noStrike" cap="none" normalizeH="0" baseline="0" dirty="0" smtClean="0">
               <a:ln>
                 <a:noFill/>
               </a:ln>
@@ -6188,42 +5238,1265 @@
               <a:cs typeface="Segoe UI" panose="020B0502040204020203" pitchFamily="34" charset="0"/>
             </a:endParaRPr>
           </a:p>
-        </p:txBody>
-      </p:sp>
-      <p:pic>
-        <p:nvPicPr>
-          <p:cNvPr id="4" name="Picture 3"/>
-          <p:cNvPicPr>
-            <a:picLocks noChangeAspect="1"/>
-          </p:cNvPicPr>
+          <a:p>
+            <a:pPr marL="342900" marR="0" lvl="0" indent="-342900" algn="l" defTabSz="914400" rtl="0" eaLnBrk="0" fontAlgn="base" latinLnBrk="0" hangingPunct="0">
+              <a:lnSpc>
+                <a:spcPct val="100000"/>
+              </a:lnSpc>
+              <a:spcBef>
+                <a:spcPct val="0"/>
+              </a:spcBef>
+              <a:spcAft>
+                <a:spcPct val="0"/>
+              </a:spcAft>
+              <a:buClrTx/>
+              <a:buSzTx/>
+              <a:buFont typeface="+mj-lt"/>
+              <a:buAutoNum type="arabicPeriod"/>
+              <a:tabLst/>
+            </a:pPr>
+            <a:r>
+              <a:rPr lang="en-US" altLang="en-US" dirty="0" err="1" smtClean="0">
+                <a:latin typeface="Segoe UI" panose="020B0502040204020203" pitchFamily="34" charset="0"/>
+                <a:cs typeface="Segoe UI" panose="020B0502040204020203" pitchFamily="34" charset="0"/>
+              </a:rPr>
+              <a:t>S</a:t>
+            </a:r>
+            <a:r>
+              <a:rPr kumimoji="0" lang="en-US" altLang="en-US" b="0" i="0" u="none" strike="noStrike" cap="none" normalizeH="0" baseline="0" dirty="0" err="1" smtClean="0">
+                <a:ln>
+                  <a:noFill/>
+                </a:ln>
+                <a:solidFill>
+                  <a:schemeClr val="tx1"/>
+                </a:solidFill>
+                <a:effectLst/>
+                <a:latin typeface="Segoe UI" panose="020B0502040204020203" pitchFamily="34" charset="0"/>
+                <a:cs typeface="Segoe UI" panose="020B0502040204020203" pitchFamily="34" charset="0"/>
+              </a:rPr>
+              <a:t>électionner</a:t>
+            </a:r>
+            <a:r>
+              <a:rPr kumimoji="0" lang="en-US" altLang="en-US" b="0" i="0" u="none" strike="noStrike" cap="none" normalizeH="0" baseline="0" dirty="0" smtClean="0">
+                <a:ln>
+                  <a:noFill/>
+                </a:ln>
+                <a:solidFill>
+                  <a:schemeClr val="tx1"/>
+                </a:solidFill>
+                <a:effectLst/>
+                <a:latin typeface="Segoe UI" panose="020B0502040204020203" pitchFamily="34" charset="0"/>
+                <a:cs typeface="Segoe UI" panose="020B0502040204020203" pitchFamily="34" charset="0"/>
+              </a:rPr>
+              <a:t> la table </a:t>
+            </a:r>
+            <a:r>
+              <a:rPr kumimoji="0" lang="en-US" altLang="en-US" b="0" i="0" u="none" strike="noStrike" cap="none" normalizeH="0" baseline="0" dirty="0" err="1" smtClean="0">
+                <a:ln>
+                  <a:noFill/>
+                </a:ln>
+                <a:solidFill>
+                  <a:schemeClr val="tx1"/>
+                </a:solidFill>
+                <a:effectLst/>
+                <a:latin typeface="Segoe UI" panose="020B0502040204020203" pitchFamily="34" charset="0"/>
+                <a:cs typeface="Segoe UI" panose="020B0502040204020203" pitchFamily="34" charset="0"/>
+              </a:rPr>
+              <a:t>contenant</a:t>
+            </a:r>
+            <a:r>
+              <a:rPr kumimoji="0" lang="en-US" altLang="en-US" b="0" i="0" u="none" strike="noStrike" cap="none" normalizeH="0" baseline="0" dirty="0" smtClean="0">
+                <a:ln>
+                  <a:noFill/>
+                </a:ln>
+                <a:solidFill>
+                  <a:schemeClr val="tx1"/>
+                </a:solidFill>
+                <a:effectLst/>
+                <a:latin typeface="Segoe UI" panose="020B0502040204020203" pitchFamily="34" charset="0"/>
+                <a:cs typeface="Segoe UI" panose="020B0502040204020203" pitchFamily="34" charset="0"/>
+              </a:rPr>
+              <a:t> </a:t>
+            </a:r>
+            <a:r>
+              <a:rPr kumimoji="0" lang="en-US" altLang="en-US" b="1" i="0" u="none" strike="noStrike" cap="none" normalizeH="0" baseline="0" dirty="0" err="1" smtClean="0">
+                <a:ln>
+                  <a:noFill/>
+                </a:ln>
+                <a:solidFill>
+                  <a:schemeClr val="tx1"/>
+                </a:solidFill>
+                <a:effectLst/>
+                <a:latin typeface="Segoe UI" panose="020B0502040204020203" pitchFamily="34" charset="0"/>
+                <a:cs typeface="Segoe UI" panose="020B0502040204020203" pitchFamily="34" charset="0"/>
+              </a:rPr>
+              <a:t>SalesID</a:t>
+            </a:r>
+            <a:r>
+              <a:rPr kumimoji="0" lang="en-US" altLang="en-US" b="1" i="0" u="none" strike="noStrike" cap="none" normalizeH="0" baseline="0" dirty="0" smtClean="0">
+                <a:ln>
+                  <a:noFill/>
+                </a:ln>
+                <a:solidFill>
+                  <a:schemeClr val="tx1"/>
+                </a:solidFill>
+                <a:effectLst/>
+                <a:latin typeface="Segoe UI" panose="020B0502040204020203" pitchFamily="34" charset="0"/>
+                <a:cs typeface="Segoe UI" panose="020B0502040204020203" pitchFamily="34" charset="0"/>
+              </a:rPr>
+              <a:t>, Customer Name, Total Sales</a:t>
+            </a:r>
+            <a:r>
+              <a:rPr kumimoji="0" lang="en-US" altLang="en-US" b="0" i="0" u="none" strike="noStrike" cap="none" normalizeH="0" baseline="0" dirty="0" smtClean="0">
+                <a:ln>
+                  <a:noFill/>
+                </a:ln>
+                <a:solidFill>
+                  <a:schemeClr val="tx1"/>
+                </a:solidFill>
+                <a:effectLst/>
+                <a:latin typeface="Segoe UI" panose="020B0502040204020203" pitchFamily="34" charset="0"/>
+                <a:cs typeface="Segoe UI" panose="020B0502040204020203" pitchFamily="34" charset="0"/>
+              </a:rPr>
+              <a:t>.</a:t>
+            </a:r>
+          </a:p>
+          <a:p>
+            <a:pPr marL="342900" marR="0" lvl="0" indent="-342900" algn="l" defTabSz="914400" rtl="0" eaLnBrk="0" fontAlgn="base" latinLnBrk="0" hangingPunct="0">
+              <a:lnSpc>
+                <a:spcPct val="100000"/>
+              </a:lnSpc>
+              <a:spcBef>
+                <a:spcPct val="0"/>
+              </a:spcBef>
+              <a:spcAft>
+                <a:spcPct val="0"/>
+              </a:spcAft>
+              <a:buClrTx/>
+              <a:buSzTx/>
+              <a:buFont typeface="+mj-lt"/>
+              <a:buAutoNum type="arabicPeriod"/>
+              <a:tabLst/>
+            </a:pPr>
+            <a:r>
+              <a:rPr kumimoji="0" lang="en-US" altLang="en-US" b="0" i="0" u="none" strike="noStrike" cap="none" normalizeH="0" baseline="0" dirty="0" smtClean="0">
+                <a:ln>
+                  <a:noFill/>
+                </a:ln>
+                <a:solidFill>
+                  <a:schemeClr val="tx1"/>
+                </a:solidFill>
+                <a:effectLst/>
+                <a:latin typeface="Segoe UI" panose="020B0502040204020203" pitchFamily="34" charset="0"/>
+                <a:cs typeface="Segoe UI" panose="020B0502040204020203" pitchFamily="34" charset="0"/>
+              </a:rPr>
+              <a:t>Cliquer sur </a:t>
+            </a:r>
+            <a:r>
+              <a:rPr kumimoji="0" lang="en-US" altLang="en-US" b="1" i="0" u="none" strike="noStrike" cap="none" normalizeH="0" baseline="0" dirty="0" err="1" smtClean="0">
+                <a:ln>
+                  <a:noFill/>
+                </a:ln>
+                <a:solidFill>
+                  <a:schemeClr val="tx1"/>
+                </a:solidFill>
+                <a:effectLst/>
+                <a:latin typeface="Segoe UI" panose="020B0502040204020203" pitchFamily="34" charset="0"/>
+                <a:cs typeface="Segoe UI" panose="020B0502040204020203" pitchFamily="34" charset="0"/>
+              </a:rPr>
+              <a:t>Ajouter</a:t>
+            </a:r>
+            <a:r>
+              <a:rPr kumimoji="0" lang="en-US" altLang="en-US" b="1" i="0" u="none" strike="noStrike" cap="none" normalizeH="0" baseline="0" dirty="0" smtClean="0">
+                <a:ln>
+                  <a:noFill/>
+                </a:ln>
+                <a:solidFill>
+                  <a:schemeClr val="tx1"/>
+                </a:solidFill>
+                <a:effectLst/>
+                <a:latin typeface="Segoe UI" panose="020B0502040204020203" pitchFamily="34" charset="0"/>
+                <a:cs typeface="Segoe UI" panose="020B0502040204020203" pitchFamily="34" charset="0"/>
+              </a:rPr>
+              <a:t> </a:t>
+            </a:r>
+            <a:r>
+              <a:rPr kumimoji="0" lang="en-US" altLang="en-US" b="1" i="0" u="none" strike="noStrike" cap="none" normalizeH="0" baseline="0" dirty="0" err="1" smtClean="0">
+                <a:ln>
+                  <a:noFill/>
+                </a:ln>
+                <a:solidFill>
+                  <a:schemeClr val="tx1"/>
+                </a:solidFill>
+                <a:effectLst/>
+                <a:latin typeface="Segoe UI" panose="020B0502040204020203" pitchFamily="34" charset="0"/>
+                <a:cs typeface="Segoe UI" panose="020B0502040204020203" pitchFamily="34" charset="0"/>
+              </a:rPr>
+              <a:t>une</a:t>
+            </a:r>
+            <a:r>
+              <a:rPr kumimoji="0" lang="en-US" altLang="en-US" b="1" i="0" u="none" strike="noStrike" cap="none" normalizeH="0" baseline="0" dirty="0" smtClean="0">
+                <a:ln>
+                  <a:noFill/>
+                </a:ln>
+                <a:solidFill>
+                  <a:schemeClr val="tx1"/>
+                </a:solidFill>
+                <a:effectLst/>
+                <a:latin typeface="Segoe UI" panose="020B0502040204020203" pitchFamily="34" charset="0"/>
+                <a:cs typeface="Segoe UI" panose="020B0502040204020203" pitchFamily="34" charset="0"/>
+              </a:rPr>
+              <a:t> </a:t>
+            </a:r>
+            <a:r>
+              <a:rPr kumimoji="0" lang="en-US" altLang="en-US" b="1" i="0" u="none" strike="noStrike" cap="none" normalizeH="0" baseline="0" dirty="0" err="1" smtClean="0">
+                <a:ln>
+                  <a:noFill/>
+                </a:ln>
+                <a:solidFill>
+                  <a:schemeClr val="tx1"/>
+                </a:solidFill>
+                <a:effectLst/>
+                <a:latin typeface="Segoe UI" panose="020B0502040204020203" pitchFamily="34" charset="0"/>
+                <a:cs typeface="Segoe UI" panose="020B0502040204020203" pitchFamily="34" charset="0"/>
+              </a:rPr>
+              <a:t>colonne</a:t>
+            </a:r>
+            <a:r>
+              <a:rPr kumimoji="0" lang="en-US" altLang="en-US" b="0" i="0" u="none" strike="noStrike" cap="none" normalizeH="0" baseline="0" dirty="0" smtClean="0">
+                <a:ln>
+                  <a:noFill/>
+                </a:ln>
+                <a:solidFill>
+                  <a:schemeClr val="tx1"/>
+                </a:solidFill>
+                <a:effectLst/>
+                <a:latin typeface="Segoe UI" panose="020B0502040204020203" pitchFamily="34" charset="0"/>
+                <a:cs typeface="Segoe UI" panose="020B0502040204020203" pitchFamily="34" charset="0"/>
+              </a:rPr>
+              <a:t> → </a:t>
+            </a:r>
+            <a:r>
+              <a:rPr kumimoji="0" lang="en-US" altLang="en-US" b="1" i="0" u="none" strike="noStrike" cap="none" normalizeH="0" baseline="0" dirty="0" err="1" smtClean="0">
+                <a:ln>
+                  <a:noFill/>
+                </a:ln>
+                <a:solidFill>
+                  <a:schemeClr val="tx1"/>
+                </a:solidFill>
+                <a:effectLst/>
+                <a:latin typeface="Segoe UI" panose="020B0502040204020203" pitchFamily="34" charset="0"/>
+                <a:cs typeface="Segoe UI" panose="020B0502040204020203" pitchFamily="34" charset="0"/>
+              </a:rPr>
+              <a:t>Colonne</a:t>
+            </a:r>
+            <a:r>
+              <a:rPr kumimoji="0" lang="en-US" altLang="en-US" b="1" i="0" u="none" strike="noStrike" cap="none" normalizeH="0" baseline="0" dirty="0" smtClean="0">
+                <a:ln>
+                  <a:noFill/>
+                </a:ln>
+                <a:solidFill>
+                  <a:schemeClr val="tx1"/>
+                </a:solidFill>
+                <a:effectLst/>
+                <a:latin typeface="Segoe UI" panose="020B0502040204020203" pitchFamily="34" charset="0"/>
+                <a:cs typeface="Segoe UI" panose="020B0502040204020203" pitchFamily="34" charset="0"/>
+              </a:rPr>
+              <a:t> </a:t>
+            </a:r>
+            <a:r>
+              <a:rPr kumimoji="0" lang="en-US" altLang="en-US" b="1" i="0" u="none" strike="noStrike" cap="none" normalizeH="0" baseline="0" dirty="0" err="1" smtClean="0">
+                <a:ln>
+                  <a:noFill/>
+                </a:ln>
+                <a:solidFill>
+                  <a:schemeClr val="tx1"/>
+                </a:solidFill>
+                <a:effectLst/>
+                <a:latin typeface="Segoe UI" panose="020B0502040204020203" pitchFamily="34" charset="0"/>
+                <a:cs typeface="Segoe UI" panose="020B0502040204020203" pitchFamily="34" charset="0"/>
+              </a:rPr>
+              <a:t>personnalisée</a:t>
+            </a:r>
+            <a:r>
+              <a:rPr kumimoji="0" lang="en-US" altLang="en-US" b="0" i="0" u="none" strike="noStrike" cap="none" normalizeH="0" baseline="0" dirty="0" smtClean="0">
+                <a:ln>
+                  <a:noFill/>
+                </a:ln>
+                <a:solidFill>
+                  <a:schemeClr val="tx1"/>
+                </a:solidFill>
+                <a:effectLst/>
+                <a:latin typeface="Segoe UI" panose="020B0502040204020203" pitchFamily="34" charset="0"/>
+                <a:cs typeface="Segoe UI" panose="020B0502040204020203" pitchFamily="34" charset="0"/>
+              </a:rPr>
+              <a:t>.</a:t>
+            </a:r>
+          </a:p>
+          <a:p>
+            <a:pPr marL="342900" marR="0" lvl="0" indent="-342900" algn="l" defTabSz="914400" rtl="0" eaLnBrk="0" fontAlgn="base" latinLnBrk="0" hangingPunct="0">
+              <a:lnSpc>
+                <a:spcPct val="100000"/>
+              </a:lnSpc>
+              <a:spcBef>
+                <a:spcPct val="0"/>
+              </a:spcBef>
+              <a:spcAft>
+                <a:spcPct val="0"/>
+              </a:spcAft>
+              <a:buClrTx/>
+              <a:buSzTx/>
+              <a:buFont typeface="+mj-lt"/>
+              <a:buAutoNum type="arabicPeriod"/>
+              <a:tabLst/>
+            </a:pPr>
+            <a:r>
+              <a:rPr kumimoji="0" lang="en-US" altLang="en-US" b="0" i="0" u="none" strike="noStrike" cap="none" normalizeH="0" baseline="0" dirty="0" err="1" smtClean="0">
+                <a:ln>
+                  <a:noFill/>
+                </a:ln>
+                <a:solidFill>
+                  <a:schemeClr val="tx1"/>
+                </a:solidFill>
+                <a:effectLst/>
+                <a:latin typeface="Segoe UI" panose="020B0502040204020203" pitchFamily="34" charset="0"/>
+                <a:cs typeface="Segoe UI" panose="020B0502040204020203" pitchFamily="34" charset="0"/>
+              </a:rPr>
+              <a:t>Dans</a:t>
+            </a:r>
+            <a:r>
+              <a:rPr kumimoji="0" lang="en-US" altLang="en-US" b="0" i="0" u="none" strike="noStrike" cap="none" normalizeH="0" baseline="0" dirty="0" smtClean="0">
+                <a:ln>
+                  <a:noFill/>
+                </a:ln>
+                <a:solidFill>
+                  <a:schemeClr val="tx1"/>
+                </a:solidFill>
+                <a:effectLst/>
+                <a:latin typeface="Segoe UI" panose="020B0502040204020203" pitchFamily="34" charset="0"/>
+                <a:cs typeface="Segoe UI" panose="020B0502040204020203" pitchFamily="34" charset="0"/>
+              </a:rPr>
+              <a:t> la </a:t>
+            </a:r>
+            <a:r>
+              <a:rPr kumimoji="0" lang="en-US" altLang="en-US" b="0" i="0" u="none" strike="noStrike" cap="none" normalizeH="0" baseline="0" dirty="0" err="1" smtClean="0">
+                <a:ln>
+                  <a:noFill/>
+                </a:ln>
+                <a:solidFill>
+                  <a:schemeClr val="tx1"/>
+                </a:solidFill>
+                <a:effectLst/>
+                <a:latin typeface="Segoe UI" panose="020B0502040204020203" pitchFamily="34" charset="0"/>
+                <a:cs typeface="Segoe UI" panose="020B0502040204020203" pitchFamily="34" charset="0"/>
+              </a:rPr>
+              <a:t>boîte</a:t>
+            </a:r>
+            <a:r>
+              <a:rPr kumimoji="0" lang="en-US" altLang="en-US" b="0" i="0" u="none" strike="noStrike" cap="none" normalizeH="0" baseline="0" dirty="0" smtClean="0">
+                <a:ln>
+                  <a:noFill/>
+                </a:ln>
+                <a:solidFill>
+                  <a:schemeClr val="tx1"/>
+                </a:solidFill>
+                <a:effectLst/>
+                <a:latin typeface="Segoe UI" panose="020B0502040204020203" pitchFamily="34" charset="0"/>
+                <a:cs typeface="Segoe UI" panose="020B0502040204020203" pitchFamily="34" charset="0"/>
+              </a:rPr>
+              <a:t> de dialogue </a:t>
+            </a:r>
+            <a:r>
+              <a:rPr kumimoji="0" lang="en-US" altLang="en-US" b="1" i="0" u="none" strike="noStrike" cap="none" normalizeH="0" baseline="0" dirty="0" err="1" smtClean="0">
+                <a:ln>
+                  <a:noFill/>
+                </a:ln>
+                <a:solidFill>
+                  <a:schemeClr val="tx1"/>
+                </a:solidFill>
+                <a:effectLst/>
+                <a:latin typeface="Segoe UI" panose="020B0502040204020203" pitchFamily="34" charset="0"/>
+                <a:cs typeface="Segoe UI" panose="020B0502040204020203" pitchFamily="34" charset="0"/>
+              </a:rPr>
+              <a:t>Ajouter</a:t>
+            </a:r>
+            <a:r>
+              <a:rPr kumimoji="0" lang="en-US" altLang="en-US" b="1" i="0" u="none" strike="noStrike" cap="none" normalizeH="0" baseline="0" dirty="0" smtClean="0">
+                <a:ln>
+                  <a:noFill/>
+                </a:ln>
+                <a:solidFill>
+                  <a:schemeClr val="tx1"/>
+                </a:solidFill>
+                <a:effectLst/>
+                <a:latin typeface="Segoe UI" panose="020B0502040204020203" pitchFamily="34" charset="0"/>
+                <a:cs typeface="Segoe UI" panose="020B0502040204020203" pitchFamily="34" charset="0"/>
+              </a:rPr>
+              <a:t> </a:t>
+            </a:r>
+            <a:r>
+              <a:rPr kumimoji="0" lang="en-US" altLang="en-US" b="1" i="0" u="none" strike="noStrike" cap="none" normalizeH="0" baseline="0" dirty="0" err="1" smtClean="0">
+                <a:ln>
+                  <a:noFill/>
+                </a:ln>
+                <a:solidFill>
+                  <a:schemeClr val="tx1"/>
+                </a:solidFill>
+                <a:effectLst/>
+                <a:latin typeface="Segoe UI" panose="020B0502040204020203" pitchFamily="34" charset="0"/>
+                <a:cs typeface="Segoe UI" panose="020B0502040204020203" pitchFamily="34" charset="0"/>
+              </a:rPr>
+              <a:t>une</a:t>
+            </a:r>
+            <a:r>
+              <a:rPr kumimoji="0" lang="en-US" altLang="en-US" b="1" i="0" u="none" strike="noStrike" cap="none" normalizeH="0" baseline="0" dirty="0" smtClean="0">
+                <a:ln>
+                  <a:noFill/>
+                </a:ln>
+                <a:solidFill>
+                  <a:schemeClr val="tx1"/>
+                </a:solidFill>
+                <a:effectLst/>
+                <a:latin typeface="Segoe UI" panose="020B0502040204020203" pitchFamily="34" charset="0"/>
+                <a:cs typeface="Segoe UI" panose="020B0502040204020203" pitchFamily="34" charset="0"/>
+              </a:rPr>
+              <a:t> </a:t>
+            </a:r>
+            <a:r>
+              <a:rPr kumimoji="0" lang="en-US" altLang="en-US" b="1" i="0" u="none" strike="noStrike" cap="none" normalizeH="0" baseline="0" dirty="0" err="1" smtClean="0">
+                <a:ln>
+                  <a:noFill/>
+                </a:ln>
+                <a:solidFill>
+                  <a:schemeClr val="tx1"/>
+                </a:solidFill>
+                <a:effectLst/>
+                <a:latin typeface="Segoe UI" panose="020B0502040204020203" pitchFamily="34" charset="0"/>
+                <a:cs typeface="Segoe UI" panose="020B0502040204020203" pitchFamily="34" charset="0"/>
+              </a:rPr>
+              <a:t>colonne</a:t>
+            </a:r>
+            <a:r>
+              <a:rPr kumimoji="0" lang="en-US" altLang="en-US" b="1" i="0" u="none" strike="noStrike" cap="none" normalizeH="0" baseline="0" dirty="0" smtClean="0">
+                <a:ln>
+                  <a:noFill/>
+                </a:ln>
+                <a:solidFill>
+                  <a:schemeClr val="tx1"/>
+                </a:solidFill>
+                <a:effectLst/>
+                <a:latin typeface="Segoe UI" panose="020B0502040204020203" pitchFamily="34" charset="0"/>
+                <a:cs typeface="Segoe UI" panose="020B0502040204020203" pitchFamily="34" charset="0"/>
+              </a:rPr>
+              <a:t> </a:t>
+            </a:r>
+            <a:r>
+              <a:rPr kumimoji="0" lang="en-US" altLang="en-US" b="1" i="0" u="none" strike="noStrike" cap="none" normalizeH="0" baseline="0" dirty="0" err="1" smtClean="0">
+                <a:ln>
+                  <a:noFill/>
+                </a:ln>
+                <a:solidFill>
+                  <a:schemeClr val="tx1"/>
+                </a:solidFill>
+                <a:effectLst/>
+                <a:latin typeface="Segoe UI" panose="020B0502040204020203" pitchFamily="34" charset="0"/>
+                <a:cs typeface="Segoe UI" panose="020B0502040204020203" pitchFamily="34" charset="0"/>
+              </a:rPr>
+              <a:t>personnalisée</a:t>
+            </a:r>
+            <a:r>
+              <a:rPr kumimoji="0" lang="en-US" altLang="en-US" b="0" i="0" u="none" strike="noStrike" cap="none" normalizeH="0" baseline="0" dirty="0" smtClean="0">
+                <a:ln>
+                  <a:noFill/>
+                </a:ln>
+                <a:solidFill>
+                  <a:schemeClr val="tx1"/>
+                </a:solidFill>
+                <a:effectLst/>
+                <a:latin typeface="Segoe UI" panose="020B0502040204020203" pitchFamily="34" charset="0"/>
+                <a:cs typeface="Segoe UI" panose="020B0502040204020203" pitchFamily="34" charset="0"/>
+              </a:rPr>
+              <a:t> :</a:t>
+            </a:r>
+          </a:p>
+          <a:p>
+            <a:pPr marL="342900" marR="0" lvl="0" indent="-342900" algn="l" defTabSz="914400" rtl="0" eaLnBrk="0" fontAlgn="base" latinLnBrk="0" hangingPunct="0">
+              <a:lnSpc>
+                <a:spcPct val="100000"/>
+              </a:lnSpc>
+              <a:spcBef>
+                <a:spcPct val="0"/>
+              </a:spcBef>
+              <a:spcAft>
+                <a:spcPct val="0"/>
+              </a:spcAft>
+              <a:buClrTx/>
+              <a:buSzTx/>
+              <a:buFont typeface="+mj-lt"/>
+              <a:buAutoNum type="arabicPeriod"/>
+              <a:tabLst/>
+            </a:pPr>
+            <a:r>
+              <a:rPr kumimoji="0" lang="en-US" altLang="en-US" b="0" i="0" u="none" strike="noStrike" cap="none" normalizeH="0" baseline="0" dirty="0" smtClean="0">
+                <a:ln>
+                  <a:noFill/>
+                </a:ln>
+                <a:solidFill>
+                  <a:schemeClr val="tx1"/>
+                </a:solidFill>
+                <a:effectLst/>
+                <a:latin typeface="Segoe UI" panose="020B0502040204020203" pitchFamily="34" charset="0"/>
+                <a:cs typeface="Segoe UI" panose="020B0502040204020203" pitchFamily="34" charset="0"/>
+              </a:rPr>
+              <a:t>Donne-</a:t>
+            </a:r>
+            <a:r>
+              <a:rPr kumimoji="0" lang="en-US" altLang="en-US" b="0" i="0" u="none" strike="noStrike" cap="none" normalizeH="0" baseline="0" dirty="0" err="1" smtClean="0">
+                <a:ln>
+                  <a:noFill/>
+                </a:ln>
+                <a:solidFill>
+                  <a:schemeClr val="tx1"/>
+                </a:solidFill>
+                <a:effectLst/>
+                <a:latin typeface="Segoe UI" panose="020B0502040204020203" pitchFamily="34" charset="0"/>
+                <a:cs typeface="Segoe UI" panose="020B0502040204020203" pitchFamily="34" charset="0"/>
+              </a:rPr>
+              <a:t>lui</a:t>
+            </a:r>
+            <a:r>
+              <a:rPr kumimoji="0" lang="en-US" altLang="en-US" b="0" i="0" u="none" strike="noStrike" cap="none" normalizeH="0" baseline="0" dirty="0" smtClean="0">
+                <a:ln>
+                  <a:noFill/>
+                </a:ln>
+                <a:solidFill>
+                  <a:schemeClr val="tx1"/>
+                </a:solidFill>
+                <a:effectLst/>
+                <a:latin typeface="Segoe UI" panose="020B0502040204020203" pitchFamily="34" charset="0"/>
+                <a:cs typeface="Segoe UI" panose="020B0502040204020203" pitchFamily="34" charset="0"/>
+              </a:rPr>
+              <a:t> un nom, par </a:t>
+            </a:r>
+            <a:r>
+              <a:rPr kumimoji="0" lang="en-US" altLang="en-US" b="0" i="0" u="none" strike="noStrike" cap="none" normalizeH="0" baseline="0" dirty="0" err="1" smtClean="0">
+                <a:ln>
+                  <a:noFill/>
+                </a:ln>
+                <a:solidFill>
+                  <a:schemeClr val="tx1"/>
+                </a:solidFill>
+                <a:effectLst/>
+                <a:latin typeface="Segoe UI" panose="020B0502040204020203" pitchFamily="34" charset="0"/>
+                <a:cs typeface="Segoe UI" panose="020B0502040204020203" pitchFamily="34" charset="0"/>
+              </a:rPr>
+              <a:t>exemple</a:t>
+            </a:r>
+            <a:r>
+              <a:rPr kumimoji="0" lang="en-US" altLang="en-US" b="0" i="0" u="none" strike="noStrike" cap="none" normalizeH="0" baseline="0" dirty="0" smtClean="0">
+                <a:ln>
+                  <a:noFill/>
+                </a:ln>
+                <a:solidFill>
+                  <a:schemeClr val="tx1"/>
+                </a:solidFill>
+                <a:effectLst/>
+                <a:latin typeface="Segoe UI" panose="020B0502040204020203" pitchFamily="34" charset="0"/>
+                <a:cs typeface="Segoe UI" panose="020B0502040204020203" pitchFamily="34" charset="0"/>
+              </a:rPr>
+              <a:t> </a:t>
+            </a:r>
+            <a:r>
+              <a:rPr kumimoji="0" lang="en-US" altLang="en-US" b="1" i="0" u="none" strike="noStrike" cap="none" normalizeH="0" baseline="0" dirty="0" smtClean="0">
+                <a:ln>
+                  <a:noFill/>
+                </a:ln>
+                <a:solidFill>
+                  <a:schemeClr val="tx1"/>
+                </a:solidFill>
+                <a:effectLst/>
+                <a:latin typeface="Segoe UI" panose="020B0502040204020203" pitchFamily="34" charset="0"/>
+                <a:cs typeface="Segoe UI" panose="020B0502040204020203" pitchFamily="34" charset="0"/>
+              </a:rPr>
+              <a:t>Sales Tax</a:t>
+            </a:r>
+            <a:r>
+              <a:rPr kumimoji="0" lang="en-US" altLang="en-US" b="0" i="0" u="none" strike="noStrike" cap="none" normalizeH="0" baseline="0" dirty="0" smtClean="0">
+                <a:ln>
+                  <a:noFill/>
+                </a:ln>
+                <a:solidFill>
+                  <a:schemeClr val="tx1"/>
+                </a:solidFill>
+                <a:effectLst/>
+                <a:latin typeface="Segoe UI" panose="020B0502040204020203" pitchFamily="34" charset="0"/>
+                <a:cs typeface="Segoe UI" panose="020B0502040204020203" pitchFamily="34" charset="0"/>
+              </a:rPr>
+              <a:t>.</a:t>
+            </a:r>
+          </a:p>
+          <a:p>
+            <a:pPr marL="342900" marR="0" lvl="0" indent="-342900" algn="l" defTabSz="914400" rtl="0" eaLnBrk="0" fontAlgn="base" latinLnBrk="0" hangingPunct="0">
+              <a:lnSpc>
+                <a:spcPct val="100000"/>
+              </a:lnSpc>
+              <a:spcBef>
+                <a:spcPct val="0"/>
+              </a:spcBef>
+              <a:spcAft>
+                <a:spcPct val="0"/>
+              </a:spcAft>
+              <a:buClrTx/>
+              <a:buSzTx/>
+              <a:buFont typeface="+mj-lt"/>
+              <a:buAutoNum type="arabicPeriod"/>
+              <a:tabLst/>
+            </a:pPr>
+            <a:r>
+              <a:rPr kumimoji="0" lang="en-US" altLang="en-US" b="0" i="0" u="none" strike="noStrike" cap="none" normalizeH="0" baseline="0" dirty="0" err="1" smtClean="0">
+                <a:ln>
+                  <a:noFill/>
+                </a:ln>
+                <a:solidFill>
+                  <a:schemeClr val="tx1"/>
+                </a:solidFill>
+                <a:effectLst/>
+                <a:latin typeface="Segoe UI" panose="020B0502040204020203" pitchFamily="34" charset="0"/>
+                <a:cs typeface="Segoe UI" panose="020B0502040204020203" pitchFamily="34" charset="0"/>
+              </a:rPr>
+              <a:t>Utiliser</a:t>
+            </a:r>
+            <a:r>
+              <a:rPr kumimoji="0" lang="en-US" altLang="en-US" b="0" i="0" u="none" strike="noStrike" cap="none" normalizeH="0" baseline="0" dirty="0" smtClean="0">
+                <a:ln>
+                  <a:noFill/>
+                </a:ln>
+                <a:solidFill>
+                  <a:schemeClr val="tx1"/>
+                </a:solidFill>
+                <a:effectLst/>
+                <a:latin typeface="Segoe UI" panose="020B0502040204020203" pitchFamily="34" charset="0"/>
+                <a:cs typeface="Segoe UI" panose="020B0502040204020203" pitchFamily="34" charset="0"/>
+              </a:rPr>
+              <a:t> la </a:t>
+            </a:r>
+            <a:r>
+              <a:rPr kumimoji="0" lang="en-US" altLang="en-US" b="0" i="0" u="none" strike="noStrike" cap="none" normalizeH="0" baseline="0" dirty="0" err="1" smtClean="0">
+                <a:ln>
+                  <a:noFill/>
+                </a:ln>
+                <a:solidFill>
+                  <a:schemeClr val="tx1"/>
+                </a:solidFill>
+                <a:effectLst/>
+                <a:latin typeface="Segoe UI" panose="020B0502040204020203" pitchFamily="34" charset="0"/>
+                <a:cs typeface="Segoe UI" panose="020B0502040204020203" pitchFamily="34" charset="0"/>
+              </a:rPr>
+              <a:t>fonction</a:t>
+            </a:r>
+            <a:r>
+              <a:rPr kumimoji="0" lang="en-US" altLang="en-US" b="0" i="0" u="none" strike="noStrike" cap="none" normalizeH="0" baseline="0" dirty="0" smtClean="0">
+                <a:ln>
+                  <a:noFill/>
+                </a:ln>
+                <a:solidFill>
+                  <a:schemeClr val="tx1"/>
+                </a:solidFill>
+                <a:effectLst/>
+                <a:latin typeface="Segoe UI" panose="020B0502040204020203" pitchFamily="34" charset="0"/>
+                <a:cs typeface="Segoe UI" panose="020B0502040204020203" pitchFamily="34" charset="0"/>
+              </a:rPr>
+              <a:t> </a:t>
+            </a:r>
+            <a:r>
+              <a:rPr kumimoji="0" lang="en-US" altLang="en-US" b="1" i="0" u="none" strike="noStrike" cap="none" normalizeH="0" baseline="0" dirty="0" err="1" smtClean="0">
+                <a:ln>
+                  <a:noFill/>
+                </a:ln>
+                <a:solidFill>
+                  <a:schemeClr val="tx1"/>
+                </a:solidFill>
+                <a:effectLst/>
+                <a:latin typeface="Segoe UI" panose="020B0502040204020203" pitchFamily="34" charset="0"/>
+                <a:cs typeface="Segoe UI" panose="020B0502040204020203" pitchFamily="34" charset="0"/>
+              </a:rPr>
+              <a:t>CalculateTax</a:t>
+            </a:r>
+            <a:r>
+              <a:rPr kumimoji="0" lang="en-US" altLang="en-US" b="0" i="0" u="none" strike="noStrike" cap="none" normalizeH="0" baseline="0" dirty="0" smtClean="0">
+                <a:ln>
+                  <a:noFill/>
+                </a:ln>
+                <a:solidFill>
+                  <a:schemeClr val="tx1"/>
+                </a:solidFill>
+                <a:effectLst/>
+                <a:latin typeface="Segoe UI" panose="020B0502040204020203" pitchFamily="34" charset="0"/>
+                <a:cs typeface="Segoe UI" panose="020B0502040204020203" pitchFamily="34" charset="0"/>
+              </a:rPr>
+              <a:t> et </a:t>
+            </a:r>
+            <a:r>
+              <a:rPr kumimoji="0" lang="en-US" altLang="en-US" b="0" i="0" u="none" strike="noStrike" cap="none" normalizeH="0" baseline="0" dirty="0" err="1" smtClean="0">
+                <a:ln>
+                  <a:noFill/>
+                </a:ln>
+                <a:solidFill>
+                  <a:schemeClr val="tx1"/>
+                </a:solidFill>
+                <a:effectLst/>
+                <a:latin typeface="Segoe UI" panose="020B0502040204020203" pitchFamily="34" charset="0"/>
+                <a:cs typeface="Segoe UI" panose="020B0502040204020203" pitchFamily="34" charset="0"/>
+              </a:rPr>
+              <a:t>passe</a:t>
+            </a:r>
+            <a:r>
+              <a:rPr kumimoji="0" lang="en-US" altLang="en-US" b="0" i="0" u="none" strike="noStrike" cap="none" normalizeH="0" baseline="0" dirty="0" smtClean="0">
+                <a:ln>
+                  <a:noFill/>
+                </a:ln>
+                <a:solidFill>
+                  <a:schemeClr val="tx1"/>
+                </a:solidFill>
+                <a:effectLst/>
+                <a:latin typeface="Segoe UI" panose="020B0502040204020203" pitchFamily="34" charset="0"/>
+                <a:cs typeface="Segoe UI" panose="020B0502040204020203" pitchFamily="34" charset="0"/>
+              </a:rPr>
+              <a:t> la </a:t>
+            </a:r>
+            <a:r>
+              <a:rPr kumimoji="0" lang="en-US" altLang="en-US" b="0" i="0" u="none" strike="noStrike" cap="none" normalizeH="0" baseline="0" dirty="0" err="1" smtClean="0">
+                <a:ln>
+                  <a:noFill/>
+                </a:ln>
+                <a:solidFill>
+                  <a:schemeClr val="tx1"/>
+                </a:solidFill>
+                <a:effectLst/>
+                <a:latin typeface="Segoe UI" panose="020B0502040204020203" pitchFamily="34" charset="0"/>
+                <a:cs typeface="Segoe UI" panose="020B0502040204020203" pitchFamily="34" charset="0"/>
+              </a:rPr>
+              <a:t>colonne</a:t>
+            </a:r>
+            <a:r>
+              <a:rPr kumimoji="0" lang="en-US" altLang="en-US" b="0" i="0" u="none" strike="noStrike" cap="none" normalizeH="0" baseline="0" dirty="0" smtClean="0">
+                <a:ln>
+                  <a:noFill/>
+                </a:ln>
+                <a:solidFill>
+                  <a:schemeClr val="tx1"/>
+                </a:solidFill>
+                <a:effectLst/>
+                <a:latin typeface="Segoe UI" panose="020B0502040204020203" pitchFamily="34" charset="0"/>
+                <a:cs typeface="Segoe UI" panose="020B0502040204020203" pitchFamily="34" charset="0"/>
+              </a:rPr>
+              <a:t> </a:t>
+            </a:r>
+            <a:r>
+              <a:rPr kumimoji="0" lang="en-US" altLang="en-US" b="1" i="0" u="none" strike="noStrike" cap="none" normalizeH="0" baseline="0" dirty="0" smtClean="0">
+                <a:ln>
+                  <a:noFill/>
+                </a:ln>
+                <a:solidFill>
+                  <a:schemeClr val="tx1"/>
+                </a:solidFill>
+                <a:effectLst/>
+                <a:latin typeface="Segoe UI" panose="020B0502040204020203" pitchFamily="34" charset="0"/>
+                <a:cs typeface="Segoe UI" panose="020B0502040204020203" pitchFamily="34" charset="0"/>
+              </a:rPr>
+              <a:t>Total Sales</a:t>
+            </a:r>
+            <a:r>
+              <a:rPr kumimoji="0" lang="en-US" altLang="en-US" b="0" i="0" u="none" strike="noStrike" cap="none" normalizeH="0" baseline="0" dirty="0" smtClean="0">
+                <a:ln>
+                  <a:noFill/>
+                </a:ln>
+                <a:solidFill>
+                  <a:schemeClr val="tx1"/>
+                </a:solidFill>
+                <a:effectLst/>
+                <a:latin typeface="Segoe UI" panose="020B0502040204020203" pitchFamily="34" charset="0"/>
+                <a:cs typeface="Segoe UI" panose="020B0502040204020203" pitchFamily="34" charset="0"/>
+              </a:rPr>
+              <a:t> </a:t>
+            </a:r>
+            <a:r>
+              <a:rPr kumimoji="0" lang="en-US" altLang="en-US" b="0" i="0" u="none" strike="noStrike" cap="none" normalizeH="0" baseline="0" dirty="0" err="1" smtClean="0">
+                <a:ln>
+                  <a:noFill/>
+                </a:ln>
+                <a:solidFill>
+                  <a:schemeClr val="tx1"/>
+                </a:solidFill>
+                <a:effectLst/>
+                <a:latin typeface="Segoe UI" panose="020B0502040204020203" pitchFamily="34" charset="0"/>
+                <a:cs typeface="Segoe UI" panose="020B0502040204020203" pitchFamily="34" charset="0"/>
+              </a:rPr>
+              <a:t>comme</a:t>
+            </a:r>
+            <a:r>
+              <a:rPr kumimoji="0" lang="en-US" altLang="en-US" b="0" i="0" u="none" strike="noStrike" cap="none" normalizeH="0" baseline="0" dirty="0" smtClean="0">
+                <a:ln>
+                  <a:noFill/>
+                </a:ln>
+                <a:solidFill>
+                  <a:schemeClr val="tx1"/>
+                </a:solidFill>
+                <a:effectLst/>
+                <a:latin typeface="Segoe UI" panose="020B0502040204020203" pitchFamily="34" charset="0"/>
+                <a:cs typeface="Segoe UI" panose="020B0502040204020203" pitchFamily="34" charset="0"/>
+              </a:rPr>
+              <a:t> argument :</a:t>
+            </a:r>
+          </a:p>
+          <a:p>
+            <a:pPr marL="342900" marR="0" lvl="0" indent="-342900" algn="l" defTabSz="914400" rtl="0" eaLnBrk="0" fontAlgn="base" latinLnBrk="0" hangingPunct="0">
+              <a:lnSpc>
+                <a:spcPct val="100000"/>
+              </a:lnSpc>
+              <a:spcBef>
+                <a:spcPct val="0"/>
+              </a:spcBef>
+              <a:spcAft>
+                <a:spcPct val="0"/>
+              </a:spcAft>
+              <a:buClrTx/>
+              <a:buSzTx/>
+              <a:buFont typeface="+mj-lt"/>
+              <a:buAutoNum type="arabicPeriod"/>
+              <a:tabLst/>
+            </a:pPr>
+            <a:endParaRPr kumimoji="0" lang="en-US" altLang="en-US" b="0" i="0" u="none" strike="noStrike" cap="none" normalizeH="0" baseline="0" dirty="0" smtClean="0">
+              <a:ln>
+                <a:noFill/>
+              </a:ln>
+              <a:solidFill>
+                <a:schemeClr val="tx1"/>
+              </a:solidFill>
+              <a:effectLst/>
+              <a:latin typeface="Segoe UI" panose="020B0502040204020203" pitchFamily="34" charset="0"/>
+              <a:cs typeface="Segoe UI" panose="020B0502040204020203" pitchFamily="34" charset="0"/>
+            </a:endParaRPr>
+          </a:p>
+        </p:txBody>
+      </p:sp>
+      <p:sp>
+        <p:nvSpPr>
+          <p:cNvPr id="5" name="Rectangle 4"/>
+          <p:cNvSpPr/>
           <p:nvPr/>
-        </p:nvPicPr>
-        <p:blipFill>
-          <a:blip r:embed="rId2"/>
-          <a:stretch>
-            <a:fillRect/>
-          </a:stretch>
-        </p:blipFill>
+        </p:nvSpPr>
         <p:spPr>
           <a:xfrm>
-            <a:off x="547174" y="1444055"/>
-            <a:ext cx="8897592" cy="1838582"/>
+            <a:off x="830488" y="2971031"/>
+            <a:ext cx="3067891" cy="400110"/>
           </a:xfrm>
           <a:prstGeom prst="rect">
             <a:avLst/>
           </a:prstGeom>
         </p:spPr>
-      </p:pic>
-      <p:sp>
-        <p:nvSpPr>
-          <p:cNvPr id="5" name="Rectangle 4"/>
+        <p:txBody>
+          <a:bodyPr wrap="none">
+            <a:spAutoFit/>
+          </a:bodyPr>
+          <a:lstStyle/>
+          <a:p>
+            <a:r>
+              <a:rPr lang="en-US" sz="2000" dirty="0"/>
+              <a:t>= </a:t>
+            </a:r>
+            <a:r>
+              <a:rPr lang="en-US" sz="2000" dirty="0" err="1"/>
+              <a:t>CalculateTax</a:t>
+            </a:r>
+            <a:r>
+              <a:rPr lang="en-US" sz="2000" dirty="0"/>
+              <a:t>([Total Sales])</a:t>
+            </a:r>
+          </a:p>
+        </p:txBody>
+      </p:sp>
+      <p:sp>
+        <p:nvSpPr>
+          <p:cNvPr id="6" name="Rectangle 2"/>
+          <p:cNvSpPr>
+            <a:spLocks noChangeArrowheads="1"/>
+          </p:cNvSpPr>
+          <p:nvPr/>
+        </p:nvSpPr>
+        <p:spPr bwMode="auto">
+          <a:xfrm>
+            <a:off x="423332" y="3509640"/>
+            <a:ext cx="6186309" cy="646331"/>
+          </a:xfrm>
+          <a:prstGeom prst="rect">
+            <a:avLst/>
+          </a:prstGeom>
+          <a:noFill/>
+          <a:ln>
+            <a:noFill/>
+          </a:ln>
+          <a:effectLst/>
+          <a:extLst>
+            <a:ext uri="{909E8E84-426E-40DD-AFC4-6F175D3DCCD1}">
+              <a14:hiddenFill xmlns:a14="http://schemas.microsoft.com/office/drawing/2010/main">
+                <a:solidFill>
+                  <a:schemeClr val="accent1"/>
+                </a:solidFill>
+              </a14:hiddenFill>
+            </a:ext>
+            <a:ext uri="{91240B29-F687-4F45-9708-019B960494DF}">
+              <a14:hiddenLine xmlns:a14="http://schemas.microsoft.com/office/drawing/2010/main" w="9525">
+                <a:solidFill>
+                  <a:schemeClr val="tx1"/>
+                </a:solidFill>
+                <a:miter lim="800000"/>
+                <a:headEnd/>
+                <a:tailEnd/>
+              </a14:hiddenLine>
+            </a:ext>
+            <a:ext uri="{AF507438-7753-43E0-B8FC-AC1667EBCBE1}">
+              <a14:hiddenEffects xmlns:a14="http://schemas.microsoft.com/office/drawing/2010/main">
+                <a:effectLst>
+                  <a:outerShdw dist="35921" dir="2700000" algn="ctr" rotWithShape="0">
+                    <a:schemeClr val="bg2"/>
+                  </a:outerShdw>
+                </a:effectLst>
+              </a14:hiddenEffects>
+            </a:ext>
+          </a:extLst>
+        </p:spPr>
+        <p:txBody>
+          <a:bodyPr vert="horz" wrap="none" lIns="91440" tIns="45720" rIns="91440" bIns="45720" numCol="1" anchor="ctr" anchorCtr="0" compatLnSpc="1">
+            <a:prstTxWarp prst="textNoShape">
+              <a:avLst/>
+            </a:prstTxWarp>
+            <a:spAutoFit/>
+          </a:bodyPr>
+          <a:lstStyle/>
+          <a:p>
+            <a:pPr marR="0" lvl="0" algn="l" defTabSz="914400" rtl="0" eaLnBrk="0" fontAlgn="base" latinLnBrk="0" hangingPunct="0">
+              <a:lnSpc>
+                <a:spcPct val="100000"/>
+              </a:lnSpc>
+              <a:spcBef>
+                <a:spcPct val="0"/>
+              </a:spcBef>
+              <a:spcAft>
+                <a:spcPct val="0"/>
+              </a:spcAft>
+              <a:buClrTx/>
+              <a:buSzTx/>
+              <a:tabLst/>
+            </a:pPr>
+            <a:r>
+              <a:rPr kumimoji="0" lang="en-US" altLang="en-US" sz="1800" b="0" i="0" u="none" strike="noStrike" cap="none" normalizeH="0" baseline="0" dirty="0" smtClean="0">
+                <a:ln>
+                  <a:noFill/>
+                </a:ln>
+                <a:solidFill>
+                  <a:schemeClr val="tx1"/>
+                </a:solidFill>
+                <a:effectLst/>
+                <a:latin typeface="Arial" panose="020B0604020202020204" pitchFamily="34" charset="0"/>
+              </a:rPr>
+              <a:t>6.</a:t>
+            </a:r>
+            <a:r>
+              <a:rPr kumimoji="0" lang="en-US" altLang="en-US" sz="1800" b="0" i="0" u="none" strike="noStrike" cap="none" normalizeH="0" dirty="0" smtClean="0">
+                <a:ln>
+                  <a:noFill/>
+                </a:ln>
+                <a:solidFill>
+                  <a:schemeClr val="tx1"/>
+                </a:solidFill>
+                <a:effectLst/>
+                <a:latin typeface="Arial" panose="020B0604020202020204" pitchFamily="34" charset="0"/>
+              </a:rPr>
+              <a:t> </a:t>
+            </a:r>
+            <a:r>
+              <a:rPr kumimoji="0" lang="en-US" altLang="en-US" sz="1800" b="0" i="0" u="none" strike="noStrike" cap="none" normalizeH="0" baseline="0" dirty="0" err="1" smtClean="0">
+                <a:ln>
+                  <a:noFill/>
+                </a:ln>
+                <a:solidFill>
+                  <a:schemeClr val="tx1"/>
+                </a:solidFill>
+                <a:effectLst/>
+                <a:latin typeface="Arial" panose="020B0604020202020204" pitchFamily="34" charset="0"/>
+              </a:rPr>
+              <a:t>Ajouter</a:t>
+            </a:r>
+            <a:r>
+              <a:rPr kumimoji="0" lang="en-US" altLang="en-US" sz="1800" b="0" i="0" u="none" strike="noStrike" cap="none" normalizeH="0" baseline="0" dirty="0" smtClean="0">
+                <a:ln>
+                  <a:noFill/>
+                </a:ln>
+                <a:solidFill>
+                  <a:schemeClr val="tx1"/>
+                </a:solidFill>
+                <a:effectLst/>
+                <a:latin typeface="Arial" panose="020B0604020202020204" pitchFamily="34" charset="0"/>
+              </a:rPr>
+              <a:t> </a:t>
+            </a:r>
+            <a:r>
+              <a:rPr kumimoji="0" lang="en-US" altLang="en-US" sz="1800" b="0" i="0" u="none" strike="noStrike" cap="none" normalizeH="0" baseline="0" dirty="0" err="1" smtClean="0">
+                <a:ln>
+                  <a:noFill/>
+                </a:ln>
+                <a:solidFill>
+                  <a:schemeClr val="tx1"/>
+                </a:solidFill>
+                <a:effectLst/>
+                <a:latin typeface="Arial" panose="020B0604020202020204" pitchFamily="34" charset="0"/>
+              </a:rPr>
+              <a:t>une</a:t>
+            </a:r>
+            <a:r>
+              <a:rPr kumimoji="0" lang="en-US" altLang="en-US" sz="1800" b="0" i="0" u="none" strike="noStrike" cap="none" normalizeH="0" baseline="0" dirty="0" smtClean="0">
+                <a:ln>
+                  <a:noFill/>
+                </a:ln>
+                <a:solidFill>
+                  <a:schemeClr val="tx1"/>
+                </a:solidFill>
+                <a:effectLst/>
+                <a:latin typeface="Arial" panose="020B0604020202020204" pitchFamily="34" charset="0"/>
+              </a:rPr>
+              <a:t> </a:t>
+            </a:r>
+            <a:r>
+              <a:rPr kumimoji="0" lang="en-US" altLang="en-US" sz="1800" b="1" i="0" u="none" strike="noStrike" cap="none" normalizeH="0" baseline="0" dirty="0" smtClean="0">
+                <a:ln>
+                  <a:noFill/>
+                </a:ln>
+                <a:solidFill>
+                  <a:schemeClr val="tx1"/>
+                </a:solidFill>
+                <a:effectLst/>
+                <a:latin typeface="Arial" panose="020B0604020202020204" pitchFamily="34" charset="0"/>
+              </a:rPr>
+              <a:t>nouvelle </a:t>
+            </a:r>
+            <a:r>
+              <a:rPr kumimoji="0" lang="en-US" altLang="en-US" sz="1800" b="1" i="0" u="none" strike="noStrike" cap="none" normalizeH="0" baseline="0" dirty="0" err="1" smtClean="0">
+                <a:ln>
+                  <a:noFill/>
+                </a:ln>
+                <a:solidFill>
+                  <a:schemeClr val="tx1"/>
+                </a:solidFill>
+                <a:effectLst/>
+                <a:latin typeface="Arial" panose="020B0604020202020204" pitchFamily="34" charset="0"/>
+              </a:rPr>
+              <a:t>colonne</a:t>
+            </a:r>
+            <a:r>
+              <a:rPr kumimoji="0" lang="en-US" altLang="en-US" sz="1800" b="1" i="0" u="none" strike="noStrike" cap="none" normalizeH="0" baseline="0" dirty="0" smtClean="0">
+                <a:ln>
+                  <a:noFill/>
+                </a:ln>
+                <a:solidFill>
+                  <a:schemeClr val="tx1"/>
+                </a:solidFill>
+                <a:effectLst/>
+                <a:latin typeface="Arial" panose="020B0604020202020204" pitchFamily="34" charset="0"/>
+              </a:rPr>
+              <a:t> </a:t>
+            </a:r>
+            <a:r>
+              <a:rPr kumimoji="0" lang="en-US" altLang="en-US" sz="1800" b="1" i="0" u="none" strike="noStrike" cap="none" normalizeH="0" baseline="0" dirty="0" err="1" smtClean="0">
+                <a:ln>
+                  <a:noFill/>
+                </a:ln>
+                <a:solidFill>
+                  <a:schemeClr val="tx1"/>
+                </a:solidFill>
+                <a:effectLst/>
+                <a:latin typeface="Arial" panose="020B0604020202020204" pitchFamily="34" charset="0"/>
+              </a:rPr>
+              <a:t>personnalisée</a:t>
+            </a:r>
+            <a:r>
+              <a:rPr kumimoji="0" lang="en-US" altLang="en-US" sz="1800" b="0" i="0" u="none" strike="noStrike" cap="none" normalizeH="0" baseline="0" dirty="0" smtClean="0">
+                <a:ln>
+                  <a:noFill/>
+                </a:ln>
+                <a:solidFill>
+                  <a:schemeClr val="tx1"/>
+                </a:solidFill>
+                <a:effectLst/>
+                <a:latin typeface="Arial" panose="020B0604020202020204" pitchFamily="34" charset="0"/>
+              </a:rPr>
+              <a:t>.</a:t>
+            </a:r>
+          </a:p>
+          <a:p>
+            <a:pPr marR="0" lvl="0" algn="l" defTabSz="914400" rtl="0" eaLnBrk="0" fontAlgn="base" latinLnBrk="0" hangingPunct="0">
+              <a:lnSpc>
+                <a:spcPct val="100000"/>
+              </a:lnSpc>
+              <a:spcBef>
+                <a:spcPct val="0"/>
+              </a:spcBef>
+              <a:spcAft>
+                <a:spcPct val="0"/>
+              </a:spcAft>
+              <a:buClrTx/>
+              <a:buSzTx/>
+              <a:tabLst/>
+            </a:pPr>
+            <a:r>
+              <a:rPr lang="en-US" altLang="en-US" dirty="0" smtClean="0">
+                <a:latin typeface="Arial" panose="020B0604020202020204" pitchFamily="34" charset="0"/>
+              </a:rPr>
+              <a:t>7. </a:t>
+            </a:r>
+            <a:r>
+              <a:rPr kumimoji="0" lang="en-US" altLang="en-US" sz="1800" b="0" i="0" u="none" strike="noStrike" cap="none" normalizeH="0" baseline="0" dirty="0" err="1" smtClean="0">
+                <a:ln>
+                  <a:noFill/>
+                </a:ln>
+                <a:solidFill>
+                  <a:schemeClr val="tx1"/>
+                </a:solidFill>
+                <a:effectLst/>
+                <a:latin typeface="Arial" panose="020B0604020202020204" pitchFamily="34" charset="0"/>
+              </a:rPr>
+              <a:t>Utiliser</a:t>
+            </a:r>
+            <a:r>
+              <a:rPr kumimoji="0" lang="en-US" altLang="en-US" sz="1800" b="0" i="0" u="none" strike="noStrike" cap="none" normalizeH="0" baseline="0" dirty="0" smtClean="0">
+                <a:ln>
+                  <a:noFill/>
+                </a:ln>
+                <a:solidFill>
+                  <a:schemeClr val="tx1"/>
+                </a:solidFill>
+                <a:effectLst/>
+                <a:latin typeface="Arial" panose="020B0604020202020204" pitchFamily="34" charset="0"/>
+              </a:rPr>
+              <a:t> </a:t>
+            </a:r>
+            <a:r>
+              <a:rPr kumimoji="0" lang="en-US" altLang="en-US" sz="1800" b="0" i="0" u="none" strike="noStrike" cap="none" normalizeH="0" baseline="0" dirty="0" err="1" smtClean="0">
+                <a:ln>
+                  <a:noFill/>
+                </a:ln>
+                <a:solidFill>
+                  <a:schemeClr val="tx1"/>
+                </a:solidFill>
+                <a:effectLst/>
+                <a:latin typeface="Arial" panose="020B0604020202020204" pitchFamily="34" charset="0"/>
+              </a:rPr>
+              <a:t>cette</a:t>
+            </a:r>
+            <a:r>
+              <a:rPr kumimoji="0" lang="en-US" altLang="en-US" sz="1800" b="0" i="0" u="none" strike="noStrike" cap="none" normalizeH="0" baseline="0" dirty="0" smtClean="0">
+                <a:ln>
+                  <a:noFill/>
+                </a:ln>
+                <a:solidFill>
+                  <a:schemeClr val="tx1"/>
+                </a:solidFill>
+                <a:effectLst/>
+                <a:latin typeface="Arial" panose="020B0604020202020204" pitchFamily="34" charset="0"/>
+              </a:rPr>
+              <a:t> </a:t>
+            </a:r>
+            <a:r>
+              <a:rPr kumimoji="0" lang="en-US" altLang="en-US" sz="1800" b="0" i="0" u="none" strike="noStrike" cap="none" normalizeH="0" baseline="0" dirty="0" err="1" smtClean="0">
+                <a:ln>
+                  <a:noFill/>
+                </a:ln>
+                <a:solidFill>
+                  <a:schemeClr val="tx1"/>
+                </a:solidFill>
+                <a:effectLst/>
+                <a:latin typeface="Arial" panose="020B0604020202020204" pitchFamily="34" charset="0"/>
+              </a:rPr>
+              <a:t>formule</a:t>
+            </a:r>
+            <a:r>
+              <a:rPr kumimoji="0" lang="en-US" altLang="en-US" sz="1800" b="0" i="0" u="none" strike="noStrike" cap="none" normalizeH="0" baseline="0" dirty="0" smtClean="0">
+                <a:ln>
+                  <a:noFill/>
+                </a:ln>
+                <a:solidFill>
+                  <a:schemeClr val="tx1"/>
+                </a:solidFill>
+                <a:effectLst/>
+                <a:latin typeface="Arial" panose="020B0604020202020204" pitchFamily="34" charset="0"/>
+              </a:rPr>
+              <a:t> pour </a:t>
+            </a:r>
+            <a:r>
+              <a:rPr kumimoji="0" lang="en-US" altLang="en-US" sz="1800" b="0" i="0" u="none" strike="noStrike" cap="none" normalizeH="0" baseline="0" dirty="0" err="1" smtClean="0">
+                <a:ln>
+                  <a:noFill/>
+                </a:ln>
+                <a:solidFill>
+                  <a:schemeClr val="tx1"/>
+                </a:solidFill>
+                <a:effectLst/>
+                <a:latin typeface="Arial" panose="020B0604020202020204" pitchFamily="34" charset="0"/>
+              </a:rPr>
+              <a:t>ajouter</a:t>
+            </a:r>
+            <a:r>
+              <a:rPr kumimoji="0" lang="en-US" altLang="en-US" sz="1800" b="0" i="0" u="none" strike="noStrike" cap="none" normalizeH="0" baseline="0" dirty="0" smtClean="0">
+                <a:ln>
+                  <a:noFill/>
+                </a:ln>
+                <a:solidFill>
+                  <a:schemeClr val="tx1"/>
+                </a:solidFill>
+                <a:effectLst/>
+                <a:latin typeface="Arial" panose="020B0604020202020204" pitchFamily="34" charset="0"/>
+              </a:rPr>
+              <a:t> la </a:t>
+            </a:r>
+            <a:r>
+              <a:rPr kumimoji="0" lang="en-US" altLang="en-US" sz="1800" b="0" i="0" u="none" strike="noStrike" cap="none" normalizeH="0" baseline="0" dirty="0" err="1" smtClean="0">
+                <a:ln>
+                  <a:noFill/>
+                </a:ln>
+                <a:solidFill>
+                  <a:schemeClr val="tx1"/>
+                </a:solidFill>
+                <a:effectLst/>
+                <a:latin typeface="Arial" panose="020B0604020202020204" pitchFamily="34" charset="0"/>
+              </a:rPr>
+              <a:t>taxe</a:t>
+            </a:r>
+            <a:r>
+              <a:rPr kumimoji="0" lang="en-US" altLang="en-US" sz="1800" b="0" i="0" u="none" strike="noStrike" cap="none" normalizeH="0" baseline="0" dirty="0" smtClean="0">
+                <a:ln>
+                  <a:noFill/>
+                </a:ln>
+                <a:solidFill>
+                  <a:schemeClr val="tx1"/>
+                </a:solidFill>
+                <a:effectLst/>
+                <a:latin typeface="Arial" panose="020B0604020202020204" pitchFamily="34" charset="0"/>
+              </a:rPr>
+              <a:t> au total initial : </a:t>
+            </a:r>
+          </a:p>
+        </p:txBody>
+      </p:sp>
+      <p:sp>
+        <p:nvSpPr>
+          <p:cNvPr id="7" name="Rectangle 6"/>
           <p:cNvSpPr/>
           <p:nvPr/>
         </p:nvSpPr>
         <p:spPr>
           <a:xfrm>
-            <a:off x="547174" y="3643095"/>
-            <a:ext cx="6099362" cy="369332"/>
+            <a:off x="830488" y="4379637"/>
+            <a:ext cx="2944781" cy="400110"/>
           </a:xfrm>
           <a:prstGeom prst="rect">
             <a:avLst/>
@@ -6236,60 +6509,60 @@
           <a:lstStyle/>
           <a:p>
             <a:r>
+              <a:rPr lang="en-US" sz="2000" dirty="0"/>
+              <a:t>= [Total Sales] + [Sales Tax]</a:t>
+            </a:r>
+          </a:p>
+        </p:txBody>
+      </p:sp>
+      <p:sp>
+        <p:nvSpPr>
+          <p:cNvPr id="8" name="Rectangle 7"/>
+          <p:cNvSpPr/>
+          <p:nvPr/>
+        </p:nvSpPr>
+        <p:spPr>
+          <a:xfrm>
+            <a:off x="423332" y="5003413"/>
+            <a:ext cx="1949573" cy="369332"/>
+          </a:xfrm>
+          <a:prstGeom prst="rect">
+            <a:avLst/>
+          </a:prstGeom>
+        </p:spPr>
+        <p:txBody>
+          <a:bodyPr wrap="none">
+            <a:spAutoFit/>
+          </a:bodyPr>
+          <a:lstStyle/>
+          <a:p>
+            <a:r>
               <a:rPr lang="en-US" dirty="0" smtClean="0">
                 <a:latin typeface="Segoe UI" panose="020B0502040204020203" pitchFamily="34" charset="0"/>
                 <a:cs typeface="Segoe UI" panose="020B0502040204020203" pitchFamily="34" charset="0"/>
               </a:rPr>
-              <a:t>Cliquer </a:t>
+              <a:t>8. Cliquer </a:t>
+            </a:r>
+            <a:r>
+              <a:rPr lang="en-US" dirty="0">
+                <a:latin typeface="Segoe UI" panose="020B0502040204020203" pitchFamily="34" charset="0"/>
+                <a:cs typeface="Segoe UI" panose="020B0502040204020203" pitchFamily="34" charset="0"/>
+              </a:rPr>
+              <a:t>sur </a:t>
             </a:r>
             <a:r>
               <a:rPr lang="en-US" b="1" dirty="0">
                 <a:latin typeface="Segoe UI" panose="020B0502040204020203" pitchFamily="34" charset="0"/>
                 <a:cs typeface="Segoe UI" panose="020B0502040204020203" pitchFamily="34" charset="0"/>
               </a:rPr>
-              <a:t>Close &amp; Apply</a:t>
+              <a:t>OK</a:t>
             </a:r>
             <a:r>
               <a:rPr lang="en-US" dirty="0">
                 <a:latin typeface="Segoe UI" panose="020B0502040204020203" pitchFamily="34" charset="0"/>
                 <a:cs typeface="Segoe UI" panose="020B0502040204020203" pitchFamily="34" charset="0"/>
               </a:rPr>
-              <a:t> </a:t>
-            </a:r>
-            <a:r>
-              <a:rPr lang="en-US" dirty="0" smtClean="0">
-                <a:latin typeface="Segoe UI" panose="020B0502040204020203" pitchFamily="34" charset="0"/>
-                <a:cs typeface="Segoe UI" panose="020B0502040204020203" pitchFamily="34" charset="0"/>
-              </a:rPr>
-              <a:t>au </a:t>
-            </a:r>
-            <a:r>
-              <a:rPr lang="en-US" smtClean="0">
-                <a:latin typeface="Segoe UI" panose="020B0502040204020203" pitchFamily="34" charset="0"/>
-                <a:cs typeface="Segoe UI" panose="020B0502040204020203" pitchFamily="34" charset="0"/>
-              </a:rPr>
-              <a:t>niveau</a:t>
-            </a:r>
-            <a:r>
-              <a:rPr lang="en-US" dirty="0" smtClean="0">
-                <a:latin typeface="Segoe UI" panose="020B0502040204020203" pitchFamily="34" charset="0"/>
-                <a:cs typeface="Segoe UI" panose="020B0502040204020203" pitchFamily="34" charset="0"/>
-              </a:rPr>
-              <a:t> de </a:t>
-            </a:r>
-            <a:r>
-              <a:rPr lang="en-US" dirty="0" smtClean="0">
-                <a:latin typeface="Segoe UI" panose="020B0502040204020203" pitchFamily="34" charset="0"/>
-                <a:cs typeface="Segoe UI" panose="020B0502040204020203" pitchFamily="34" charset="0"/>
-              </a:rPr>
-              <a:t>Power </a:t>
-            </a:r>
-            <a:r>
-              <a:rPr lang="en-US" dirty="0">
-                <a:latin typeface="Segoe UI" panose="020B0502040204020203" pitchFamily="34" charset="0"/>
-                <a:cs typeface="Segoe UI" panose="020B0502040204020203" pitchFamily="34" charset="0"/>
-              </a:rPr>
-              <a:t>Query Editor.</a:t>
+              <a:t>.</a:t>
             </a:r>
           </a:p>
         </p:txBody>
@@ -6297,7 +6570,7 @@
     </p:spTree>
     <p:extLst>
       <p:ext uri="{BB962C8B-B14F-4D97-AF65-F5344CB8AC3E}">
-        <p14:creationId xmlns:p14="http://schemas.microsoft.com/office/powerpoint/2010/main" val="4274658502"/>
+        <p14:creationId xmlns:p14="http://schemas.microsoft.com/office/powerpoint/2010/main" val="713476372"/>
       </p:ext>
     </p:extLst>
   </p:cSld>
@@ -6308,6 +6581,667 @@
 </file>
 
 <file path=ppt/slides/slide6.xml><?xml version="1.0" encoding="utf-8"?>
+<p:sld xmlns:a="http://schemas.openxmlformats.org/drawingml/2006/main" xmlns:r="http://schemas.openxmlformats.org/officeDocument/2006/relationships" xmlns:p="http://schemas.openxmlformats.org/presentationml/2006/main">
+  <p:cSld>
+    <p:spTree>
+      <p:nvGrpSpPr>
+        <p:cNvPr id="1" name=""/>
+        <p:cNvGrpSpPr/>
+        <p:nvPr/>
+      </p:nvGrpSpPr>
+      <p:grpSpPr>
+        <a:xfrm>
+          <a:off x="0" y="0"/>
+          <a:ext cx="0" cy="0"/>
+          <a:chOff x="0" y="0"/>
+          <a:chExt cx="0" cy="0"/>
+        </a:xfrm>
+      </p:grpSpPr>
+      <p:sp>
+        <p:nvSpPr>
+          <p:cNvPr id="2" name="TextBox 1"/>
+          <p:cNvSpPr txBox="1"/>
+          <p:nvPr/>
+        </p:nvSpPr>
+        <p:spPr>
+          <a:xfrm flipH="1">
+            <a:off x="220004" y="281882"/>
+            <a:ext cx="3994485" cy="523220"/>
+          </a:xfrm>
+          <a:prstGeom prst="rect">
+            <a:avLst/>
+          </a:prstGeom>
+          <a:noFill/>
+        </p:spPr>
+        <p:txBody>
+          <a:bodyPr wrap="square" rtlCol="0">
+            <a:spAutoFit/>
+          </a:bodyPr>
+          <a:lstStyle/>
+          <a:p>
+            <a:r>
+              <a:rPr lang="en-US" sz="2800" dirty="0" smtClean="0">
+                <a:latin typeface="Segoe UI" panose="020B0502040204020203" pitchFamily="34" charset="0"/>
+                <a:cs typeface="Segoe UI" panose="020B0502040204020203" pitchFamily="34" charset="0"/>
+              </a:rPr>
+              <a:t>Invoker les </a:t>
+            </a:r>
+            <a:r>
+              <a:rPr lang="fr-FR" sz="2800" dirty="0" smtClean="0">
+                <a:latin typeface="Segoe UI" panose="020B0502040204020203" pitchFamily="34" charset="0"/>
+                <a:cs typeface="Segoe UI" panose="020B0502040204020203" pitchFamily="34" charset="0"/>
+              </a:rPr>
+              <a:t>fonctions</a:t>
+            </a:r>
+            <a:endParaRPr lang="fr-FR" sz="2800" dirty="0">
+              <a:latin typeface="Segoe UI" panose="020B0502040204020203" pitchFamily="34" charset="0"/>
+              <a:cs typeface="Segoe UI" panose="020B0502040204020203" pitchFamily="34" charset="0"/>
+            </a:endParaRPr>
+          </a:p>
+        </p:txBody>
+      </p:sp>
+      <p:graphicFrame>
+        <p:nvGraphicFramePr>
+          <p:cNvPr id="7" name="Table 6"/>
+          <p:cNvGraphicFramePr>
+            <a:graphicFrameLocks noGrp="1"/>
+          </p:cNvGraphicFramePr>
+          <p:nvPr>
+            <p:extLst>
+              <p:ext uri="{D42A27DB-BD31-4B8C-83A1-F6EECF244321}">
+                <p14:modId xmlns:p14="http://schemas.microsoft.com/office/powerpoint/2010/main" val="2715262069"/>
+              </p:ext>
+            </p:extLst>
+          </p:nvPr>
+        </p:nvGraphicFramePr>
+        <p:xfrm>
+          <a:off x="446617" y="1598877"/>
+          <a:ext cx="9391650" cy="1488440"/>
+        </p:xfrm>
+        <a:graphic>
+          <a:graphicData uri="http://schemas.openxmlformats.org/drawingml/2006/table">
+            <a:tbl>
+              <a:tblPr>
+                <a:tableStyleId>{5C22544A-7EE6-4342-B048-85BDC9FD1C3A}</a:tableStyleId>
+              </a:tblPr>
+              <a:tblGrid>
+                <a:gridCol w="1593883">
+                  <a:extLst>
+                    <a:ext uri="{9D8B030D-6E8A-4147-A177-3AD203B41FA5}">
+                      <a16:colId xmlns:a16="http://schemas.microsoft.com/office/drawing/2014/main" val="3643193735"/>
+                    </a:ext>
+                  </a:extLst>
+                </a:gridCol>
+                <a:gridCol w="2721862">
+                  <a:extLst>
+                    <a:ext uri="{9D8B030D-6E8A-4147-A177-3AD203B41FA5}">
+                      <a16:colId xmlns:a16="http://schemas.microsoft.com/office/drawing/2014/main" val="3588608991"/>
+                    </a:ext>
+                  </a:extLst>
+                </a:gridCol>
+                <a:gridCol w="1814575">
+                  <a:extLst>
+                    <a:ext uri="{9D8B030D-6E8A-4147-A177-3AD203B41FA5}">
+                      <a16:colId xmlns:a16="http://schemas.microsoft.com/office/drawing/2014/main" val="1399741455"/>
+                    </a:ext>
+                  </a:extLst>
+                </a:gridCol>
+                <a:gridCol w="1177021">
+                  <a:extLst>
+                    <a:ext uri="{9D8B030D-6E8A-4147-A177-3AD203B41FA5}">
+                      <a16:colId xmlns:a16="http://schemas.microsoft.com/office/drawing/2014/main" val="3815301254"/>
+                    </a:ext>
+                  </a:extLst>
+                </a:gridCol>
+                <a:gridCol w="2084309">
+                  <a:extLst>
+                    <a:ext uri="{9D8B030D-6E8A-4147-A177-3AD203B41FA5}">
+                      <a16:colId xmlns:a16="http://schemas.microsoft.com/office/drawing/2014/main" val="2867593651"/>
+                    </a:ext>
+                  </a:extLst>
+                </a:gridCol>
+              </a:tblGrid>
+              <a:tr h="273050">
+                <a:tc>
+                  <a:txBody>
+                    <a:bodyPr/>
+                    <a:lstStyle/>
+                    <a:p>
+                      <a:pPr algn="ctr" fontAlgn="ctr"/>
+                      <a:r>
+                        <a:rPr lang="en-US" sz="2400" u="none" strike="noStrike">
+                          <a:effectLst/>
+                        </a:rPr>
+                        <a:t>SalesID</a:t>
+                      </a:r>
+                      <a:endParaRPr lang="en-US" sz="2400" b="1" i="0" u="none" strike="noStrike">
+                        <a:solidFill>
+                          <a:srgbClr val="000000"/>
+                        </a:solidFill>
+                        <a:effectLst/>
+                        <a:latin typeface="Calibri" panose="020F0502020204030204" pitchFamily="34" charset="0"/>
+                      </a:endParaRPr>
+                    </a:p>
+                  </a:txBody>
+                  <a:tcPr marL="6350" marR="6350" marT="6350" marB="0" anchor="ctr"/>
+                </a:tc>
+                <a:tc>
+                  <a:txBody>
+                    <a:bodyPr/>
+                    <a:lstStyle/>
+                    <a:p>
+                      <a:pPr algn="ctr" fontAlgn="ctr"/>
+                      <a:r>
+                        <a:rPr lang="en-US" sz="2400" u="none" strike="noStrike">
+                          <a:effectLst/>
+                        </a:rPr>
+                        <a:t>Customer Name</a:t>
+                      </a:r>
+                      <a:endParaRPr lang="en-US" sz="2400" b="1" i="0" u="none" strike="noStrike">
+                        <a:solidFill>
+                          <a:srgbClr val="000000"/>
+                        </a:solidFill>
+                        <a:effectLst/>
+                        <a:latin typeface="Calibri" panose="020F0502020204030204" pitchFamily="34" charset="0"/>
+                      </a:endParaRPr>
+                    </a:p>
+                  </a:txBody>
+                  <a:tcPr marL="6350" marR="6350" marT="6350" marB="0" anchor="ctr"/>
+                </a:tc>
+                <a:tc>
+                  <a:txBody>
+                    <a:bodyPr/>
+                    <a:lstStyle/>
+                    <a:p>
+                      <a:pPr algn="ctr" fontAlgn="ctr"/>
+                      <a:r>
+                        <a:rPr lang="en-US" sz="2400" u="none" strike="noStrike">
+                          <a:effectLst/>
+                        </a:rPr>
+                        <a:t>Total Sales</a:t>
+                      </a:r>
+                      <a:endParaRPr lang="en-US" sz="2400" b="1" i="0" u="none" strike="noStrike">
+                        <a:solidFill>
+                          <a:srgbClr val="000000"/>
+                        </a:solidFill>
+                        <a:effectLst/>
+                        <a:latin typeface="Calibri" panose="020F0502020204030204" pitchFamily="34" charset="0"/>
+                      </a:endParaRPr>
+                    </a:p>
+                  </a:txBody>
+                  <a:tcPr marL="6350" marR="6350" marT="6350" marB="0" anchor="ctr"/>
+                </a:tc>
+                <a:tc>
+                  <a:txBody>
+                    <a:bodyPr/>
+                    <a:lstStyle/>
+                    <a:p>
+                      <a:pPr algn="ctr" fontAlgn="ctr"/>
+                      <a:r>
+                        <a:rPr lang="en-US" sz="2400" u="none" strike="noStrike">
+                          <a:effectLst/>
+                        </a:rPr>
+                        <a:t>Sales Tax</a:t>
+                      </a:r>
+                      <a:endParaRPr lang="en-US" sz="2400" b="1" i="0" u="none" strike="noStrike">
+                        <a:solidFill>
+                          <a:srgbClr val="000000"/>
+                        </a:solidFill>
+                        <a:effectLst/>
+                        <a:latin typeface="Calibri" panose="020F0502020204030204" pitchFamily="34" charset="0"/>
+                      </a:endParaRPr>
+                    </a:p>
+                  </a:txBody>
+                  <a:tcPr marL="6350" marR="6350" marT="6350" marB="0" anchor="ctr"/>
+                </a:tc>
+                <a:tc>
+                  <a:txBody>
+                    <a:bodyPr/>
+                    <a:lstStyle/>
+                    <a:p>
+                      <a:pPr algn="ctr" fontAlgn="ctr"/>
+                      <a:r>
+                        <a:rPr lang="en-US" sz="2400" u="none" strike="noStrike">
+                          <a:effectLst/>
+                        </a:rPr>
+                        <a:t>Total avec Taxe</a:t>
+                      </a:r>
+                      <a:endParaRPr lang="en-US" sz="2400" b="1" i="0" u="none" strike="noStrike">
+                        <a:solidFill>
+                          <a:srgbClr val="000000"/>
+                        </a:solidFill>
+                        <a:effectLst/>
+                        <a:latin typeface="Calibri" panose="020F0502020204030204" pitchFamily="34" charset="0"/>
+                      </a:endParaRPr>
+                    </a:p>
+                  </a:txBody>
+                  <a:tcPr marL="6350" marR="6350" marT="6350" marB="0" anchor="ctr"/>
+                </a:tc>
+                <a:extLst>
+                  <a:ext uri="{0D108BD9-81ED-4DB2-BD59-A6C34878D82A}">
+                    <a16:rowId xmlns:a16="http://schemas.microsoft.com/office/drawing/2014/main" val="2944450"/>
+                  </a:ext>
+                </a:extLst>
+              </a:tr>
+              <a:tr h="184150">
+                <a:tc>
+                  <a:txBody>
+                    <a:bodyPr/>
+                    <a:lstStyle/>
+                    <a:p>
+                      <a:pPr algn="ctr" fontAlgn="ctr"/>
+                      <a:r>
+                        <a:rPr lang="en-US" sz="2400" u="none" strike="noStrike">
+                          <a:effectLst/>
+                        </a:rPr>
+                        <a:t>1</a:t>
+                      </a:r>
+                      <a:endParaRPr lang="en-US" sz="2400" b="0" i="0" u="none" strike="noStrike">
+                        <a:solidFill>
+                          <a:srgbClr val="000000"/>
+                        </a:solidFill>
+                        <a:effectLst/>
+                        <a:latin typeface="Calibri" panose="020F0502020204030204" pitchFamily="34" charset="0"/>
+                      </a:endParaRPr>
+                    </a:p>
+                  </a:txBody>
+                  <a:tcPr marL="6350" marR="6350" marT="6350" marB="0" anchor="ctr"/>
+                </a:tc>
+                <a:tc>
+                  <a:txBody>
+                    <a:bodyPr/>
+                    <a:lstStyle/>
+                    <a:p>
+                      <a:pPr algn="ctr" fontAlgn="ctr"/>
+                      <a:r>
+                        <a:rPr lang="en-US" sz="2400" u="none" strike="noStrike">
+                          <a:effectLst/>
+                        </a:rPr>
+                        <a:t>Jhon Doe</a:t>
+                      </a:r>
+                      <a:endParaRPr lang="en-US" sz="2400" b="0" i="0" u="none" strike="noStrike">
+                        <a:solidFill>
+                          <a:srgbClr val="000000"/>
+                        </a:solidFill>
+                        <a:effectLst/>
+                        <a:latin typeface="Calibri" panose="020F0502020204030204" pitchFamily="34" charset="0"/>
+                      </a:endParaRPr>
+                    </a:p>
+                  </a:txBody>
+                  <a:tcPr marL="6350" marR="6350" marT="6350" marB="0" anchor="ctr"/>
+                </a:tc>
+                <a:tc>
+                  <a:txBody>
+                    <a:bodyPr/>
+                    <a:lstStyle/>
+                    <a:p>
+                      <a:pPr algn="ctr" fontAlgn="ctr"/>
+                      <a:r>
+                        <a:rPr lang="en-US" sz="2400" u="none" strike="noStrike">
+                          <a:effectLst/>
+                        </a:rPr>
+                        <a:t>1000</a:t>
+                      </a:r>
+                      <a:endParaRPr lang="en-US" sz="2400" b="0" i="0" u="none" strike="noStrike">
+                        <a:solidFill>
+                          <a:srgbClr val="000000"/>
+                        </a:solidFill>
+                        <a:effectLst/>
+                        <a:latin typeface="Calibri" panose="020F0502020204030204" pitchFamily="34" charset="0"/>
+                      </a:endParaRPr>
+                    </a:p>
+                  </a:txBody>
+                  <a:tcPr marL="6350" marR="6350" marT="6350" marB="0" anchor="ctr"/>
+                </a:tc>
+                <a:tc>
+                  <a:txBody>
+                    <a:bodyPr/>
+                    <a:lstStyle/>
+                    <a:p>
+                      <a:pPr algn="ctr" fontAlgn="ctr"/>
+                      <a:r>
+                        <a:rPr lang="en-US" sz="2400" u="none" strike="noStrike">
+                          <a:effectLst/>
+                        </a:rPr>
+                        <a:t>150</a:t>
+                      </a:r>
+                      <a:endParaRPr lang="en-US" sz="2400" b="0" i="0" u="none" strike="noStrike">
+                        <a:solidFill>
+                          <a:srgbClr val="000000"/>
+                        </a:solidFill>
+                        <a:effectLst/>
+                        <a:latin typeface="Calibri" panose="020F0502020204030204" pitchFamily="34" charset="0"/>
+                      </a:endParaRPr>
+                    </a:p>
+                  </a:txBody>
+                  <a:tcPr marL="6350" marR="6350" marT="6350" marB="0" anchor="ctr"/>
+                </a:tc>
+                <a:tc>
+                  <a:txBody>
+                    <a:bodyPr/>
+                    <a:lstStyle/>
+                    <a:p>
+                      <a:pPr algn="ctr" fontAlgn="ctr"/>
+                      <a:r>
+                        <a:rPr lang="en-US" sz="2400" u="none" strike="noStrike">
+                          <a:effectLst/>
+                        </a:rPr>
+                        <a:t>1150</a:t>
+                      </a:r>
+                      <a:endParaRPr lang="en-US" sz="2400" b="0" i="0" u="none" strike="noStrike">
+                        <a:solidFill>
+                          <a:srgbClr val="000000"/>
+                        </a:solidFill>
+                        <a:effectLst/>
+                        <a:latin typeface="Calibri" panose="020F0502020204030204" pitchFamily="34" charset="0"/>
+                      </a:endParaRPr>
+                    </a:p>
+                  </a:txBody>
+                  <a:tcPr marL="6350" marR="6350" marT="6350" marB="0" anchor="ctr"/>
+                </a:tc>
+                <a:extLst>
+                  <a:ext uri="{0D108BD9-81ED-4DB2-BD59-A6C34878D82A}">
+                    <a16:rowId xmlns:a16="http://schemas.microsoft.com/office/drawing/2014/main" val="210567699"/>
+                  </a:ext>
+                </a:extLst>
+              </a:tr>
+              <a:tr h="184150">
+                <a:tc>
+                  <a:txBody>
+                    <a:bodyPr/>
+                    <a:lstStyle/>
+                    <a:p>
+                      <a:pPr algn="ctr" fontAlgn="ctr"/>
+                      <a:r>
+                        <a:rPr lang="en-US" sz="2400" u="none" strike="noStrike">
+                          <a:effectLst/>
+                        </a:rPr>
+                        <a:t>2</a:t>
+                      </a:r>
+                      <a:endParaRPr lang="en-US" sz="2400" b="0" i="0" u="none" strike="noStrike">
+                        <a:solidFill>
+                          <a:srgbClr val="000000"/>
+                        </a:solidFill>
+                        <a:effectLst/>
+                        <a:latin typeface="Calibri" panose="020F0502020204030204" pitchFamily="34" charset="0"/>
+                      </a:endParaRPr>
+                    </a:p>
+                  </a:txBody>
+                  <a:tcPr marL="6350" marR="6350" marT="6350" marB="0" anchor="ctr"/>
+                </a:tc>
+                <a:tc>
+                  <a:txBody>
+                    <a:bodyPr/>
+                    <a:lstStyle/>
+                    <a:p>
+                      <a:pPr algn="ctr" fontAlgn="ctr"/>
+                      <a:r>
+                        <a:rPr lang="en-US" sz="2400" u="none" strike="noStrike">
+                          <a:effectLst/>
+                        </a:rPr>
+                        <a:t>Jane Smith</a:t>
+                      </a:r>
+                      <a:endParaRPr lang="en-US" sz="2400" b="0" i="0" u="none" strike="noStrike">
+                        <a:solidFill>
+                          <a:srgbClr val="000000"/>
+                        </a:solidFill>
+                        <a:effectLst/>
+                        <a:latin typeface="Calibri" panose="020F0502020204030204" pitchFamily="34" charset="0"/>
+                      </a:endParaRPr>
+                    </a:p>
+                  </a:txBody>
+                  <a:tcPr marL="6350" marR="6350" marT="6350" marB="0" anchor="ctr"/>
+                </a:tc>
+                <a:tc>
+                  <a:txBody>
+                    <a:bodyPr/>
+                    <a:lstStyle/>
+                    <a:p>
+                      <a:pPr algn="ctr" fontAlgn="ctr"/>
+                      <a:r>
+                        <a:rPr lang="en-US" sz="2400" u="none" strike="noStrike">
+                          <a:effectLst/>
+                        </a:rPr>
+                        <a:t>2000</a:t>
+                      </a:r>
+                      <a:endParaRPr lang="en-US" sz="2400" b="0" i="0" u="none" strike="noStrike">
+                        <a:solidFill>
+                          <a:srgbClr val="000000"/>
+                        </a:solidFill>
+                        <a:effectLst/>
+                        <a:latin typeface="Calibri" panose="020F0502020204030204" pitchFamily="34" charset="0"/>
+                      </a:endParaRPr>
+                    </a:p>
+                  </a:txBody>
+                  <a:tcPr marL="6350" marR="6350" marT="6350" marB="0" anchor="ctr"/>
+                </a:tc>
+                <a:tc>
+                  <a:txBody>
+                    <a:bodyPr/>
+                    <a:lstStyle/>
+                    <a:p>
+                      <a:pPr algn="ctr" fontAlgn="ctr"/>
+                      <a:r>
+                        <a:rPr lang="en-US" sz="2400" u="none" strike="noStrike">
+                          <a:effectLst/>
+                        </a:rPr>
+                        <a:t>300</a:t>
+                      </a:r>
+                      <a:endParaRPr lang="en-US" sz="2400" b="0" i="0" u="none" strike="noStrike">
+                        <a:solidFill>
+                          <a:srgbClr val="000000"/>
+                        </a:solidFill>
+                        <a:effectLst/>
+                        <a:latin typeface="Calibri" panose="020F0502020204030204" pitchFamily="34" charset="0"/>
+                      </a:endParaRPr>
+                    </a:p>
+                  </a:txBody>
+                  <a:tcPr marL="6350" marR="6350" marT="6350" marB="0" anchor="ctr"/>
+                </a:tc>
+                <a:tc>
+                  <a:txBody>
+                    <a:bodyPr/>
+                    <a:lstStyle/>
+                    <a:p>
+                      <a:pPr algn="ctr" fontAlgn="ctr"/>
+                      <a:r>
+                        <a:rPr lang="en-US" sz="2400" u="none" strike="noStrike">
+                          <a:effectLst/>
+                        </a:rPr>
+                        <a:t>2300</a:t>
+                      </a:r>
+                      <a:endParaRPr lang="en-US" sz="2400" b="0" i="0" u="none" strike="noStrike">
+                        <a:solidFill>
+                          <a:srgbClr val="000000"/>
+                        </a:solidFill>
+                        <a:effectLst/>
+                        <a:latin typeface="Calibri" panose="020F0502020204030204" pitchFamily="34" charset="0"/>
+                      </a:endParaRPr>
+                    </a:p>
+                  </a:txBody>
+                  <a:tcPr marL="6350" marR="6350" marT="6350" marB="0" anchor="ctr"/>
+                </a:tc>
+                <a:extLst>
+                  <a:ext uri="{0D108BD9-81ED-4DB2-BD59-A6C34878D82A}">
+                    <a16:rowId xmlns:a16="http://schemas.microsoft.com/office/drawing/2014/main" val="1914338558"/>
+                  </a:ext>
+                </a:extLst>
+              </a:tr>
+              <a:tr h="184150">
+                <a:tc>
+                  <a:txBody>
+                    <a:bodyPr/>
+                    <a:lstStyle/>
+                    <a:p>
+                      <a:pPr algn="ctr" fontAlgn="ctr"/>
+                      <a:r>
+                        <a:rPr lang="en-US" sz="2400" u="none" strike="noStrike">
+                          <a:effectLst/>
+                        </a:rPr>
+                        <a:t>3</a:t>
+                      </a:r>
+                      <a:endParaRPr lang="en-US" sz="2400" b="0" i="0" u="none" strike="noStrike">
+                        <a:solidFill>
+                          <a:srgbClr val="000000"/>
+                        </a:solidFill>
+                        <a:effectLst/>
+                        <a:latin typeface="Calibri" panose="020F0502020204030204" pitchFamily="34" charset="0"/>
+                      </a:endParaRPr>
+                    </a:p>
+                  </a:txBody>
+                  <a:tcPr marL="6350" marR="6350" marT="6350" marB="0" anchor="ctr"/>
+                </a:tc>
+                <a:tc>
+                  <a:txBody>
+                    <a:bodyPr/>
+                    <a:lstStyle/>
+                    <a:p>
+                      <a:pPr algn="ctr" fontAlgn="ctr"/>
+                      <a:r>
+                        <a:rPr lang="en-US" sz="2400" u="none" strike="noStrike">
+                          <a:effectLst/>
+                        </a:rPr>
+                        <a:t>Bob Johnson</a:t>
+                      </a:r>
+                      <a:endParaRPr lang="en-US" sz="2400" b="0" i="0" u="none" strike="noStrike">
+                        <a:solidFill>
+                          <a:srgbClr val="000000"/>
+                        </a:solidFill>
+                        <a:effectLst/>
+                        <a:latin typeface="Calibri" panose="020F0502020204030204" pitchFamily="34" charset="0"/>
+                      </a:endParaRPr>
+                    </a:p>
+                  </a:txBody>
+                  <a:tcPr marL="6350" marR="6350" marT="6350" marB="0" anchor="ctr"/>
+                </a:tc>
+                <a:tc>
+                  <a:txBody>
+                    <a:bodyPr/>
+                    <a:lstStyle/>
+                    <a:p>
+                      <a:pPr algn="ctr" fontAlgn="ctr"/>
+                      <a:r>
+                        <a:rPr lang="en-US" sz="2400" u="none" strike="noStrike">
+                          <a:effectLst/>
+                        </a:rPr>
+                        <a:t>1500</a:t>
+                      </a:r>
+                      <a:endParaRPr lang="en-US" sz="2400" b="0" i="0" u="none" strike="noStrike">
+                        <a:solidFill>
+                          <a:srgbClr val="000000"/>
+                        </a:solidFill>
+                        <a:effectLst/>
+                        <a:latin typeface="Calibri" panose="020F0502020204030204" pitchFamily="34" charset="0"/>
+                      </a:endParaRPr>
+                    </a:p>
+                  </a:txBody>
+                  <a:tcPr marL="6350" marR="6350" marT="6350" marB="0" anchor="ctr"/>
+                </a:tc>
+                <a:tc>
+                  <a:txBody>
+                    <a:bodyPr/>
+                    <a:lstStyle/>
+                    <a:p>
+                      <a:pPr algn="ctr" fontAlgn="ctr"/>
+                      <a:r>
+                        <a:rPr lang="en-US" sz="2400" u="none" strike="noStrike">
+                          <a:effectLst/>
+                        </a:rPr>
+                        <a:t>225</a:t>
+                      </a:r>
+                      <a:endParaRPr lang="en-US" sz="2400" b="0" i="0" u="none" strike="noStrike">
+                        <a:solidFill>
+                          <a:srgbClr val="000000"/>
+                        </a:solidFill>
+                        <a:effectLst/>
+                        <a:latin typeface="Calibri" panose="020F0502020204030204" pitchFamily="34" charset="0"/>
+                      </a:endParaRPr>
+                    </a:p>
+                  </a:txBody>
+                  <a:tcPr marL="6350" marR="6350" marT="6350" marB="0" anchor="ctr"/>
+                </a:tc>
+                <a:tc>
+                  <a:txBody>
+                    <a:bodyPr/>
+                    <a:lstStyle/>
+                    <a:p>
+                      <a:pPr algn="ctr" fontAlgn="ctr"/>
+                      <a:r>
+                        <a:rPr lang="en-US" sz="2400" u="none" strike="noStrike" dirty="0">
+                          <a:effectLst/>
+                        </a:rPr>
+                        <a:t>1725</a:t>
+                      </a:r>
+                      <a:endParaRPr lang="en-US" sz="2400" b="0" i="0" u="none" strike="noStrike" dirty="0">
+                        <a:solidFill>
+                          <a:srgbClr val="000000"/>
+                        </a:solidFill>
+                        <a:effectLst/>
+                        <a:latin typeface="Calibri" panose="020F0502020204030204" pitchFamily="34" charset="0"/>
+                      </a:endParaRPr>
+                    </a:p>
+                  </a:txBody>
+                  <a:tcPr marL="6350" marR="6350" marT="6350" marB="0" anchor="ctr"/>
+                </a:tc>
+                <a:extLst>
+                  <a:ext uri="{0D108BD9-81ED-4DB2-BD59-A6C34878D82A}">
+                    <a16:rowId xmlns:a16="http://schemas.microsoft.com/office/drawing/2014/main" val="1899315391"/>
+                  </a:ext>
+                </a:extLst>
+              </a:tr>
+            </a:tbl>
+          </a:graphicData>
+        </a:graphic>
+      </p:graphicFrame>
+      <p:sp>
+        <p:nvSpPr>
+          <p:cNvPr id="8" name="Rectangle 7"/>
+          <p:cNvSpPr/>
+          <p:nvPr/>
+        </p:nvSpPr>
+        <p:spPr>
+          <a:xfrm>
+            <a:off x="446617" y="1017323"/>
+            <a:ext cx="2082621" cy="369332"/>
+          </a:xfrm>
+          <a:prstGeom prst="rect">
+            <a:avLst/>
+          </a:prstGeom>
+        </p:spPr>
+        <p:txBody>
+          <a:bodyPr wrap="none">
+            <a:spAutoFit/>
+          </a:bodyPr>
+          <a:lstStyle/>
+          <a:p>
+            <a:r>
+              <a:rPr lang="fr-FR" dirty="0" smtClean="0">
+                <a:latin typeface="Segoe UI" panose="020B0502040204020203" pitchFamily="34" charset="0"/>
+                <a:cs typeface="Segoe UI" panose="020B0502040204020203" pitchFamily="34" charset="0"/>
+              </a:rPr>
+              <a:t>Le résultat attendu</a:t>
+            </a:r>
+            <a:endParaRPr lang="fr-FR" dirty="0">
+              <a:latin typeface="Segoe UI" panose="020B0502040204020203" pitchFamily="34" charset="0"/>
+              <a:cs typeface="Segoe UI" panose="020B0502040204020203" pitchFamily="34" charset="0"/>
+            </a:endParaRPr>
+          </a:p>
+        </p:txBody>
+      </p:sp>
+    </p:spTree>
+    <p:extLst>
+      <p:ext uri="{BB962C8B-B14F-4D97-AF65-F5344CB8AC3E}">
+        <p14:creationId xmlns:p14="http://schemas.microsoft.com/office/powerpoint/2010/main" val="2749833625"/>
+      </p:ext>
+    </p:extLst>
+  </p:cSld>
+  <p:clrMapOvr>
+    <a:masterClrMapping/>
+  </p:clrMapOvr>
+</p:sld>
+</file>
+
+<file path=ppt/slides/slide7.xml><?xml version="1.0" encoding="utf-8"?>
 <p:sld xmlns:a="http://schemas.openxmlformats.org/drawingml/2006/main" xmlns:r="http://schemas.openxmlformats.org/officeDocument/2006/relationships" xmlns:p="http://schemas.openxmlformats.org/presentationml/2006/main">
   <p:cSld>
     <p:bg>
